--- a/Homework/math/2022202654/presentation_2022202654.pptx
+++ b/Homework/math/2022202654/presentation_2022202654.pptx
@@ -205,7 +205,7 @@
           <a:p>
             <a:fld id="{6CE42295-681B-4E26-BA69-480DDBEC640F}" type="datetimeFigureOut">
               <a:rPr lang="zh-CN" altLang="en-US" smtClean="0"/>
-              <a:t>2025/6/3</a:t>
+              <a:t>2025/6/4</a:t>
             </a:fld>
             <a:endParaRPr lang="zh-CN" altLang="en-US"/>
           </a:p>
@@ -933,7 +933,7 @@
           <a:p>
             <a:fld id="{F35C29DF-03A5-407C-9729-76C1FF9FB44C}" type="datetime1">
               <a:rPr lang="zh-CN" altLang="en-US" smtClean="0"/>
-              <a:t>2025/6/3</a:t>
+              <a:t>2025/6/4</a:t>
             </a:fld>
             <a:endParaRPr lang="zh-CN" altLang="en-US"/>
           </a:p>
@@ -1096,7 +1096,7 @@
           <a:p>
             <a:fld id="{91B6311F-8AAE-423F-B986-76E70EBF0A82}" type="datetime1">
               <a:rPr lang="zh-CN" altLang="en-US" smtClean="0"/>
-              <a:t>2025/6/3</a:t>
+              <a:t>2025/6/4</a:t>
             </a:fld>
             <a:endParaRPr lang="zh-CN" altLang="en-US"/>
           </a:p>
@@ -1269,7 +1269,7 @@
           <a:p>
             <a:fld id="{C037BDAC-71EC-461C-AB13-7C14324DF739}" type="datetime1">
               <a:rPr lang="zh-CN" altLang="en-US" smtClean="0"/>
-              <a:t>2025/6/3</a:t>
+              <a:t>2025/6/4</a:t>
             </a:fld>
             <a:endParaRPr lang="zh-CN" altLang="en-US"/>
           </a:p>
@@ -1359,7 +1359,7 @@
           <a:p>
             <a:fld id="{EF20ECAD-0472-4133-8A9D-4B2F6237AC58}" type="datetime1">
               <a:rPr lang="zh-CN" altLang="en-US" smtClean="0"/>
-              <a:t>2025/6/3</a:t>
+              <a:t>2025/6/4</a:t>
             </a:fld>
             <a:endParaRPr lang="zh-CN" altLang="en-US"/>
           </a:p>
@@ -1773,7 +1773,7 @@
           <a:p>
             <a:fld id="{058A653E-0E76-45E8-AC51-561DC4160245}" type="datetime1">
               <a:rPr lang="zh-CN" altLang="en-US" smtClean="0"/>
-              <a:t>2025/6/3</a:t>
+              <a:t>2025/6/4</a:t>
             </a:fld>
             <a:endParaRPr lang="zh-CN" altLang="en-US"/>
           </a:p>
@@ -1997,7 +1997,7 @@
           <a:p>
             <a:fld id="{A18D2FF4-E3C9-4FED-A074-F6108E0BE98A}" type="datetime1">
               <a:rPr lang="zh-CN" altLang="en-US" smtClean="0"/>
-              <a:t>2025/6/3</a:t>
+              <a:t>2025/6/4</a:t>
             </a:fld>
             <a:endParaRPr lang="zh-CN" altLang="en-US"/>
           </a:p>
@@ -2357,7 +2357,7 @@
           <a:p>
             <a:fld id="{E8F62296-8D74-4941-AB42-AF46D431AF0E}" type="datetime1">
               <a:rPr lang="zh-CN" altLang="en-US" smtClean="0"/>
-              <a:t>2025/6/3</a:t>
+              <a:t>2025/6/4</a:t>
             </a:fld>
             <a:endParaRPr lang="zh-CN" altLang="en-US"/>
           </a:p>
@@ -2483,7 +2483,7 @@
           <a:p>
             <a:fld id="{CE6266D2-0067-43FC-9A74-550BFB2F7B58}" type="datetime1">
               <a:rPr lang="zh-CN" altLang="en-US" smtClean="0"/>
-              <a:t>2025/6/3</a:t>
+              <a:t>2025/6/4</a:t>
             </a:fld>
             <a:endParaRPr lang="zh-CN" altLang="en-US"/>
           </a:p>
@@ -2573,7 +2573,7 @@
           <a:p>
             <a:fld id="{140BB480-D82D-495A-B952-1CFC82EC6661}" type="datetime1">
               <a:rPr lang="zh-CN" altLang="en-US" smtClean="0"/>
-              <a:t>2025/6/3</a:t>
+              <a:t>2025/6/4</a:t>
             </a:fld>
             <a:endParaRPr lang="zh-CN" altLang="en-US"/>
           </a:p>
@@ -2843,7 +2843,7 @@
           <a:p>
             <a:fld id="{EAD11108-36D2-4557-BA39-961837054A5B}" type="datetime1">
               <a:rPr lang="zh-CN" altLang="en-US" smtClean="0"/>
-              <a:t>2025/6/3</a:t>
+              <a:t>2025/6/4</a:t>
             </a:fld>
             <a:endParaRPr lang="zh-CN" altLang="en-US"/>
           </a:p>
@@ -3093,7 +3093,7 @@
           <a:p>
             <a:fld id="{6F93C538-F123-4B43-87C2-556BD6C65E41}" type="datetime1">
               <a:rPr lang="zh-CN" altLang="en-US" smtClean="0"/>
-              <a:t>2025/6/3</a:t>
+              <a:t>2025/6/4</a:t>
             </a:fld>
             <a:endParaRPr lang="zh-CN" altLang="en-US"/>
           </a:p>
@@ -3299,7 +3299,7 @@
           <a:p>
             <a:fld id="{6B92CE78-5F0E-461E-AC7D-A1145CE5D324}" type="datetime1">
               <a:rPr lang="zh-CN" altLang="en-US" smtClean="0"/>
-              <a:t>2025/6/3</a:t>
+              <a:t>2025/6/4</a:t>
             </a:fld>
             <a:endParaRPr lang="zh-CN" altLang="en-US"/>
           </a:p>
@@ -3832,7 +3832,7 @@
           <a:p>
             <a:pPr algn="ctr"/>
             <a:r>
-              <a:rPr lang="en-US" altLang="zh-CN" sz="3600" b="1" dirty="0" smtClean="0">
+              <a:rPr lang="en-US" altLang="zh-CN" sz="3600" b="1" dirty="0">
                 <a:solidFill>
                   <a:schemeClr val="bg1"/>
                 </a:solidFill>
@@ -3843,7 +3843,7 @@
               <a:t>AI</a:t>
             </a:r>
             <a:r>
-              <a:rPr lang="zh-CN" altLang="en-US" sz="3600" b="1" dirty="0" smtClean="0">
+              <a:rPr lang="zh-CN" altLang="en-US" sz="3600" b="1" dirty="0">
                 <a:solidFill>
                   <a:schemeClr val="bg1"/>
                 </a:solidFill>
@@ -3854,7 +3854,7 @@
               <a:t>与</a:t>
             </a:r>
             <a:r>
-              <a:rPr lang="en-US" altLang="zh-CN" sz="3600" b="1" dirty="0" smtClean="0">
+              <a:rPr lang="en-US" altLang="zh-CN" sz="3600" b="1" dirty="0">
                 <a:solidFill>
                   <a:schemeClr val="bg1"/>
                 </a:solidFill>
@@ -3865,7 +3865,7 @@
               <a:t>Python</a:t>
             </a:r>
             <a:r>
-              <a:rPr lang="zh-CN" altLang="en-US" sz="3600" b="1" dirty="0" smtClean="0">
+              <a:rPr lang="zh-CN" altLang="en-US" sz="3600" b="1" dirty="0">
                 <a:solidFill>
                   <a:schemeClr val="bg1"/>
                 </a:solidFill>
@@ -3910,14 +3910,14 @@
           <a:p>
             <a:pPr algn="ctr"/>
             <a:r>
-              <a:rPr lang="en-US" altLang="zh-CN" sz="1600" b="1" dirty="0" smtClean="0">
+              <a:rPr lang="en-US" altLang="zh-CN" sz="1600" b="1" dirty="0">
                 <a:latin typeface="楷体" panose="02010609060101010101" pitchFamily="49" charset="-122"/>
                 <a:ea typeface="楷体" panose="02010609060101010101" pitchFamily="49" charset="-122"/>
               </a:rPr>
               <a:t>2022202654 </a:t>
             </a:r>
             <a:r>
-              <a:rPr lang="zh-CN" altLang="en-US" sz="1600" b="1" dirty="0" smtClean="0">
+              <a:rPr lang="zh-CN" altLang="en-US" sz="1600" b="1" dirty="0">
                 <a:latin typeface="楷体" panose="02010609060101010101" pitchFamily="49" charset="-122"/>
                 <a:ea typeface="楷体" panose="02010609060101010101" pitchFamily="49" charset="-122"/>
               </a:rPr>
@@ -3961,7 +3961,7 @@
           <a:p>
             <a:pPr algn="ctr"/>
             <a:r>
-              <a:rPr lang="en-US" altLang="zh-CN" sz="1600" dirty="0" smtClean="0">
+              <a:rPr lang="en-US" altLang="zh-CN" sz="1600" dirty="0">
                 <a:latin typeface="Times New Roman" panose="02020603050405020304" pitchFamily="18" charset="0"/>
                 <a:ea typeface="楷体" panose="02010609060101010101" pitchFamily="49" charset="-122"/>
                 <a:cs typeface="Times New Roman" panose="02020603050405020304" pitchFamily="18" charset="0"/>
@@ -3969,7 +3969,7 @@
               <a:t>2025</a:t>
             </a:r>
             <a:r>
-              <a:rPr lang="zh-CN" altLang="en-US" sz="1600" dirty="0" smtClean="0">
+              <a:rPr lang="zh-CN" altLang="en-US" sz="1600" dirty="0">
                 <a:latin typeface="Times New Roman" panose="02020603050405020304" pitchFamily="18" charset="0"/>
                 <a:ea typeface="楷体" panose="02010609060101010101" pitchFamily="49" charset="-122"/>
                 <a:cs typeface="Times New Roman" panose="02020603050405020304" pitchFamily="18" charset="0"/>
@@ -3977,7 +3977,7 @@
               <a:t>年</a:t>
             </a:r>
             <a:r>
-              <a:rPr lang="en-US" altLang="zh-CN" sz="1600" dirty="0" smtClean="0">
+              <a:rPr lang="en-US" altLang="zh-CN" sz="1600" dirty="0">
                 <a:latin typeface="Times New Roman" panose="02020603050405020304" pitchFamily="18" charset="0"/>
                 <a:ea typeface="楷体" panose="02010609060101010101" pitchFamily="49" charset="-122"/>
                 <a:cs typeface="Times New Roman" panose="02020603050405020304" pitchFamily="18" charset="0"/>
@@ -3985,18 +3985,13 @@
               <a:t>6</a:t>
             </a:r>
             <a:r>
-              <a:rPr lang="zh-CN" altLang="en-US" sz="1600" dirty="0" smtClean="0">
+              <a:rPr lang="zh-CN" altLang="en-US" sz="1600" dirty="0">
                 <a:latin typeface="Times New Roman" panose="02020603050405020304" pitchFamily="18" charset="0"/>
                 <a:ea typeface="楷体" panose="02010609060101010101" pitchFamily="49" charset="-122"/>
                 <a:cs typeface="Times New Roman" panose="02020603050405020304" pitchFamily="18" charset="0"/>
               </a:rPr>
               <a:t>月</a:t>
             </a:r>
-            <a:endParaRPr lang="zh-CN" altLang="en-US" sz="1600" dirty="0">
-              <a:latin typeface="Times New Roman" panose="02020603050405020304" pitchFamily="18" charset="0"/>
-              <a:ea typeface="楷体" panose="02010609060101010101" pitchFamily="49" charset="-122"/>
-              <a:cs typeface="Times New Roman" panose="02020603050405020304" pitchFamily="18" charset="0"/>
-            </a:endParaRPr>
           </a:p>
         </p:txBody>
       </p:sp>
@@ -4177,7 +4172,7 @@
               <a:buNone/>
             </a:pPr>
             <a:r>
-              <a:rPr kumimoji="0" lang="zh-CN" altLang="en-US" sz="1800" b="1" i="0" u="none" strike="noStrike" kern="1200" cap="none" spc="0" normalizeH="0" baseline="0" noProof="0" dirty="0" smtClean="0">
+              <a:rPr kumimoji="0" lang="zh-CN" altLang="en-US" sz="1800" b="1" i="0" u="none" strike="noStrike" kern="1200" cap="none" spc="0" normalizeH="0" baseline="0" noProof="0" dirty="0">
                 <a:ln>
                   <a:noFill/>
                 </a:ln>
@@ -4309,24 +4304,14 @@
               <a:buAutoNum type="arabicPeriod"/>
             </a:pPr>
             <a:r>
-              <a:rPr lang="zh-CN" altLang="en-US" sz="1700" dirty="0" smtClean="0">
+              <a:rPr lang="zh-CN" altLang="en-US" sz="1700" dirty="0">
                 <a:solidFill>
                   <a:srgbClr val="404040"/>
                 </a:solidFill>
                 <a:latin typeface="华文宋体" panose="02010600040101010101" pitchFamily="2" charset="-122"/>
                 <a:ea typeface="华文宋体" panose="02010600040101010101" pitchFamily="2" charset="-122"/>
               </a:rPr>
-              <a:t>加载数据源</a:t>
-            </a:r>
-            <a:r>
-              <a:rPr lang="zh-CN" altLang="en-US" sz="1700" dirty="0">
-                <a:solidFill>
-                  <a:srgbClr val="404040"/>
-                </a:solidFill>
-                <a:latin typeface="华文宋体" panose="02010600040101010101" pitchFamily="2" charset="-122"/>
-                <a:ea typeface="华文宋体" panose="02010600040101010101" pitchFamily="2" charset="-122"/>
-              </a:rPr>
-              <a:t>：交易数据（训练</a:t>
+              <a:t>加载数据源：交易数据（训练</a:t>
             </a:r>
             <a:r>
               <a:rPr lang="en-US" altLang="zh-CN" sz="1700" dirty="0">
@@ -4355,7 +4340,7 @@
               <a:buAutoNum type="arabicPeriod"/>
             </a:pPr>
             <a:r>
-              <a:rPr lang="zh-CN" altLang="en-US" sz="1700" dirty="0" smtClean="0">
+              <a:rPr lang="zh-CN" altLang="en-US" sz="1700" dirty="0">
                 <a:solidFill>
                   <a:srgbClr val="404040"/>
                 </a:solidFill>
@@ -4371,7 +4356,7 @@
               <a:buAutoNum type="arabicPeriod"/>
             </a:pPr>
             <a:r>
-              <a:rPr lang="zh-CN" altLang="en-US" sz="1700" dirty="0" smtClean="0">
+              <a:rPr lang="zh-CN" altLang="en-US" sz="1700" dirty="0">
                 <a:solidFill>
                   <a:srgbClr val="404040"/>
                 </a:solidFill>
@@ -4381,7 +4366,7 @@
               <a:t>单位标准化（去除</a:t>
             </a:r>
             <a:r>
-              <a:rPr lang="en-US" altLang="zh-CN" sz="1700" dirty="0" smtClean="0">
+              <a:rPr lang="en-US" altLang="zh-CN" sz="1700" dirty="0">
                 <a:solidFill>
                   <a:srgbClr val="404040"/>
                 </a:solidFill>
@@ -4391,7 +4376,7 @@
               <a:t>"㎡"</a:t>
             </a:r>
             <a:r>
-              <a:rPr lang="zh-CN" altLang="en-US" sz="1700" dirty="0" smtClean="0">
+              <a:rPr lang="zh-CN" altLang="en-US" sz="1700" dirty="0">
                 <a:solidFill>
                   <a:srgbClr val="404040"/>
                 </a:solidFill>
@@ -4401,7 +4386,7 @@
               <a:t>、</a:t>
             </a:r>
             <a:r>
-              <a:rPr lang="en-US" altLang="zh-CN" sz="1700" dirty="0" smtClean="0">
+              <a:rPr lang="en-US" altLang="zh-CN" sz="1700" dirty="0">
                 <a:solidFill>
                   <a:srgbClr val="404040"/>
                 </a:solidFill>
@@ -4411,7 +4396,7 @@
               <a:t>"</a:t>
             </a:r>
             <a:r>
-              <a:rPr lang="zh-CN" altLang="en-US" sz="1700" dirty="0" smtClean="0">
+              <a:rPr lang="zh-CN" altLang="en-US" sz="1700" dirty="0">
                 <a:solidFill>
                   <a:srgbClr val="404040"/>
                 </a:solidFill>
@@ -4421,7 +4406,7 @@
               <a:t>年</a:t>
             </a:r>
             <a:r>
-              <a:rPr lang="en-US" altLang="zh-CN" sz="1700" dirty="0" smtClean="0">
+              <a:rPr lang="en-US" altLang="zh-CN" sz="1700" dirty="0">
                 <a:solidFill>
                   <a:srgbClr val="404040"/>
                 </a:solidFill>
@@ -4431,7 +4416,7 @@
               <a:t>"</a:t>
             </a:r>
             <a:r>
-              <a:rPr lang="zh-CN" altLang="en-US" sz="1700" dirty="0" smtClean="0">
+              <a:rPr lang="zh-CN" altLang="en-US" sz="1700" dirty="0">
                 <a:solidFill>
                   <a:srgbClr val="404040"/>
                 </a:solidFill>
@@ -4447,15 +4432,21 @@
               <a:buAutoNum type="arabicPeriod"/>
             </a:pPr>
             <a:r>
-              <a:rPr lang="zh-CN" altLang="en-US" sz="1700" dirty="0" smtClean="0">
+              <a:rPr lang="zh-CN" altLang="en-US" sz="1700" dirty="0">
                 <a:solidFill>
                   <a:srgbClr val="404040"/>
                 </a:solidFill>
                 <a:latin typeface="华文宋体" panose="02010600040101010101" pitchFamily="2" charset="-122"/>
                 <a:ea typeface="华文宋体" panose="02010600040101010101" pitchFamily="2" charset="-122"/>
               </a:rPr>
-              <a:t>缺失值</a:t>
-            </a:r>
+              <a:t>缺失值填充（数值特征用中位数，非数值用众数）</a:t>
+            </a:r>
+          </a:p>
+          <a:p>
+            <a:pPr marL="1143000" lvl="2" indent="-228600">
+              <a:buFont typeface="+mj-lt"/>
+              <a:buAutoNum type="arabicPeriod"/>
+            </a:pPr>
             <a:r>
               <a:rPr lang="zh-CN" altLang="en-US" sz="1700" dirty="0">
                 <a:solidFill>
@@ -4464,9 +4455,29 @@
                 <a:latin typeface="华文宋体" panose="02010600040101010101" pitchFamily="2" charset="-122"/>
                 <a:ea typeface="华文宋体" panose="02010600040101010101" pitchFamily="2" charset="-122"/>
               </a:rPr>
-              <a:t>填充（数值特征用中位数，非数值用众数）</a:t>
-            </a:r>
-            <a:endParaRPr lang="zh-CN" altLang="en-US" sz="1700" dirty="0" smtClean="0">
+              <a:t>冗余特征删除（抵押信息、户型介绍等</a:t>
+            </a:r>
+            <a:r>
+              <a:rPr lang="en-US" altLang="zh-CN" sz="1700" dirty="0">
+                <a:solidFill>
+                  <a:srgbClr val="404040"/>
+                </a:solidFill>
+                <a:latin typeface="华文宋体" panose="02010600040101010101" pitchFamily="2" charset="-122"/>
+                <a:ea typeface="华文宋体" panose="02010600040101010101" pitchFamily="2" charset="-122"/>
+              </a:rPr>
+              <a:t>12</a:t>
+            </a:r>
+            <a:r>
+              <a:rPr lang="zh-CN" altLang="en-US" sz="1700" dirty="0">
+                <a:solidFill>
+                  <a:srgbClr val="404040"/>
+                </a:solidFill>
+                <a:latin typeface="华文宋体" panose="02010600040101010101" pitchFamily="2" charset="-122"/>
+                <a:ea typeface="华文宋体" panose="02010600040101010101" pitchFamily="2" charset="-122"/>
+              </a:rPr>
+              <a:t>个低价值特征）</a:t>
+            </a:r>
+            <a:endParaRPr lang="en-US" altLang="zh-CN" sz="1700" dirty="0">
               <a:solidFill>
                 <a:srgbClr val="404040"/>
               </a:solidFill>
@@ -4480,67 +4491,14 @@
               <a:buAutoNum type="arabicPeriod"/>
             </a:pPr>
             <a:r>
-              <a:rPr lang="zh-CN" altLang="en-US" sz="1700" dirty="0" smtClean="0">
+              <a:rPr lang="zh-CN" altLang="en-US" sz="1700" dirty="0">
                 <a:solidFill>
                   <a:srgbClr val="404040"/>
                 </a:solidFill>
                 <a:latin typeface="华文宋体" panose="02010600040101010101" pitchFamily="2" charset="-122"/>
                 <a:ea typeface="华文宋体" panose="02010600040101010101" pitchFamily="2" charset="-122"/>
               </a:rPr>
-              <a:t>冗余特征删除（抵押信息、户型介绍等</a:t>
-            </a:r>
-            <a:r>
-              <a:rPr lang="en-US" altLang="zh-CN" sz="1700" dirty="0" smtClean="0">
-                <a:solidFill>
-                  <a:srgbClr val="404040"/>
-                </a:solidFill>
-                <a:latin typeface="华文宋体" panose="02010600040101010101" pitchFamily="2" charset="-122"/>
-                <a:ea typeface="华文宋体" panose="02010600040101010101" pitchFamily="2" charset="-122"/>
-              </a:rPr>
-              <a:t>12</a:t>
-            </a:r>
-            <a:r>
-              <a:rPr lang="zh-CN" altLang="en-US" sz="1700" dirty="0" smtClean="0">
-                <a:solidFill>
-                  <a:srgbClr val="404040"/>
-                </a:solidFill>
-                <a:latin typeface="华文宋体" panose="02010600040101010101" pitchFamily="2" charset="-122"/>
-                <a:ea typeface="华文宋体" panose="02010600040101010101" pitchFamily="2" charset="-122"/>
-              </a:rPr>
-              <a:t>个低价值特征）</a:t>
-            </a:r>
-            <a:endParaRPr lang="en-US" altLang="zh-CN" sz="1700" dirty="0" smtClean="0">
-              <a:solidFill>
-                <a:srgbClr val="404040"/>
-              </a:solidFill>
-              <a:latin typeface="华文宋体" panose="02010600040101010101" pitchFamily="2" charset="-122"/>
-              <a:ea typeface="华文宋体" panose="02010600040101010101" pitchFamily="2" charset="-122"/>
-            </a:endParaRPr>
-          </a:p>
-          <a:p>
-            <a:pPr marL="1143000" lvl="2" indent="-228600">
-              <a:buFont typeface="+mj-lt"/>
-              <a:buAutoNum type="arabicPeriod"/>
-            </a:pPr>
-            <a:r>
-              <a:rPr lang="zh-CN" altLang="en-US" sz="1700" dirty="0" smtClean="0">
-                <a:solidFill>
-                  <a:srgbClr val="404040"/>
-                </a:solidFill>
-                <a:latin typeface="华文宋体" panose="02010600040101010101" pitchFamily="2" charset="-122"/>
-                <a:ea typeface="华文宋体" panose="02010600040101010101" pitchFamily="2" charset="-122"/>
-              </a:rPr>
-              <a:t>编码</a:t>
-            </a:r>
-            <a:r>
-              <a:rPr lang="zh-CN" altLang="en-US" sz="1700" dirty="0">
-                <a:solidFill>
-                  <a:srgbClr val="404040"/>
-                </a:solidFill>
-                <a:latin typeface="华文宋体" panose="02010600040101010101" pitchFamily="2" charset="-122"/>
-                <a:ea typeface="华文宋体" panose="02010600040101010101" pitchFamily="2" charset="-122"/>
-              </a:rPr>
-              <a:t>特征：如物业类别、建筑结构、板块用映射表或 </a:t>
+              <a:t>编码特征：如物业类别、建筑结构、板块用映射表或 </a:t>
             </a:r>
             <a:r>
               <a:rPr lang="en-US" altLang="zh-CN" sz="1700" dirty="0" err="1">
@@ -4579,24 +4537,14 @@
               <a:buAutoNum type="arabicPeriod"/>
             </a:pPr>
             <a:r>
-              <a:rPr lang="zh-CN" altLang="en-US" sz="1700" b="1" dirty="0" smtClean="0">
+              <a:rPr lang="zh-CN" altLang="en-US" sz="1700" b="1" dirty="0">
                 <a:solidFill>
                   <a:srgbClr val="404040"/>
                 </a:solidFill>
                 <a:latin typeface="华文宋体" panose="02010600040101010101" pitchFamily="2" charset="-122"/>
                 <a:ea typeface="华文宋体" panose="02010600040101010101" pitchFamily="2" charset="-122"/>
               </a:rPr>
-              <a:t>特征</a:t>
-            </a:r>
-            <a:r>
-              <a:rPr lang="zh-CN" altLang="en-US" sz="1700" b="1" dirty="0">
-                <a:solidFill>
-                  <a:srgbClr val="404040"/>
-                </a:solidFill>
-                <a:latin typeface="华文宋体" panose="02010600040101010101" pitchFamily="2" charset="-122"/>
-                <a:ea typeface="华文宋体" panose="02010600040101010101" pitchFamily="2" charset="-122"/>
-              </a:rPr>
-              <a:t>工程创新</a:t>
+              <a:t>特征工程创新</a:t>
             </a:r>
             <a:endParaRPr lang="zh-CN" altLang="en-US" sz="1700" dirty="0">
               <a:solidFill>
@@ -5159,19 +5107,9 @@
                 <a:latin typeface="华文宋体" panose="02010600040101010101" pitchFamily="2" charset="-122"/>
                 <a:ea typeface="华文宋体" panose="02010600040101010101" pitchFamily="2" charset="-122"/>
               </a:rPr>
-              <a:t>朝南∩</a:t>
-            </a:r>
-            <a:r>
-              <a:rPr lang="zh-CN" altLang="en-US" sz="1700" dirty="0" smtClean="0">
-                <a:solidFill>
-                  <a:srgbClr val="404040"/>
-                </a:solidFill>
-                <a:latin typeface="华文宋体" panose="02010600040101010101" pitchFamily="2" charset="-122"/>
-                <a:ea typeface="华文宋体" panose="02010600040101010101" pitchFamily="2" charset="-122"/>
-              </a:rPr>
-              <a:t>朝北</a:t>
-            </a:r>
-            <a:endParaRPr lang="en-US" altLang="zh-CN" sz="1700" dirty="0" smtClean="0">
+              <a:t>朝南∩朝北</a:t>
+            </a:r>
+            <a:endParaRPr lang="en-US" altLang="zh-CN" sz="1700" dirty="0">
               <a:solidFill>
                 <a:srgbClr val="404040"/>
               </a:solidFill>
@@ -5266,7 +5204,7 @@
               <a:buFont typeface="+mj-lt"/>
               <a:buAutoNum type="arabicPeriod"/>
             </a:pPr>
-            <a:endParaRPr lang="zh-CN" altLang="en-US" sz="1700" dirty="0" smtClean="0">
+            <a:endParaRPr lang="zh-CN" altLang="en-US" sz="1700" dirty="0">
               <a:solidFill>
                 <a:srgbClr val="404040"/>
               </a:solidFill>
@@ -5486,7 +5424,7 @@
               <a:buNone/>
             </a:pPr>
             <a:r>
-              <a:rPr kumimoji="0" lang="zh-CN" altLang="en-US" sz="1800" b="1" i="0" u="none" strike="noStrike" kern="1200" cap="none" spc="0" normalizeH="0" baseline="0" noProof="0" dirty="0" smtClean="0">
+              <a:rPr kumimoji="0" lang="zh-CN" altLang="en-US" sz="1800" b="1" i="0" u="none" strike="noStrike" kern="1200" cap="none" spc="0" normalizeH="0" baseline="0" noProof="0" dirty="0">
                 <a:ln>
                   <a:noFill/>
                 </a:ln>
@@ -5639,32 +5577,18 @@
           <a:lstStyle/>
           <a:p>
             <a:r>
-              <a:rPr lang="en-US" altLang="zh-CN" sz="2000" dirty="0" smtClean="0">
+              <a:rPr lang="en-US" altLang="zh-CN" sz="2000" dirty="0">
                 <a:latin typeface="华文宋体" panose="02010600040101010101" pitchFamily="2" charset="-122"/>
                 <a:ea typeface="华文宋体" panose="02010600040101010101" pitchFamily="2" charset="-122"/>
               </a:rPr>
               <a:t>•   </a:t>
             </a:r>
             <a:r>
-              <a:rPr lang="zh-CN" altLang="en-US" sz="2000" dirty="0" smtClean="0">
-                <a:latin typeface="华文宋体" panose="02010600040101010101" pitchFamily="2" charset="-122"/>
-                <a:ea typeface="华文宋体" panose="02010600040101010101" pitchFamily="2" charset="-122"/>
-              </a:rPr>
-              <a:t>使用</a:t>
-            </a:r>
-            <a:r>
               <a:rPr lang="zh-CN" altLang="en-US" sz="2000" dirty="0">
                 <a:latin typeface="华文宋体" panose="02010600040101010101" pitchFamily="2" charset="-122"/>
                 <a:ea typeface="华文宋体" panose="02010600040101010101" pitchFamily="2" charset="-122"/>
               </a:rPr>
-              <a:t>单价、对数</a:t>
-            </a:r>
-            <a:r>
-              <a:rPr lang="zh-CN" altLang="en-US" sz="2000" dirty="0" smtClean="0">
-                <a:latin typeface="华文宋体" panose="02010600040101010101" pitchFamily="2" charset="-122"/>
-                <a:ea typeface="华文宋体" panose="02010600040101010101" pitchFamily="2" charset="-122"/>
-              </a:rPr>
-              <a:t>单价（</a:t>
+              <a:t>使用单价、对数单价（</a:t>
             </a:r>
             <a:r>
               <a:rPr lang="en-US" altLang="zh-CN" sz="2000" dirty="0">
@@ -5678,37 +5602,23 @@
                 <a:latin typeface="华文宋体" panose="02010600040101010101" pitchFamily="2" charset="-122"/>
                 <a:ea typeface="华文宋体" panose="02010600040101010101" pitchFamily="2" charset="-122"/>
               </a:rPr>
-              <a:t>单价</a:t>
-            </a:r>
-            <a:r>
-              <a:rPr lang="zh-CN" altLang="en-US" sz="2000" dirty="0" smtClean="0">
-                <a:latin typeface="华文宋体" panose="02010600040101010101" pitchFamily="2" charset="-122"/>
-                <a:ea typeface="华文宋体" panose="02010600040101010101" pitchFamily="2" charset="-122"/>
-              </a:rPr>
-              <a:t>）作为</a:t>
-            </a:r>
-            <a:r>
-              <a:rPr lang="zh-CN" altLang="en-US" sz="2000" dirty="0">
-                <a:latin typeface="华文宋体" panose="02010600040101010101" pitchFamily="2" charset="-122"/>
-                <a:ea typeface="华文宋体" panose="02010600040101010101" pitchFamily="2" charset="-122"/>
-              </a:rPr>
-              <a:t>建模目标</a:t>
-            </a:r>
-            <a:endParaRPr lang="en-US" altLang="zh-CN" sz="2000" dirty="0" smtClean="0">
+              <a:t>单价）作为建模目标</a:t>
+            </a:r>
+            <a:endParaRPr lang="en-US" altLang="zh-CN" sz="2000" dirty="0">
               <a:latin typeface="华文宋体" panose="02010600040101010101" pitchFamily="2" charset="-122"/>
               <a:ea typeface="华文宋体" panose="02010600040101010101" pitchFamily="2" charset="-122"/>
             </a:endParaRPr>
           </a:p>
           <a:p>
             <a:r>
-              <a:rPr lang="zh-CN" altLang="en-US" sz="2000" dirty="0" smtClean="0">
+              <a:rPr lang="zh-CN" altLang="en-US" sz="2000" dirty="0">
                 <a:latin typeface="华文宋体" panose="02010600040101010101" pitchFamily="2" charset="-122"/>
                 <a:ea typeface="华文宋体" panose="02010600040101010101" pitchFamily="2" charset="-122"/>
               </a:rPr>
               <a:t>通过</a:t>
             </a:r>
             <a:r>
-              <a:rPr lang="en-US" altLang="zh-CN" sz="2000" dirty="0" smtClean="0">
+              <a:rPr lang="en-US" altLang="zh-CN" sz="2000" dirty="0">
                 <a:latin typeface="华文宋体" panose="02010600040101010101" pitchFamily="2" charset="-122"/>
                 <a:ea typeface="华文宋体" panose="02010600040101010101" pitchFamily="2" charset="-122"/>
               </a:rPr>
@@ -5749,51 +5659,30 @@
                 <a:latin typeface="华文宋体" panose="02010600040101010101" pitchFamily="2" charset="-122"/>
                 <a:ea typeface="华文宋体" panose="02010600040101010101" pitchFamily="2" charset="-122"/>
               </a:rPr>
-              <a:t>        </a:t>
-            </a:r>
-            <a:r>
-              <a:rPr lang="en-US" altLang="zh-CN" sz="2000" dirty="0" smtClean="0">
-                <a:latin typeface="华文宋体" panose="02010600040101010101" pitchFamily="2" charset="-122"/>
-                <a:ea typeface="华文宋体" panose="02010600040101010101" pitchFamily="2" charset="-122"/>
-              </a:rPr>
-              <a:t>print(f“{</a:t>
+              <a:t>        print(f“{i:2d}. {feature}”)</a:t>
+            </a:r>
+            <a:r>
+              <a:rPr lang="zh-CN" altLang="en-US" sz="2000" dirty="0">
+                <a:latin typeface="华文宋体" panose="02010600040101010101" pitchFamily="2" charset="-122"/>
+                <a:ea typeface="华文宋体" panose="02010600040101010101" pitchFamily="2" charset="-122"/>
+              </a:rPr>
+              <a:t>代码输出特征列表（</a:t>
             </a:r>
             <a:r>
               <a:rPr lang="en-US" altLang="zh-CN" sz="2000" dirty="0">
                 <a:latin typeface="华文宋体" panose="02010600040101010101" pitchFamily="2" charset="-122"/>
                 <a:ea typeface="华文宋体" panose="02010600040101010101" pitchFamily="2" charset="-122"/>
               </a:rPr>
-              <a:t>i:2d}. {feature</a:t>
-            </a:r>
-            <a:r>
-              <a:rPr lang="en-US" altLang="zh-CN" sz="2000" dirty="0" smtClean="0">
-                <a:latin typeface="华文宋体" panose="02010600040101010101" pitchFamily="2" charset="-122"/>
-                <a:ea typeface="华文宋体" panose="02010600040101010101" pitchFamily="2" charset="-122"/>
-              </a:rPr>
-              <a:t>}”)</a:t>
-            </a:r>
-            <a:r>
-              <a:rPr lang="zh-CN" altLang="en-US" sz="2000" dirty="0" smtClean="0">
-                <a:latin typeface="华文宋体" panose="02010600040101010101" pitchFamily="2" charset="-122"/>
-                <a:ea typeface="华文宋体" panose="02010600040101010101" pitchFamily="2" charset="-122"/>
-              </a:rPr>
-              <a:t>代码输出特征列表（</a:t>
-            </a:r>
-            <a:r>
-              <a:rPr lang="en-US" altLang="zh-CN" sz="2000" dirty="0" smtClean="0">
-                <a:latin typeface="华文宋体" panose="02010600040101010101" pitchFamily="2" charset="-122"/>
-                <a:ea typeface="华文宋体" panose="02010600040101010101" pitchFamily="2" charset="-122"/>
-              </a:rPr>
               <a:t>74</a:t>
             </a:r>
             <a:r>
-              <a:rPr lang="zh-CN" altLang="en-US" sz="2000" dirty="0" smtClean="0">
+              <a:rPr lang="zh-CN" altLang="en-US" sz="2000" dirty="0">
                 <a:latin typeface="华文宋体" panose="02010600040101010101" pitchFamily="2" charset="-122"/>
                 <a:ea typeface="华文宋体" panose="02010600040101010101" pitchFamily="2" charset="-122"/>
               </a:rPr>
               <a:t>个）：</a:t>
             </a:r>
-            <a:endParaRPr lang="en-US" altLang="zh-CN" sz="2000" dirty="0" smtClean="0">
+            <a:endParaRPr lang="en-US" altLang="zh-CN" sz="2000" dirty="0">
               <a:latin typeface="华文宋体" panose="02010600040101010101" pitchFamily="2" charset="-122"/>
               <a:ea typeface="华文宋体" panose="02010600040101010101" pitchFamily="2" charset="-122"/>
             </a:endParaRPr>
@@ -5840,17 +5729,10 @@
                 <a:latin typeface="华文宋体" panose="02010600040101010101" pitchFamily="2" charset="-122"/>
                 <a:ea typeface="华文宋体" panose="02010600040101010101" pitchFamily="2" charset="-122"/>
               </a:rPr>
-              <a:t>1. Unnamed: </a:t>
-            </a:r>
-            <a:r>
-              <a:rPr lang="en-US" altLang="zh-CN" sz="1400" dirty="0" smtClean="0">
-                <a:latin typeface="华文宋体" panose="02010600040101010101" pitchFamily="2" charset="-122"/>
-                <a:ea typeface="华文宋体" panose="02010600040101010101" pitchFamily="2" charset="-122"/>
-              </a:rPr>
-              <a:t>0</a:t>
-            </a:r>
-            <a:r>
-              <a:rPr lang="zh-CN" altLang="en-US" sz="1400" dirty="0" smtClean="0">
+              <a:t>1. Unnamed: 0</a:t>
+            </a:r>
+            <a:r>
+              <a:rPr lang="zh-CN" altLang="en-US" sz="1400" dirty="0">
                 <a:latin typeface="华文宋体" panose="02010600040101010101" pitchFamily="2" charset="-122"/>
                 <a:ea typeface="华文宋体" panose="02010600040101010101" pitchFamily="2" charset="-122"/>
               </a:rPr>
@@ -5994,7 +5876,7 @@
           </a:p>
           <a:p>
             <a:r>
-              <a:rPr lang="zh-CN" altLang="en-US" sz="1400" dirty="0" smtClean="0">
+              <a:rPr lang="zh-CN" altLang="en-US" sz="1400" dirty="0">
                 <a:latin typeface="华文宋体" panose="02010600040101010101" pitchFamily="2" charset="-122"/>
                 <a:ea typeface="华文宋体" panose="02010600040101010101" pitchFamily="2" charset="-122"/>
               </a:rPr>
@@ -6260,16 +6142,12 @@
               <a:t>_</a:t>
             </a:r>
             <a:r>
-              <a:rPr lang="zh-CN" altLang="en-US" sz="1400" dirty="0" smtClean="0">
+              <a:rPr lang="zh-CN" altLang="en-US" sz="1400" dirty="0">
                 <a:latin typeface="华文宋体" panose="02010600040101010101" pitchFamily="2" charset="-122"/>
                 <a:ea typeface="华文宋体" panose="02010600040101010101" pitchFamily="2" charset="-122"/>
               </a:rPr>
               <a:t>平方</a:t>
             </a:r>
-            <a:endParaRPr lang="zh-CN" altLang="en-US" sz="1400" dirty="0">
-              <a:latin typeface="华文宋体" panose="02010600040101010101" pitchFamily="2" charset="-122"/>
-              <a:ea typeface="华文宋体" panose="02010600040101010101" pitchFamily="2" charset="-122"/>
-            </a:endParaRPr>
           </a:p>
         </p:txBody>
       </p:sp>
@@ -6312,18 +6190,11 @@
           </a:p>
           <a:p>
             <a:r>
-              <a:rPr lang="en-US" altLang="zh-CN" sz="1400" dirty="0" smtClean="0">
-                <a:latin typeface="华文宋体" panose="02010600040101010101" pitchFamily="2" charset="-122"/>
-                <a:ea typeface="华文宋体" panose="02010600040101010101" pitchFamily="2" charset="-122"/>
-              </a:rPr>
-              <a:t>20</a:t>
-            </a:r>
-            <a:r>
               <a:rPr lang="en-US" altLang="zh-CN" sz="1400" dirty="0">
                 <a:latin typeface="华文宋体" panose="02010600040101010101" pitchFamily="2" charset="-122"/>
                 <a:ea typeface="华文宋体" panose="02010600040101010101" pitchFamily="2" charset="-122"/>
               </a:rPr>
-              <a:t>. </a:t>
+              <a:t>20. </a:t>
             </a:r>
             <a:r>
               <a:rPr lang="zh-CN" altLang="en-US" sz="1400" dirty="0">
@@ -6656,18 +6527,11 @@
           </a:p>
           <a:p>
             <a:r>
-              <a:rPr lang="en-US" altLang="zh-CN" sz="1400" dirty="0" smtClean="0">
-                <a:latin typeface="华文宋体" panose="02010600040101010101" pitchFamily="2" charset="-122"/>
-                <a:ea typeface="华文宋体" panose="02010600040101010101" pitchFamily="2" charset="-122"/>
-              </a:rPr>
-              <a:t>39</a:t>
-            </a:r>
-            <a:r>
               <a:rPr lang="en-US" altLang="zh-CN" sz="1400" dirty="0">
                 <a:latin typeface="华文宋体" panose="02010600040101010101" pitchFamily="2" charset="-122"/>
                 <a:ea typeface="华文宋体" panose="02010600040101010101" pitchFamily="2" charset="-122"/>
               </a:rPr>
-              <a:t>. </a:t>
+              <a:t>39. </a:t>
             </a:r>
             <a:r>
               <a:rPr lang="zh-CN" altLang="en-US" sz="1400" dirty="0">
@@ -6968,19 +6832,8 @@
                 <a:latin typeface="华文宋体" panose="02010600040101010101" pitchFamily="2" charset="-122"/>
                 <a:ea typeface="华文宋体" panose="02010600040101010101" pitchFamily="2" charset="-122"/>
               </a:rPr>
-              <a:t>_</a:t>
-            </a:r>
-            <a:r>
-              <a:rPr lang="en-US" altLang="zh-CN" sz="1400" dirty="0" smtClean="0">
-                <a:latin typeface="华文宋体" panose="02010600040101010101" pitchFamily="2" charset="-122"/>
-                <a:ea typeface="华文宋体" panose="02010600040101010101" pitchFamily="2" charset="-122"/>
-              </a:rPr>
-              <a:t>y</a:t>
-            </a:r>
-            <a:endParaRPr lang="en-US" altLang="zh-CN" sz="1400" dirty="0">
-              <a:latin typeface="华文宋体" panose="02010600040101010101" pitchFamily="2" charset="-122"/>
-              <a:ea typeface="华文宋体" panose="02010600040101010101" pitchFamily="2" charset="-122"/>
-            </a:endParaRPr>
+              <a:t>_y</a:t>
+            </a:r>
           </a:p>
         </p:txBody>
       </p:sp>
@@ -7027,18 +6880,11 @@
           </a:p>
           <a:p>
             <a:r>
-              <a:rPr lang="en-US" altLang="zh-CN" sz="1400" dirty="0" smtClean="0">
-                <a:latin typeface="华文宋体" panose="02010600040101010101" pitchFamily="2" charset="-122"/>
-                <a:ea typeface="华文宋体" panose="02010600040101010101" pitchFamily="2" charset="-122"/>
-              </a:rPr>
-              <a:t>58</a:t>
-            </a:r>
-            <a:r>
               <a:rPr lang="en-US" altLang="zh-CN" sz="1400" dirty="0">
                 <a:latin typeface="华文宋体" panose="02010600040101010101" pitchFamily="2" charset="-122"/>
                 <a:ea typeface="华文宋体" panose="02010600040101010101" pitchFamily="2" charset="-122"/>
               </a:rPr>
-              <a:t>. </a:t>
+              <a:t>58. </a:t>
             </a:r>
             <a:r>
               <a:rPr lang="zh-CN" altLang="en-US" sz="1400" dirty="0">
@@ -7575,7 +7421,7 @@
               <a:buNone/>
             </a:pPr>
             <a:r>
-              <a:rPr kumimoji="0" lang="zh-CN" altLang="en-US" sz="1800" b="1" i="0" u="none" strike="noStrike" kern="1200" cap="none" spc="0" normalizeH="0" baseline="0" noProof="0" dirty="0" smtClean="0">
+              <a:rPr kumimoji="0" lang="zh-CN" altLang="en-US" sz="1800" b="1" i="0" u="none" strike="noStrike" kern="1200" cap="none" spc="0" normalizeH="0" baseline="0" noProof="0" dirty="0">
                 <a:ln>
                   <a:noFill/>
                 </a:ln>
@@ -7680,20 +7526,20 @@
           <a:lstStyle/>
           <a:p>
             <a:r>
-              <a:rPr lang="en-US" altLang="zh-CN" sz="2000" dirty="0" smtClean="0">
+              <a:rPr lang="en-US" altLang="zh-CN" sz="2000" dirty="0">
                 <a:latin typeface="华文宋体" panose="02010600040101010101" pitchFamily="2" charset="-122"/>
                 <a:ea typeface="华文宋体" panose="02010600040101010101" pitchFamily="2" charset="-122"/>
               </a:rPr>
               <a:t>•</a:t>
             </a:r>
             <a:r>
-              <a:rPr lang="zh-CN" altLang="en-US" sz="2000" dirty="0" smtClean="0">
+              <a:rPr lang="zh-CN" altLang="en-US" sz="2000" dirty="0">
                 <a:latin typeface="华文宋体" panose="02010600040101010101" pitchFamily="2" charset="-122"/>
                 <a:ea typeface="华文宋体" panose="02010600040101010101" pitchFamily="2" charset="-122"/>
               </a:rPr>
               <a:t>模型性能表格和特征重要性分析</a:t>
             </a:r>
-            <a:endParaRPr lang="en-US" altLang="zh-CN" sz="2000" dirty="0" smtClean="0">
+            <a:endParaRPr lang="en-US" altLang="zh-CN" sz="2000" dirty="0">
               <a:latin typeface="华文宋体" panose="02010600040101010101" pitchFamily="2" charset="-122"/>
               <a:ea typeface="华文宋体" panose="02010600040101010101" pitchFamily="2" charset="-122"/>
             </a:endParaRPr>
@@ -7715,13 +7561,13 @@
           <p:nvPr>
             <p:extLst>
               <p:ext uri="{D42A27DB-BD31-4B8C-83A1-F6EECF244321}">
-                <p14:modId xmlns:p14="http://schemas.microsoft.com/office/powerpoint/2010/main" val="2765272061"/>
+                <p14:modId xmlns:p14="http://schemas.microsoft.com/office/powerpoint/2010/main" val="1722428846"/>
               </p:ext>
             </p:extLst>
           </p:nvPr>
         </p:nvGraphicFramePr>
         <p:xfrm>
-          <a:off x="678946" y="2224089"/>
+          <a:off x="699646" y="2330165"/>
           <a:ext cx="3278037" cy="2883470"/>
         </p:xfrm>
         <a:graphic>
@@ -7754,16 +7600,12 @@
                     <a:p>
                       <a:pPr algn="ctr"/>
                       <a:r>
-                        <a:rPr lang="zh-CN" altLang="en-US" sz="2000" dirty="0" smtClean="0">
+                        <a:rPr lang="zh-CN" altLang="en-US" sz="2000" dirty="0">
                           <a:latin typeface="华文宋体" panose="02010600040101010101" pitchFamily="2" charset="-122"/>
                           <a:ea typeface="华文宋体" panose="02010600040101010101" pitchFamily="2" charset="-122"/>
                         </a:rPr>
                         <a:t>模型性能表格</a:t>
                       </a:r>
-                      <a:endParaRPr lang="zh-CN" altLang="en-US" sz="2000" dirty="0">
-                        <a:latin typeface="华文宋体" panose="02010600040101010101" pitchFamily="2" charset="-122"/>
-                        <a:ea typeface="华文宋体" panose="02010600040101010101" pitchFamily="2" charset="-122"/>
-                      </a:endParaRPr>
                     </a:p>
                   </a:txBody>
                   <a:tcPr/>
@@ -7792,7 +7634,7 @@
                     <a:p>
                       <a:pPr algn="ctr"/>
                       <a:r>
-                        <a:rPr lang="zh-CN" altLang="en-US" sz="2000" smtClean="0">
+                        <a:rPr lang="zh-CN" altLang="en-US" sz="2000">
                           <a:latin typeface="华文宋体" panose="02010600040101010101" pitchFamily="2" charset="-122"/>
                           <a:ea typeface="华文宋体" panose="02010600040101010101" pitchFamily="2" charset="-122"/>
                         </a:rPr>
@@ -7813,7 +7655,7 @@
                     <a:p>
                       <a:pPr algn="ctr"/>
                       <a:r>
-                        <a:rPr lang="zh-CN" altLang="en-US" sz="2000" smtClean="0">
+                        <a:rPr lang="zh-CN" altLang="en-US" sz="2000">
                           <a:latin typeface="华文宋体" panose="02010600040101010101" pitchFamily="2" charset="-122"/>
                           <a:ea typeface="华文宋体" panose="02010600040101010101" pitchFamily="2" charset="-122"/>
                         </a:rPr>
@@ -7841,7 +7683,7 @@
                     <a:p>
                       <a:pPr algn="ctr"/>
                       <a:r>
-                        <a:rPr lang="en-US" altLang="zh-CN" sz="2000" smtClean="0">
+                        <a:rPr lang="en-US" altLang="zh-CN" sz="2000">
                           <a:latin typeface="华文宋体" panose="02010600040101010101" pitchFamily="2" charset="-122"/>
                           <a:ea typeface="华文宋体" panose="02010600040101010101" pitchFamily="2" charset="-122"/>
                         </a:rPr>
@@ -7862,11 +7704,11 @@
                     <a:p>
                       <a:pPr algn="ctr"/>
                       <a:r>
-                        <a:rPr lang="en-US" altLang="zh-CN" sz="2000" dirty="0" smtClean="0">
+                        <a:rPr lang="en-US" altLang="zh-CN" sz="2000" dirty="0">
                           <a:latin typeface="华文宋体" panose="02010600040101010101" pitchFamily="2" charset="-122"/>
                           <a:ea typeface="华文宋体" panose="02010600040101010101" pitchFamily="2" charset="-122"/>
                         </a:rPr>
-                        <a:t>4326.9026</a:t>
+                        <a:t>1312.4166</a:t>
                       </a:r>
                       <a:endParaRPr lang="zh-CN" altLang="en-US" sz="2000" dirty="0">
                         <a:latin typeface="华文宋体" panose="02010600040101010101" pitchFamily="2" charset="-122"/>
@@ -7890,7 +7732,7 @@
                     <a:p>
                       <a:pPr algn="ctr"/>
                       <a:r>
-                        <a:rPr lang="en-US" altLang="zh-CN" sz="2000" smtClean="0">
+                        <a:rPr lang="en-US" altLang="zh-CN" sz="2000">
                           <a:latin typeface="华文宋体" panose="02010600040101010101" pitchFamily="2" charset="-122"/>
                           <a:ea typeface="华文宋体" panose="02010600040101010101" pitchFamily="2" charset="-122"/>
                         </a:rPr>
@@ -7911,11 +7753,11 @@
                     <a:p>
                       <a:pPr algn="ctr"/>
                       <a:r>
-                        <a:rPr lang="en-US" altLang="zh-CN" sz="2000" dirty="0" smtClean="0">
+                        <a:rPr lang="en-US" altLang="zh-CN" sz="2000" dirty="0">
                           <a:latin typeface="华文宋体" panose="02010600040101010101" pitchFamily="2" charset="-122"/>
                           <a:ea typeface="华文宋体" panose="02010600040101010101" pitchFamily="2" charset="-122"/>
                         </a:rPr>
-                        <a:t>69775141.5524</a:t>
+                        <a:t>6487712.2071</a:t>
                       </a:r>
                       <a:endParaRPr lang="zh-CN" altLang="en-US" sz="2000" dirty="0">
                         <a:latin typeface="华文宋体" panose="02010600040101010101" pitchFamily="2" charset="-122"/>
@@ -7939,7 +7781,7 @@
                     <a:p>
                       <a:pPr algn="ctr"/>
                       <a:r>
-                        <a:rPr lang="en-US" altLang="zh-CN" sz="2000" smtClean="0">
+                        <a:rPr lang="en-US" altLang="zh-CN" sz="2000">
                           <a:latin typeface="华文宋体" panose="02010600040101010101" pitchFamily="2" charset="-122"/>
                           <a:ea typeface="华文宋体" panose="02010600040101010101" pitchFamily="2" charset="-122"/>
                         </a:rPr>
@@ -7960,11 +7802,11 @@
                     <a:p>
                       <a:pPr algn="ctr"/>
                       <a:r>
-                        <a:rPr lang="en-US" altLang="zh-CN" sz="2000" dirty="0" smtClean="0">
+                        <a:rPr lang="en-US" altLang="zh-CN" sz="2000" dirty="0">
                           <a:latin typeface="华文宋体" panose="02010600040101010101" pitchFamily="2" charset="-122"/>
                           <a:ea typeface="华文宋体" panose="02010600040101010101" pitchFamily="2" charset="-122"/>
                         </a:rPr>
-                        <a:t>8353.1516</a:t>
+                        <a:t>2547.0988</a:t>
                       </a:r>
                       <a:endParaRPr lang="zh-CN" altLang="en-US" sz="2000" dirty="0">
                         <a:latin typeface="华文宋体" panose="02010600040101010101" pitchFamily="2" charset="-122"/>
@@ -7988,7 +7830,7 @@
                     <a:p>
                       <a:pPr algn="ctr"/>
                       <a:r>
-                        <a:rPr lang="en-US" altLang="zh-CN" sz="2000" dirty="0" smtClean="0">
+                        <a:rPr lang="en-US" altLang="zh-CN" sz="2000" dirty="0">
                           <a:latin typeface="华文宋体" panose="02010600040101010101" pitchFamily="2" charset="-122"/>
                           <a:ea typeface="华文宋体" panose="02010600040101010101" pitchFamily="2" charset="-122"/>
                         </a:rPr>
@@ -8009,11 +7851,11 @@
                     <a:p>
                       <a:pPr algn="ctr"/>
                       <a:r>
-                        <a:rPr lang="en-US" altLang="zh-CN" sz="2000" dirty="0" smtClean="0">
+                        <a:rPr lang="en-US" altLang="zh-CN" sz="2000" dirty="0">
                           <a:latin typeface="华文宋体" panose="02010600040101010101" pitchFamily="2" charset="-122"/>
                           <a:ea typeface="华文宋体" panose="02010600040101010101" pitchFamily="2" charset="-122"/>
                         </a:rPr>
-                        <a:t>0.9831</a:t>
+                        <a:t>0.9842</a:t>
                       </a:r>
                       <a:endParaRPr lang="zh-CN" altLang="en-US" sz="2000" dirty="0">
                         <a:latin typeface="华文宋体" panose="02010600040101010101" pitchFamily="2" charset="-122"/>
@@ -8042,14 +7884,14 @@
           <p:nvPr>
             <p:extLst>
               <p:ext uri="{D42A27DB-BD31-4B8C-83A1-F6EECF244321}">
-                <p14:modId xmlns:p14="http://schemas.microsoft.com/office/powerpoint/2010/main" val="557615545"/>
+                <p14:modId xmlns:p14="http://schemas.microsoft.com/office/powerpoint/2010/main" val="1850277050"/>
               </p:ext>
             </p:extLst>
           </p:nvPr>
         </p:nvGraphicFramePr>
         <p:xfrm>
-          <a:off x="4253689" y="2063205"/>
-          <a:ext cx="7123372" cy="4479746"/>
+          <a:off x="4295090" y="1718083"/>
+          <a:ext cx="7123372" cy="4868764"/>
         </p:xfrm>
         <a:graphic>
           <a:graphicData uri="http://schemas.openxmlformats.org/drawingml/2006/table">
@@ -8087,7 +7929,7 @@
                   </a:extLst>
                 </a:gridCol>
               </a:tblGrid>
-              <a:tr h="537209">
+              <a:tr h="439574">
                 <a:tc gridSpan="4">
                   <a:txBody>
                     <a:bodyPr/>
@@ -8095,7 +7937,7 @@
                     <a:p>
                       <a:pPr marL="0" algn="ctr" defTabSz="685800" rtl="0" eaLnBrk="1" latinLnBrk="0" hangingPunct="1"/>
                       <a:r>
-                        <a:rPr lang="zh-CN" altLang="en-US" sz="2000" kern="1200" dirty="0" smtClean="0">
+                        <a:rPr lang="zh-CN" altLang="en-US" sz="1800" kern="1200" dirty="0">
                           <a:solidFill>
                             <a:schemeClr val="bg1"/>
                           </a:solidFill>
@@ -8105,14 +7947,6 @@
                         </a:rPr>
                         <a:t>特征重要性表格</a:t>
                       </a:r>
-                      <a:endParaRPr lang="zh-CN" altLang="en-US" sz="2000" kern="1200" dirty="0">
-                        <a:solidFill>
-                          <a:schemeClr val="bg1"/>
-                        </a:solidFill>
-                        <a:latin typeface="华文宋体" panose="02010600040101010101" pitchFamily="2" charset="-122"/>
-                        <a:ea typeface="华文宋体" panose="02010600040101010101" pitchFamily="2" charset="-122"/>
-                        <a:cs typeface="+mn-cs"/>
-                      </a:endParaRPr>
                     </a:p>
                   </a:txBody>
                   <a:tcPr/>
@@ -8153,7 +7987,7 @@
                   </a:ext>
                 </a:extLst>
               </a:tr>
-              <a:tr h="674370">
+              <a:tr h="545804">
                 <a:tc>
                   <a:txBody>
                     <a:bodyPr/>
@@ -8161,7 +7995,7 @@
                     <a:p>
                       <a:pPr marL="0" algn="ctr" defTabSz="685800" rtl="0" eaLnBrk="1" latinLnBrk="0" hangingPunct="1"/>
                       <a:r>
-                        <a:rPr lang="zh-CN" altLang="en-US" sz="2000" kern="1200" dirty="0" smtClean="0">
+                        <a:rPr lang="zh-CN" altLang="en-US" sz="1800" kern="1200" dirty="0">
                           <a:solidFill>
                             <a:schemeClr val="dk1"/>
                           </a:solidFill>
@@ -8171,7 +8005,174 @@
                         </a:rPr>
                         <a:t>特征名称</a:t>
                       </a:r>
-                      <a:endParaRPr lang="zh-CN" altLang="en-US" sz="2000" kern="1200" dirty="0">
+                    </a:p>
+                  </a:txBody>
+                  <a:tcPr/>
+                </a:tc>
+                <a:tc>
+                  <a:txBody>
+                    <a:bodyPr/>
+                    <a:lstStyle/>
+                    <a:p>
+                      <a:pPr marL="0" algn="ctr" defTabSz="685800" rtl="0" eaLnBrk="1" latinLnBrk="0" hangingPunct="1"/>
+                      <a:r>
+                        <a:rPr lang="en-US" altLang="zh-CN" sz="1800" kern="1200" dirty="0">
+                          <a:solidFill>
+                            <a:schemeClr val="dk1"/>
+                          </a:solidFill>
+                          <a:latin typeface="华文宋体" panose="02010600040101010101" pitchFamily="2" charset="-122"/>
+                          <a:ea typeface="华文宋体" panose="02010600040101010101" pitchFamily="2" charset="-122"/>
+                          <a:cs typeface="+mn-cs"/>
+                        </a:rPr>
+                        <a:t>RF</a:t>
+                      </a:r>
+                      <a:r>
+                        <a:rPr lang="zh-CN" altLang="en-US" sz="1800" kern="1200" dirty="0">
+                          <a:solidFill>
+                            <a:schemeClr val="dk1"/>
+                          </a:solidFill>
+                          <a:latin typeface="华文宋体" panose="02010600040101010101" pitchFamily="2" charset="-122"/>
+                          <a:ea typeface="华文宋体" panose="02010600040101010101" pitchFamily="2" charset="-122"/>
+                          <a:cs typeface="+mn-cs"/>
+                        </a:rPr>
+                        <a:t>重要性</a:t>
+                      </a:r>
+                    </a:p>
+                  </a:txBody>
+                  <a:tcPr/>
+                </a:tc>
+                <a:tc>
+                  <a:txBody>
+                    <a:bodyPr/>
+                    <a:lstStyle/>
+                    <a:p>
+                      <a:pPr marL="0" algn="ctr" defTabSz="685800" rtl="0" eaLnBrk="1" latinLnBrk="0" hangingPunct="1"/>
+                      <a:r>
+                        <a:rPr lang="zh-CN" altLang="en-US" sz="1800" kern="1200" dirty="0">
+                          <a:solidFill>
+                            <a:schemeClr val="dk1"/>
+                          </a:solidFill>
+                          <a:latin typeface="华文宋体" panose="02010600040101010101" pitchFamily="2" charset="-122"/>
+                          <a:ea typeface="华文宋体" panose="02010600040101010101" pitchFamily="2" charset="-122"/>
+                          <a:cs typeface="+mn-cs"/>
+                        </a:rPr>
+                        <a:t>排列重要性</a:t>
+                      </a:r>
+                      <a:r>
+                        <a:rPr lang="en-US" altLang="zh-CN" sz="1800" kern="1200" dirty="0">
+                          <a:solidFill>
+                            <a:schemeClr val="dk1"/>
+                          </a:solidFill>
+                          <a:latin typeface="华文宋体" panose="02010600040101010101" pitchFamily="2" charset="-122"/>
+                          <a:ea typeface="华文宋体" panose="02010600040101010101" pitchFamily="2" charset="-122"/>
+                          <a:cs typeface="+mn-cs"/>
+                        </a:rPr>
+                        <a:t>_</a:t>
+                      </a:r>
+                      <a:r>
+                        <a:rPr lang="zh-CN" altLang="en-US" sz="1800" kern="1200" dirty="0">
+                          <a:solidFill>
+                            <a:schemeClr val="dk1"/>
+                          </a:solidFill>
+                          <a:latin typeface="华文宋体" panose="02010600040101010101" pitchFamily="2" charset="-122"/>
+                          <a:ea typeface="华文宋体" panose="02010600040101010101" pitchFamily="2" charset="-122"/>
+                          <a:cs typeface="+mn-cs"/>
+                        </a:rPr>
+                        <a:t>均值</a:t>
+                      </a:r>
+                    </a:p>
+                  </a:txBody>
+                  <a:tcPr/>
+                </a:tc>
+                <a:tc>
+                  <a:txBody>
+                    <a:bodyPr/>
+                    <a:lstStyle/>
+                    <a:p>
+                      <a:pPr marL="0" algn="ctr" defTabSz="685800" rtl="0" eaLnBrk="1" latinLnBrk="0" hangingPunct="1"/>
+                      <a:r>
+                        <a:rPr lang="zh-CN" altLang="en-US" sz="1800" kern="1200" dirty="0">
+                          <a:solidFill>
+                            <a:schemeClr val="dk1"/>
+                          </a:solidFill>
+                          <a:latin typeface="华文宋体" panose="02010600040101010101" pitchFamily="2" charset="-122"/>
+                          <a:ea typeface="华文宋体" panose="02010600040101010101" pitchFamily="2" charset="-122"/>
+                          <a:cs typeface="+mn-cs"/>
+                        </a:rPr>
+                        <a:t>排列重要性</a:t>
+                      </a:r>
+                      <a:r>
+                        <a:rPr lang="en-US" altLang="zh-CN" sz="1800" kern="1200" dirty="0">
+                          <a:solidFill>
+                            <a:schemeClr val="dk1"/>
+                          </a:solidFill>
+                          <a:latin typeface="华文宋体" panose="02010600040101010101" pitchFamily="2" charset="-122"/>
+                          <a:ea typeface="华文宋体" panose="02010600040101010101" pitchFamily="2" charset="-122"/>
+                          <a:cs typeface="+mn-cs"/>
+                        </a:rPr>
+                        <a:t>_</a:t>
+                      </a:r>
+                      <a:r>
+                        <a:rPr lang="zh-CN" altLang="en-US" sz="1800" kern="1200" dirty="0">
+                          <a:solidFill>
+                            <a:schemeClr val="dk1"/>
+                          </a:solidFill>
+                          <a:latin typeface="华文宋体" panose="02010600040101010101" pitchFamily="2" charset="-122"/>
+                          <a:ea typeface="华文宋体" panose="02010600040101010101" pitchFamily="2" charset="-122"/>
+                          <a:cs typeface="+mn-cs"/>
+                        </a:rPr>
+                        <a:t>标准差</a:t>
+                      </a:r>
+                    </a:p>
+                  </a:txBody>
+                  <a:tcPr/>
+                </a:tc>
+                <a:extLst>
+                  <a:ext uri="{0D108BD9-81ED-4DB2-BD59-A6C34878D82A}">
+                    <a16:rowId xmlns:a16="http://schemas.microsoft.com/office/drawing/2014/main" val="1160973508"/>
+                  </a:ext>
+                </a:extLst>
+              </a:tr>
+              <a:tr h="378911">
+                <a:tc>
+                  <a:txBody>
+                    <a:bodyPr/>
+                    <a:lstStyle/>
+                    <a:p>
+                      <a:pPr marL="0" algn="ctr" defTabSz="685800" rtl="0" eaLnBrk="1" latinLnBrk="0" hangingPunct="1"/>
+                      <a:r>
+                        <a:rPr lang="zh-CN" altLang="en-US" sz="1800" kern="1200" dirty="0">
+                          <a:solidFill>
+                            <a:schemeClr val="dk1"/>
+                          </a:solidFill>
+                          <a:latin typeface="华文宋体" panose="02010600040101010101" pitchFamily="2" charset="-122"/>
+                          <a:ea typeface="华文宋体" panose="02010600040101010101" pitchFamily="2" charset="-122"/>
+                          <a:cs typeface="+mn-cs"/>
+                        </a:rPr>
+                        <a:t>到市中心距离</a:t>
+                      </a:r>
+                    </a:p>
+                  </a:txBody>
+                  <a:tcPr/>
+                </a:tc>
+                <a:tc>
+                  <a:txBody>
+                    <a:bodyPr/>
+                    <a:lstStyle/>
+                    <a:p>
+                      <a:pPr marL="0" algn="ctr" defTabSz="685800" rtl="0" eaLnBrk="1" latinLnBrk="0" hangingPunct="1"/>
+                      <a:r>
+                        <a:rPr lang="en-US" altLang="zh-CN" sz="1800" kern="1200" dirty="0">
+                          <a:solidFill>
+                            <a:schemeClr val="dk1"/>
+                          </a:solidFill>
+                          <a:latin typeface="华文宋体" panose="02010600040101010101" pitchFamily="2" charset="-122"/>
+                          <a:ea typeface="华文宋体" panose="02010600040101010101" pitchFamily="2" charset="-122"/>
+                          <a:cs typeface="+mn-cs"/>
+                        </a:rPr>
+                        <a:t>0.5568</a:t>
+                      </a:r>
+                      <a:endParaRPr lang="zh-CN" altLang="en-US" sz="1800" kern="1200" dirty="0">
                         <a:solidFill>
                           <a:schemeClr val="dk1"/>
                         </a:solidFill>
@@ -8190,7 +8191,7 @@
                     <a:p>
                       <a:pPr marL="0" algn="ctr" defTabSz="685800" rtl="0" eaLnBrk="1" latinLnBrk="0" hangingPunct="1"/>
                       <a:r>
-                        <a:rPr lang="en-US" altLang="zh-CN" sz="2000" kern="1200" dirty="0" smtClean="0">
+                        <a:rPr lang="en-US" altLang="zh-CN" sz="1800" kern="1200" dirty="0">
                           <a:solidFill>
                             <a:schemeClr val="dk1"/>
                           </a:solidFill>
@@ -8198,20 +8199,9 @@
                           <a:ea typeface="华文宋体" panose="02010600040101010101" pitchFamily="2" charset="-122"/>
                           <a:cs typeface="+mn-cs"/>
                         </a:rPr>
-                        <a:t>RF</a:t>
+                        <a:t>0.3701</a:t>
                       </a:r>
-                      <a:r>
-                        <a:rPr lang="zh-CN" altLang="en-US" sz="2000" kern="1200" dirty="0" smtClean="0">
-                          <a:solidFill>
-                            <a:schemeClr val="dk1"/>
-                          </a:solidFill>
-                          <a:latin typeface="华文宋体" panose="02010600040101010101" pitchFamily="2" charset="-122"/>
-                          <a:ea typeface="华文宋体" panose="02010600040101010101" pitchFamily="2" charset="-122"/>
-                          <a:cs typeface="+mn-cs"/>
-                        </a:rPr>
-                        <a:t>重要性</a:t>
-                      </a:r>
-                      <a:endParaRPr lang="zh-CN" altLang="en-US" sz="2000" kern="1200" dirty="0">
+                      <a:endParaRPr lang="zh-CN" altLang="en-US" sz="1800" kern="1200" dirty="0">
                         <a:solidFill>
                           <a:schemeClr val="dk1"/>
                         </a:solidFill>
@@ -8230,7 +8220,7 @@
                     <a:p>
                       <a:pPr marL="0" algn="ctr" defTabSz="685800" rtl="0" eaLnBrk="1" latinLnBrk="0" hangingPunct="1"/>
                       <a:r>
-                        <a:rPr lang="zh-CN" altLang="en-US" sz="2000" kern="1200" dirty="0" smtClean="0">
+                        <a:rPr lang="en-US" altLang="zh-CN" sz="1800" kern="1200" dirty="0">
                           <a:solidFill>
                             <a:schemeClr val="dk1"/>
                           </a:solidFill>
@@ -8238,10 +8228,35 @@
                           <a:ea typeface="华文宋体" panose="02010600040101010101" pitchFamily="2" charset="-122"/>
                           <a:cs typeface="+mn-cs"/>
                         </a:rPr>
-                        <a:t>排列重要性</a:t>
+                        <a:t>0.0016</a:t>
                       </a:r>
+                      <a:endParaRPr lang="zh-CN" altLang="en-US" sz="1800" kern="1200" dirty="0">
+                        <a:solidFill>
+                          <a:schemeClr val="dk1"/>
+                        </a:solidFill>
+                        <a:latin typeface="华文宋体" panose="02010600040101010101" pitchFamily="2" charset="-122"/>
+                        <a:ea typeface="华文宋体" panose="02010600040101010101" pitchFamily="2" charset="-122"/>
+                        <a:cs typeface="+mn-cs"/>
+                      </a:endParaRPr>
+                    </a:p>
+                  </a:txBody>
+                  <a:tcPr/>
+                </a:tc>
+                <a:extLst>
+                  <a:ext uri="{0D108BD9-81ED-4DB2-BD59-A6C34878D82A}">
+                    <a16:rowId xmlns:a16="http://schemas.microsoft.com/office/drawing/2014/main" val="1494793924"/>
+                  </a:ext>
+                </a:extLst>
+              </a:tr>
+              <a:tr h="378911">
+                <a:tc>
+                  <a:txBody>
+                    <a:bodyPr/>
+                    <a:lstStyle/>
+                    <a:p>
+                      <a:pPr marL="0" algn="ctr" defTabSz="685800" rtl="0" eaLnBrk="1" latinLnBrk="0" hangingPunct="1"/>
                       <a:r>
-                        <a:rPr lang="en-US" altLang="zh-CN" sz="2000" kern="1200" dirty="0" smtClean="0">
+                        <a:rPr lang="zh-CN" altLang="en-US" sz="1800" kern="1200" dirty="0">
                           <a:solidFill>
                             <a:schemeClr val="dk1"/>
                           </a:solidFill>
@@ -8249,10 +8264,20 @@
                           <a:ea typeface="华文宋体" panose="02010600040101010101" pitchFamily="2" charset="-122"/>
                           <a:cs typeface="+mn-cs"/>
                         </a:rPr>
-                        <a:t>_</a:t>
+                        <a:t>燃气费</a:t>
                       </a:r>
+                    </a:p>
+                  </a:txBody>
+                  <a:tcPr/>
+                </a:tc>
+                <a:tc>
+                  <a:txBody>
+                    <a:bodyPr/>
+                    <a:lstStyle/>
+                    <a:p>
+                      <a:pPr marL="0" algn="ctr" defTabSz="685800" rtl="0" eaLnBrk="1" latinLnBrk="0" hangingPunct="1"/>
                       <a:r>
-                        <a:rPr lang="zh-CN" altLang="en-US" sz="2000" kern="1200" dirty="0" smtClean="0">
+                        <a:rPr lang="en-US" altLang="zh-CN" sz="1800" kern="1200" dirty="0">
                           <a:solidFill>
                             <a:schemeClr val="dk1"/>
                           </a:solidFill>
@@ -8260,9 +8285,9 @@
                           <a:ea typeface="华文宋体" panose="02010600040101010101" pitchFamily="2" charset="-122"/>
                           <a:cs typeface="+mn-cs"/>
                         </a:rPr>
-                        <a:t>均值</a:t>
+                        <a:t>0.1166</a:t>
                       </a:r>
-                      <a:endParaRPr lang="zh-CN" altLang="en-US" sz="2000" kern="1200" dirty="0">
+                      <a:endParaRPr lang="zh-CN" altLang="en-US" sz="1800" kern="1200" dirty="0">
                         <a:solidFill>
                           <a:schemeClr val="dk1"/>
                         </a:solidFill>
@@ -8281,7 +8306,7 @@
                     <a:p>
                       <a:pPr marL="0" algn="ctr" defTabSz="685800" rtl="0" eaLnBrk="1" latinLnBrk="0" hangingPunct="1"/>
                       <a:r>
-                        <a:rPr lang="zh-CN" altLang="en-US" sz="2000" kern="1200" dirty="0" smtClean="0">
+                        <a:rPr lang="en-US" altLang="zh-CN" sz="1800" kern="1200" dirty="0">
                           <a:solidFill>
                             <a:schemeClr val="dk1"/>
                           </a:solidFill>
@@ -8289,67 +8314,9 @@
                           <a:ea typeface="华文宋体" panose="02010600040101010101" pitchFamily="2" charset="-122"/>
                           <a:cs typeface="+mn-cs"/>
                         </a:rPr>
-                        <a:t>排列重要性</a:t>
+                        <a:t>0.0227</a:t>
                       </a:r>
-                      <a:r>
-                        <a:rPr lang="en-US" altLang="zh-CN" sz="2000" kern="1200" dirty="0" smtClean="0">
-                          <a:solidFill>
-                            <a:schemeClr val="dk1"/>
-                          </a:solidFill>
-                          <a:latin typeface="华文宋体" panose="02010600040101010101" pitchFamily="2" charset="-122"/>
-                          <a:ea typeface="华文宋体" panose="02010600040101010101" pitchFamily="2" charset="-122"/>
-                          <a:cs typeface="+mn-cs"/>
-                        </a:rPr>
-                        <a:t>_</a:t>
-                      </a:r>
-                      <a:r>
-                        <a:rPr lang="zh-CN" altLang="en-US" sz="2000" kern="1200" dirty="0" smtClean="0">
-                          <a:solidFill>
-                            <a:schemeClr val="dk1"/>
-                          </a:solidFill>
-                          <a:latin typeface="华文宋体" panose="02010600040101010101" pitchFamily="2" charset="-122"/>
-                          <a:ea typeface="华文宋体" panose="02010600040101010101" pitchFamily="2" charset="-122"/>
-                          <a:cs typeface="+mn-cs"/>
-                        </a:rPr>
-                        <a:t>标准差</a:t>
-                      </a:r>
-                      <a:endParaRPr lang="zh-CN" altLang="en-US" sz="2000" kern="1200" dirty="0">
-                        <a:solidFill>
-                          <a:schemeClr val="dk1"/>
-                        </a:solidFill>
-                        <a:latin typeface="华文宋体" panose="02010600040101010101" pitchFamily="2" charset="-122"/>
-                        <a:ea typeface="华文宋体" panose="02010600040101010101" pitchFamily="2" charset="-122"/>
-                        <a:cs typeface="+mn-cs"/>
-                      </a:endParaRPr>
-                    </a:p>
-                  </a:txBody>
-                  <a:tcPr/>
-                </a:tc>
-                <a:extLst>
-                  <a:ext uri="{0D108BD9-81ED-4DB2-BD59-A6C34878D82A}">
-                    <a16:rowId xmlns:a16="http://schemas.microsoft.com/office/drawing/2014/main" val="1160973508"/>
-                  </a:ext>
-                </a:extLst>
-              </a:tr>
-              <a:tr h="463071">
-                <a:tc>
-                  <a:txBody>
-                    <a:bodyPr/>
-                    <a:lstStyle/>
-                    <a:p>
-                      <a:pPr marL="0" algn="ctr" defTabSz="685800" rtl="0" eaLnBrk="1" latinLnBrk="0" hangingPunct="1"/>
-                      <a:r>
-                        <a:rPr lang="zh-CN" altLang="en-US" sz="2000" kern="1200" dirty="0" smtClean="0">
-                          <a:solidFill>
-                            <a:schemeClr val="dk1"/>
-                          </a:solidFill>
-                          <a:latin typeface="华文宋体" panose="02010600040101010101" pitchFamily="2" charset="-122"/>
-                          <a:ea typeface="华文宋体" panose="02010600040101010101" pitchFamily="2" charset="-122"/>
-                          <a:cs typeface="+mn-cs"/>
-                        </a:rPr>
-                        <a:t>到市中心距离</a:t>
-                      </a:r>
-                      <a:endParaRPr lang="zh-CN" altLang="en-US" sz="2000" kern="1200" dirty="0">
+                      <a:endParaRPr lang="zh-CN" altLang="en-US" sz="1800" kern="1200" dirty="0">
                         <a:solidFill>
                           <a:schemeClr val="dk1"/>
                         </a:solidFill>
@@ -8368,7 +8335,7 @@
                     <a:p>
                       <a:pPr marL="0" algn="ctr" defTabSz="685800" rtl="0" eaLnBrk="1" latinLnBrk="0" hangingPunct="1"/>
                       <a:r>
-                        <a:rPr lang="en-US" altLang="zh-CN" sz="2000" kern="1200" dirty="0" smtClean="0">
+                        <a:rPr lang="en-US" altLang="zh-CN" sz="1800" kern="1200" dirty="0">
                           <a:solidFill>
                             <a:schemeClr val="dk1"/>
                           </a:solidFill>
@@ -8376,9 +8343,45 @@
                           <a:ea typeface="华文宋体" panose="02010600040101010101" pitchFamily="2" charset="-122"/>
                           <a:cs typeface="+mn-cs"/>
                         </a:rPr>
-                        <a:t>0.1705</a:t>
+                        <a:t>0.0006</a:t>
                       </a:r>
-                      <a:endParaRPr lang="zh-CN" altLang="en-US" sz="2000" kern="1200" dirty="0">
+                      <a:endParaRPr lang="zh-CN" altLang="en-US" sz="1800" kern="1200" dirty="0">
+                        <a:solidFill>
+                          <a:schemeClr val="dk1"/>
+                        </a:solidFill>
+                        <a:latin typeface="华文宋体" panose="02010600040101010101" pitchFamily="2" charset="-122"/>
+                        <a:ea typeface="华文宋体" panose="02010600040101010101" pitchFamily="2" charset="-122"/>
+                        <a:cs typeface="+mn-cs"/>
+                      </a:endParaRPr>
+                    </a:p>
+                  </a:txBody>
+                  <a:tcPr/>
+                </a:tc>
+                <a:extLst>
+                  <a:ext uri="{0D108BD9-81ED-4DB2-BD59-A6C34878D82A}">
+                    <a16:rowId xmlns:a16="http://schemas.microsoft.com/office/drawing/2014/main" val="1217256281"/>
+                  </a:ext>
+                </a:extLst>
+              </a:tr>
+              <a:tr h="378911">
+                <a:tc>
+                  <a:txBody>
+                    <a:bodyPr/>
+                    <a:lstStyle/>
+                    <a:p>
+                      <a:pPr marL="0" algn="ctr" defTabSz="685800" rtl="0" eaLnBrk="1" latinLnBrk="0" hangingPunct="1"/>
+                      <a:r>
+                        <a:rPr lang="en-US" altLang="zh-CN" sz="1800" kern="1200" dirty="0" err="1">
+                          <a:solidFill>
+                            <a:schemeClr val="dk1"/>
+                          </a:solidFill>
+                          <a:latin typeface="华文宋体" panose="02010600040101010101" pitchFamily="2" charset="-122"/>
+                          <a:ea typeface="华文宋体" panose="02010600040101010101" pitchFamily="2" charset="-122"/>
+                          <a:cs typeface="+mn-cs"/>
+                        </a:rPr>
+                        <a:t>lat</a:t>
+                      </a:r>
+                      <a:endParaRPr lang="zh-CN" altLang="en-US" sz="1800" kern="1200" dirty="0">
                         <a:solidFill>
                           <a:schemeClr val="dk1"/>
                         </a:solidFill>
@@ -8397,7 +8400,7 @@
                     <a:p>
                       <a:pPr marL="0" algn="ctr" defTabSz="685800" rtl="0" eaLnBrk="1" latinLnBrk="0" hangingPunct="1"/>
                       <a:r>
-                        <a:rPr lang="en-US" altLang="zh-CN" sz="2000" kern="1200" dirty="0" smtClean="0">
+                        <a:rPr lang="en-US" altLang="zh-CN" sz="1800" kern="1200" dirty="0">
                           <a:solidFill>
                             <a:schemeClr val="dk1"/>
                           </a:solidFill>
@@ -8405,9 +8408,9 @@
                           <a:ea typeface="华文宋体" panose="02010600040101010101" pitchFamily="2" charset="-122"/>
                           <a:cs typeface="+mn-cs"/>
                         </a:rPr>
-                        <a:t>0.0789</a:t>
+                        <a:t>0.0754</a:t>
                       </a:r>
-                      <a:endParaRPr lang="zh-CN" altLang="en-US" sz="2000" kern="1200" dirty="0">
+                      <a:endParaRPr lang="zh-CN" altLang="en-US" sz="1800" kern="1200" dirty="0">
                         <a:solidFill>
                           <a:schemeClr val="dk1"/>
                         </a:solidFill>
@@ -8426,7 +8429,7 @@
                     <a:p>
                       <a:pPr marL="0" algn="ctr" defTabSz="685800" rtl="0" eaLnBrk="1" latinLnBrk="0" hangingPunct="1"/>
                       <a:r>
-                        <a:rPr lang="en-US" altLang="zh-CN" sz="2000" kern="1200" dirty="0" smtClean="0">
+                        <a:rPr lang="en-US" altLang="zh-CN" sz="1800" kern="1200" dirty="0">
                           <a:solidFill>
                             <a:schemeClr val="dk1"/>
                           </a:solidFill>
@@ -8434,45 +8437,9 @@
                           <a:ea typeface="华文宋体" panose="02010600040101010101" pitchFamily="2" charset="-122"/>
                           <a:cs typeface="+mn-cs"/>
                         </a:rPr>
-                        <a:t>0.0007</a:t>
+                        <a:t>0.1360</a:t>
                       </a:r>
-                      <a:endParaRPr lang="zh-CN" altLang="en-US" sz="2000" kern="1200" dirty="0">
-                        <a:solidFill>
-                          <a:schemeClr val="dk1"/>
-                        </a:solidFill>
-                        <a:latin typeface="华文宋体" panose="02010600040101010101" pitchFamily="2" charset="-122"/>
-                        <a:ea typeface="华文宋体" panose="02010600040101010101" pitchFamily="2" charset="-122"/>
-                        <a:cs typeface="+mn-cs"/>
-                      </a:endParaRPr>
-                    </a:p>
-                  </a:txBody>
-                  <a:tcPr/>
-                </a:tc>
-                <a:extLst>
-                  <a:ext uri="{0D108BD9-81ED-4DB2-BD59-A6C34878D82A}">
-                    <a16:rowId xmlns:a16="http://schemas.microsoft.com/office/drawing/2014/main" val="1494793924"/>
-                  </a:ext>
-                </a:extLst>
-              </a:tr>
-              <a:tr h="463071">
-                <a:tc>
-                  <a:txBody>
-                    <a:bodyPr/>
-                    <a:lstStyle/>
-                    <a:p>
-                      <a:pPr marL="0" algn="ctr" defTabSz="685800" rtl="0" eaLnBrk="1" latinLnBrk="0" hangingPunct="1"/>
-                      <a:r>
-                        <a:rPr lang="zh-CN" altLang="en-US" sz="2000" kern="1200" dirty="0" smtClean="0">
-                          <a:solidFill>
-                            <a:schemeClr val="dk1"/>
-                          </a:solidFill>
-                          <a:latin typeface="华文宋体" panose="02010600040101010101" pitchFamily="2" charset="-122"/>
-                          <a:ea typeface="华文宋体" panose="02010600040101010101" pitchFamily="2" charset="-122"/>
-                          <a:cs typeface="+mn-cs"/>
-                        </a:rPr>
-                        <a:t>城市</a:t>
-                      </a:r>
-                      <a:endParaRPr lang="zh-CN" altLang="en-US" sz="2000" kern="1200" dirty="0">
+                      <a:endParaRPr lang="zh-CN" altLang="en-US" sz="1800" kern="1200" dirty="0">
                         <a:solidFill>
                           <a:schemeClr val="dk1"/>
                         </a:solidFill>
@@ -8491,7 +8458,7 @@
                     <a:p>
                       <a:pPr marL="0" algn="ctr" defTabSz="685800" rtl="0" eaLnBrk="1" latinLnBrk="0" hangingPunct="1"/>
                       <a:r>
-                        <a:rPr lang="en-US" altLang="zh-CN" sz="2000" kern="1200" dirty="0" smtClean="0">
+                        <a:rPr lang="en-US" altLang="zh-CN" sz="1800" kern="1200" dirty="0">
                           <a:solidFill>
                             <a:schemeClr val="dk1"/>
                           </a:solidFill>
@@ -8499,9 +8466,45 @@
                           <a:ea typeface="华文宋体" panose="02010600040101010101" pitchFamily="2" charset="-122"/>
                           <a:cs typeface="+mn-cs"/>
                         </a:rPr>
-                        <a:t>0.1349</a:t>
+                        <a:t>0.0009</a:t>
                       </a:r>
-                      <a:endParaRPr lang="zh-CN" altLang="en-US" sz="2000" kern="1200" dirty="0">
+                      <a:endParaRPr lang="zh-CN" altLang="en-US" sz="1800" kern="1200" dirty="0">
+                        <a:solidFill>
+                          <a:schemeClr val="dk1"/>
+                        </a:solidFill>
+                        <a:latin typeface="华文宋体" panose="02010600040101010101" pitchFamily="2" charset="-122"/>
+                        <a:ea typeface="华文宋体" panose="02010600040101010101" pitchFamily="2" charset="-122"/>
+                        <a:cs typeface="+mn-cs"/>
+                      </a:endParaRPr>
+                    </a:p>
+                  </a:txBody>
+                  <a:tcPr/>
+                </a:tc>
+                <a:extLst>
+                  <a:ext uri="{0D108BD9-81ED-4DB2-BD59-A6C34878D82A}">
+                    <a16:rowId xmlns:a16="http://schemas.microsoft.com/office/drawing/2014/main" val="1147934590"/>
+                  </a:ext>
+                </a:extLst>
+              </a:tr>
+              <a:tr h="378911">
+                <a:tc>
+                  <a:txBody>
+                    <a:bodyPr/>
+                    <a:lstStyle/>
+                    <a:p>
+                      <a:pPr marL="0" algn="ctr" defTabSz="685800" rtl="0" eaLnBrk="1" latinLnBrk="0" hangingPunct="1"/>
+                      <a:r>
+                        <a:rPr lang="en-US" altLang="zh-CN" sz="1800" kern="1200" dirty="0" err="1">
+                          <a:solidFill>
+                            <a:schemeClr val="dk1"/>
+                          </a:solidFill>
+                          <a:latin typeface="华文宋体" panose="02010600040101010101" pitchFamily="2" charset="-122"/>
+                          <a:ea typeface="华文宋体" panose="02010600040101010101" pitchFamily="2" charset="-122"/>
+                          <a:cs typeface="+mn-cs"/>
+                        </a:rPr>
+                        <a:t>lon</a:t>
+                      </a:r>
+                      <a:endParaRPr lang="zh-CN" altLang="en-US" sz="1800" kern="1200" dirty="0">
                         <a:solidFill>
                           <a:schemeClr val="dk1"/>
                         </a:solidFill>
@@ -8520,7 +8523,7 @@
                     <a:p>
                       <a:pPr marL="0" algn="ctr" defTabSz="685800" rtl="0" eaLnBrk="1" latinLnBrk="0" hangingPunct="1"/>
                       <a:r>
-                        <a:rPr lang="en-US" altLang="zh-CN" sz="2000" kern="1200" dirty="0" smtClean="0">
+                        <a:rPr lang="en-US" altLang="zh-CN" sz="1800" kern="1200" dirty="0">
                           <a:solidFill>
                             <a:schemeClr val="dk1"/>
                           </a:solidFill>
@@ -8528,9 +8531,9 @@
                           <a:ea typeface="华文宋体" panose="02010600040101010101" pitchFamily="2" charset="-122"/>
                           <a:cs typeface="+mn-cs"/>
                         </a:rPr>
-                        <a:t>0.0525</a:t>
+                        <a:t>0.0612</a:t>
                       </a:r>
-                      <a:endParaRPr lang="zh-CN" altLang="en-US" sz="2000" kern="1200" dirty="0">
+                      <a:endParaRPr lang="zh-CN" altLang="en-US" sz="1800" kern="1200" dirty="0">
                         <a:solidFill>
                           <a:schemeClr val="dk1"/>
                         </a:solidFill>
@@ -8549,7 +8552,7 @@
                     <a:p>
                       <a:pPr marL="0" algn="ctr" defTabSz="685800" rtl="0" eaLnBrk="1" latinLnBrk="0" hangingPunct="1"/>
                       <a:r>
-                        <a:rPr lang="en-US" altLang="zh-CN" sz="2000" kern="1200" dirty="0" smtClean="0">
+                        <a:rPr lang="en-US" altLang="zh-CN" sz="1800" kern="1200" dirty="0">
                           <a:solidFill>
                             <a:schemeClr val="dk1"/>
                           </a:solidFill>
@@ -8557,45 +8560,9 @@
                           <a:ea typeface="华文宋体" panose="02010600040101010101" pitchFamily="2" charset="-122"/>
                           <a:cs typeface="+mn-cs"/>
                         </a:rPr>
-                        <a:t>0.0006</a:t>
+                        <a:t>0.1038</a:t>
                       </a:r>
-                      <a:endParaRPr lang="zh-CN" altLang="en-US" sz="2000" kern="1200" dirty="0">
-                        <a:solidFill>
-                          <a:schemeClr val="dk1"/>
-                        </a:solidFill>
-                        <a:latin typeface="华文宋体" panose="02010600040101010101" pitchFamily="2" charset="-122"/>
-                        <a:ea typeface="华文宋体" panose="02010600040101010101" pitchFamily="2" charset="-122"/>
-                        <a:cs typeface="+mn-cs"/>
-                      </a:endParaRPr>
-                    </a:p>
-                  </a:txBody>
-                  <a:tcPr/>
-                </a:tc>
-                <a:extLst>
-                  <a:ext uri="{0D108BD9-81ED-4DB2-BD59-A6C34878D82A}">
-                    <a16:rowId xmlns:a16="http://schemas.microsoft.com/office/drawing/2014/main" val="1217256281"/>
-                  </a:ext>
-                </a:extLst>
-              </a:tr>
-              <a:tr h="463071">
-                <a:tc>
-                  <a:txBody>
-                    <a:bodyPr/>
-                    <a:lstStyle/>
-                    <a:p>
-                      <a:pPr marL="0" algn="ctr" defTabSz="685800" rtl="0" eaLnBrk="1" latinLnBrk="0" hangingPunct="1"/>
-                      <a:r>
-                        <a:rPr lang="en-US" altLang="zh-CN" sz="2000" kern="1200" dirty="0" err="1" smtClean="0">
-                          <a:solidFill>
-                            <a:schemeClr val="dk1"/>
-                          </a:solidFill>
-                          <a:latin typeface="华文宋体" panose="02010600040101010101" pitchFamily="2" charset="-122"/>
-                          <a:ea typeface="华文宋体" panose="02010600040101010101" pitchFamily="2" charset="-122"/>
-                          <a:cs typeface="+mn-cs"/>
-                        </a:rPr>
-                        <a:t>lon_grid</a:t>
-                      </a:r>
-                      <a:endParaRPr lang="zh-CN" altLang="en-US" sz="2000" kern="1200" dirty="0">
+                      <a:endParaRPr lang="zh-CN" altLang="en-US" sz="1800" kern="1200" dirty="0">
                         <a:solidFill>
                           <a:schemeClr val="dk1"/>
                         </a:solidFill>
@@ -8614,7 +8581,7 @@
                     <a:p>
                       <a:pPr marL="0" algn="ctr" defTabSz="685800" rtl="0" eaLnBrk="1" latinLnBrk="0" hangingPunct="1"/>
                       <a:r>
-                        <a:rPr lang="en-US" altLang="zh-CN" sz="2000" kern="1200" dirty="0" smtClean="0">
+                        <a:rPr lang="en-US" altLang="zh-CN" sz="1800" kern="1200" dirty="0">
                           <a:solidFill>
                             <a:schemeClr val="dk1"/>
                           </a:solidFill>
@@ -8622,9 +8589,66 @@
                           <a:ea typeface="华文宋体" panose="02010600040101010101" pitchFamily="2" charset="-122"/>
                           <a:cs typeface="+mn-cs"/>
                         </a:rPr>
-                        <a:t>0.1091</a:t>
+                        <a:t>0.0010</a:t>
                       </a:r>
-                      <a:endParaRPr lang="zh-CN" altLang="en-US" sz="2000" kern="1200" dirty="0">
+                      <a:endParaRPr lang="zh-CN" altLang="en-US" sz="1800" kern="1200" dirty="0">
+                        <a:solidFill>
+                          <a:schemeClr val="dk1"/>
+                        </a:solidFill>
+                        <a:latin typeface="华文宋体" panose="02010600040101010101" pitchFamily="2" charset="-122"/>
+                        <a:ea typeface="华文宋体" panose="02010600040101010101" pitchFamily="2" charset="-122"/>
+                        <a:cs typeface="+mn-cs"/>
+                      </a:endParaRPr>
+                    </a:p>
+                  </a:txBody>
+                  <a:tcPr/>
+                </a:tc>
+                <a:extLst>
+                  <a:ext uri="{0D108BD9-81ED-4DB2-BD59-A6C34878D82A}">
+                    <a16:rowId xmlns:a16="http://schemas.microsoft.com/office/drawing/2014/main" val="3383712384"/>
+                  </a:ext>
+                </a:extLst>
+              </a:tr>
+              <a:tr h="378911">
+                <a:tc>
+                  <a:txBody>
+                    <a:bodyPr/>
+                    <a:lstStyle/>
+                    <a:p>
+                      <a:pPr marL="0" algn="ctr" defTabSz="685800" rtl="0" eaLnBrk="1" latinLnBrk="0" hangingPunct="1"/>
+                      <a:r>
+                        <a:rPr lang="zh-CN" altLang="en-US" sz="1800" kern="1200" dirty="0">
+                          <a:solidFill>
+                            <a:schemeClr val="dk1"/>
+                          </a:solidFill>
+                          <a:latin typeface="华文宋体" panose="02010600040101010101" pitchFamily="2" charset="-122"/>
+                          <a:ea typeface="华文宋体" panose="02010600040101010101" pitchFamily="2" charset="-122"/>
+                          <a:cs typeface="+mn-cs"/>
+                        </a:rPr>
+                        <a:t>区域</a:t>
+                      </a:r>
+                    </a:p>
+                  </a:txBody>
+                  <a:tcPr/>
+                </a:tc>
+                <a:tc>
+                  <a:txBody>
+                    <a:bodyPr/>
+                    <a:lstStyle/>
+                    <a:p>
+                      <a:pPr marL="0" algn="ctr" defTabSz="685800" rtl="0" eaLnBrk="1" latinLnBrk="0" hangingPunct="1"/>
+                      <a:r>
+                        <a:rPr lang="en-US" altLang="zh-CN" sz="1800" kern="1200" dirty="0">
+                          <a:solidFill>
+                            <a:schemeClr val="dk1"/>
+                          </a:solidFill>
+                          <a:latin typeface="华文宋体" panose="02010600040101010101" pitchFamily="2" charset="-122"/>
+                          <a:ea typeface="华文宋体" panose="02010600040101010101" pitchFamily="2" charset="-122"/>
+                          <a:cs typeface="+mn-cs"/>
+                        </a:rPr>
+                        <a:t>0.0181</a:t>
+                      </a:r>
+                      <a:endParaRPr lang="zh-CN" altLang="en-US" sz="1800" kern="1200" dirty="0">
                         <a:solidFill>
                           <a:schemeClr val="dk1"/>
                         </a:solidFill>
@@ -8643,7 +8667,7 @@
                     <a:p>
                       <a:pPr marL="0" algn="ctr" defTabSz="685800" rtl="0" eaLnBrk="1" latinLnBrk="0" hangingPunct="1"/>
                       <a:r>
-                        <a:rPr lang="en-US" altLang="zh-CN" sz="2000" kern="1200" dirty="0" smtClean="0">
+                        <a:rPr lang="en-US" altLang="zh-CN" sz="1800" kern="1200" dirty="0">
                           <a:solidFill>
                             <a:schemeClr val="dk1"/>
                           </a:solidFill>
@@ -8651,9 +8675,9 @@
                           <a:ea typeface="华文宋体" panose="02010600040101010101" pitchFamily="2" charset="-122"/>
                           <a:cs typeface="+mn-cs"/>
                         </a:rPr>
-                        <a:t>0.0498</a:t>
+                        <a:t>0.0422</a:t>
                       </a:r>
-                      <a:endParaRPr lang="zh-CN" altLang="en-US" sz="2000" kern="1200" dirty="0">
+                      <a:endParaRPr lang="zh-CN" altLang="en-US" sz="1800" kern="1200" dirty="0">
                         <a:solidFill>
                           <a:schemeClr val="dk1"/>
                         </a:solidFill>
@@ -8672,7 +8696,7 @@
                     <a:p>
                       <a:pPr marL="0" algn="ctr" defTabSz="685800" rtl="0" eaLnBrk="1" latinLnBrk="0" hangingPunct="1"/>
                       <a:r>
-                        <a:rPr lang="en-US" altLang="zh-CN" sz="2000" kern="1200" dirty="0" smtClean="0">
+                        <a:rPr lang="en-US" altLang="zh-CN" sz="1800" kern="1200" dirty="0">
                           <a:solidFill>
                             <a:schemeClr val="dk1"/>
                           </a:solidFill>
@@ -8680,9 +8704,9 @@
                           <a:ea typeface="华文宋体" panose="02010600040101010101" pitchFamily="2" charset="-122"/>
                           <a:cs typeface="+mn-cs"/>
                         </a:rPr>
-                        <a:t>0.0004</a:t>
+                        <a:t>0.0005</a:t>
                       </a:r>
-                      <a:endParaRPr lang="zh-CN" altLang="en-US" sz="2000" kern="1200" dirty="0">
+                      <a:endParaRPr lang="zh-CN" altLang="en-US" sz="1800" kern="1200" dirty="0">
                         <a:solidFill>
                           <a:schemeClr val="dk1"/>
                         </a:solidFill>
@@ -8696,11 +8720,11 @@
                 </a:tc>
                 <a:extLst>
                   <a:ext uri="{0D108BD9-81ED-4DB2-BD59-A6C34878D82A}">
-                    <a16:rowId xmlns:a16="http://schemas.microsoft.com/office/drawing/2014/main" val="1147934590"/>
+                    <a16:rowId xmlns:a16="http://schemas.microsoft.com/office/drawing/2014/main" val="1280574458"/>
                   </a:ext>
                 </a:extLst>
               </a:tr>
-              <a:tr h="463071">
+              <a:tr h="378911">
                 <a:tc>
                   <a:txBody>
                     <a:bodyPr/>
@@ -8708,7 +8732,7 @@
                     <a:p>
                       <a:pPr marL="0" algn="ctr" defTabSz="685800" rtl="0" eaLnBrk="1" latinLnBrk="0" hangingPunct="1"/>
                       <a:r>
-                        <a:rPr lang="zh-CN" altLang="en-US" sz="2000" kern="1200" dirty="0" smtClean="0">
+                        <a:rPr lang="zh-CN" altLang="en-US" sz="1800" kern="1200" dirty="0">
                           <a:solidFill>
                             <a:schemeClr val="dk1"/>
                           </a:solidFill>
@@ -8716,9 +8740,30 @@
                           <a:ea typeface="华文宋体" panose="02010600040101010101" pitchFamily="2" charset="-122"/>
                           <a:cs typeface="+mn-cs"/>
                         </a:rPr>
-                        <a:t>燃气费</a:t>
+                        <a:t>供热费</a:t>
                       </a:r>
-                      <a:endParaRPr lang="zh-CN" altLang="en-US" sz="2000" kern="1200" dirty="0">
+                    </a:p>
+                  </a:txBody>
+                  <a:tcPr/>
+                </a:tc>
+                <a:tc>
+                  <a:txBody>
+                    <a:bodyPr/>
+                    <a:lstStyle/>
+                    <a:p>
+                      <a:pPr marL="0" algn="ctr" defTabSz="685800" rtl="0" eaLnBrk="1" latinLnBrk="0" hangingPunct="1"/>
+                      <a:r>
+                        <a:rPr lang="en-US" altLang="zh-CN" sz="1800" kern="1200" dirty="0">
+                          <a:solidFill>
+                            <a:schemeClr val="dk1"/>
+                          </a:solidFill>
+                          <a:latin typeface="华文宋体" panose="02010600040101010101" pitchFamily="2" charset="-122"/>
+                          <a:ea typeface="华文宋体" panose="02010600040101010101" pitchFamily="2" charset="-122"/>
+                          <a:cs typeface="+mn-cs"/>
+                        </a:rPr>
+                        <a:t>0.0131</a:t>
+                      </a:r>
+                      <a:endParaRPr lang="zh-CN" altLang="en-US" sz="1800" kern="1200" dirty="0">
                         <a:solidFill>
                           <a:schemeClr val="dk1"/>
                         </a:solidFill>
@@ -8737,7 +8782,7 @@
                     <a:p>
                       <a:pPr marL="0" algn="ctr" defTabSz="685800" rtl="0" eaLnBrk="1" latinLnBrk="0" hangingPunct="1"/>
                       <a:r>
-                        <a:rPr lang="en-US" altLang="zh-CN" sz="2000" kern="1200" dirty="0" smtClean="0">
+                        <a:rPr lang="en-US" altLang="zh-CN" sz="1800" kern="1200" dirty="0">
                           <a:solidFill>
                             <a:schemeClr val="dk1"/>
                           </a:solidFill>
@@ -8745,9 +8790,9 @@
                           <a:ea typeface="华文宋体" panose="02010600040101010101" pitchFamily="2" charset="-122"/>
                           <a:cs typeface="+mn-cs"/>
                         </a:rPr>
-                        <a:t>0.0837</a:t>
+                        <a:t>0.0469 </a:t>
                       </a:r>
-                      <a:endParaRPr lang="zh-CN" altLang="en-US" sz="2000" kern="1200" dirty="0">
+                      <a:endParaRPr lang="zh-CN" altLang="en-US" sz="1800" kern="1200" dirty="0">
                         <a:solidFill>
                           <a:schemeClr val="dk1"/>
                         </a:solidFill>
@@ -8766,7 +8811,7 @@
                     <a:p>
                       <a:pPr marL="0" algn="ctr" defTabSz="685800" rtl="0" eaLnBrk="1" latinLnBrk="0" hangingPunct="1"/>
                       <a:r>
-                        <a:rPr lang="en-US" altLang="zh-CN" sz="2000" kern="1200" dirty="0" smtClean="0">
+                        <a:rPr lang="en-US" altLang="zh-CN" sz="1800" kern="1200" dirty="0">
                           <a:solidFill>
                             <a:schemeClr val="dk1"/>
                           </a:solidFill>
@@ -8774,9 +8819,66 @@
                           <a:ea typeface="华文宋体" panose="02010600040101010101" pitchFamily="2" charset="-122"/>
                           <a:cs typeface="+mn-cs"/>
                         </a:rPr>
-                        <a:t>0.0101</a:t>
+                        <a:t>0.0010</a:t>
                       </a:r>
-                      <a:endParaRPr lang="zh-CN" altLang="en-US" sz="2000" kern="1200" dirty="0">
+                      <a:endParaRPr lang="zh-CN" altLang="en-US" sz="1800" kern="1200" dirty="0">
+                        <a:solidFill>
+                          <a:schemeClr val="dk1"/>
+                        </a:solidFill>
+                        <a:latin typeface="华文宋体" panose="02010600040101010101" pitchFamily="2" charset="-122"/>
+                        <a:ea typeface="华文宋体" panose="02010600040101010101" pitchFamily="2" charset="-122"/>
+                        <a:cs typeface="+mn-cs"/>
+                      </a:endParaRPr>
+                    </a:p>
+                  </a:txBody>
+                  <a:tcPr/>
+                </a:tc>
+                <a:extLst>
+                  <a:ext uri="{0D108BD9-81ED-4DB2-BD59-A6C34878D82A}">
+                    <a16:rowId xmlns:a16="http://schemas.microsoft.com/office/drawing/2014/main" val="3351075562"/>
+                  </a:ext>
+                </a:extLst>
+              </a:tr>
+              <a:tr h="378911">
+                <a:tc>
+                  <a:txBody>
+                    <a:bodyPr/>
+                    <a:lstStyle/>
+                    <a:p>
+                      <a:pPr marL="0" algn="ctr" defTabSz="685800" rtl="0" eaLnBrk="1" latinLnBrk="0" hangingPunct="1"/>
+                      <a:r>
+                        <a:rPr lang="zh-CN" altLang="en-US" sz="1800" kern="1200" dirty="0">
+                          <a:solidFill>
+                            <a:schemeClr val="dk1"/>
+                          </a:solidFill>
+                          <a:latin typeface="华文宋体" panose="02010600040101010101" pitchFamily="2" charset="-122"/>
+                          <a:ea typeface="华文宋体" panose="02010600040101010101" pitchFamily="2" charset="-122"/>
+                          <a:cs typeface="+mn-cs"/>
+                        </a:rPr>
+                        <a:t>总层数</a:t>
+                      </a:r>
+                    </a:p>
+                  </a:txBody>
+                  <a:tcPr/>
+                </a:tc>
+                <a:tc>
+                  <a:txBody>
+                    <a:bodyPr/>
+                    <a:lstStyle/>
+                    <a:p>
+                      <a:pPr marL="0" algn="ctr" defTabSz="685800" rtl="0" eaLnBrk="1" latinLnBrk="0" hangingPunct="1"/>
+                      <a:r>
+                        <a:rPr lang="en-US" altLang="zh-CN" sz="1800" kern="1200" dirty="0">
+                          <a:solidFill>
+                            <a:schemeClr val="dk1"/>
+                          </a:solidFill>
+                          <a:latin typeface="华文宋体" panose="02010600040101010101" pitchFamily="2" charset="-122"/>
+                          <a:ea typeface="华文宋体" panose="02010600040101010101" pitchFamily="2" charset="-122"/>
+                          <a:cs typeface="+mn-cs"/>
+                        </a:rPr>
+                        <a:t>0.0099</a:t>
+                      </a:r>
+                      <a:endParaRPr lang="zh-CN" altLang="en-US" sz="1800" kern="1200" dirty="0">
                         <a:solidFill>
                           <a:schemeClr val="dk1"/>
                         </a:solidFill>
@@ -8795,7 +8897,7 @@
                     <a:p>
                       <a:pPr marL="0" algn="ctr" defTabSz="685800" rtl="0" eaLnBrk="1" latinLnBrk="0" hangingPunct="1"/>
                       <a:r>
-                        <a:rPr lang="en-US" altLang="zh-CN" sz="2000" kern="1200" dirty="0" smtClean="0">
+                        <a:rPr lang="en-US" altLang="zh-CN" sz="1800" kern="1200" dirty="0">
                           <a:solidFill>
                             <a:schemeClr val="dk1"/>
                           </a:solidFill>
@@ -8803,45 +8905,9 @@
                           <a:ea typeface="华文宋体" panose="02010600040101010101" pitchFamily="2" charset="-122"/>
                           <a:cs typeface="+mn-cs"/>
                         </a:rPr>
-                        <a:t>0.0003</a:t>
+                        <a:t>0.0283</a:t>
                       </a:r>
-                      <a:endParaRPr lang="zh-CN" altLang="en-US" sz="2000" kern="1200" dirty="0">
-                        <a:solidFill>
-                          <a:schemeClr val="dk1"/>
-                        </a:solidFill>
-                        <a:latin typeface="华文宋体" panose="02010600040101010101" pitchFamily="2" charset="-122"/>
-                        <a:ea typeface="华文宋体" panose="02010600040101010101" pitchFamily="2" charset="-122"/>
-                        <a:cs typeface="+mn-cs"/>
-                      </a:endParaRPr>
-                    </a:p>
-                  </a:txBody>
-                  <a:tcPr/>
-                </a:tc>
-                <a:extLst>
-                  <a:ext uri="{0D108BD9-81ED-4DB2-BD59-A6C34878D82A}">
-                    <a16:rowId xmlns:a16="http://schemas.microsoft.com/office/drawing/2014/main" val="3383712384"/>
-                  </a:ext>
-                </a:extLst>
-              </a:tr>
-              <a:tr h="463071">
-                <a:tc>
-                  <a:txBody>
-                    <a:bodyPr/>
-                    <a:lstStyle/>
-                    <a:p>
-                      <a:pPr marL="0" algn="ctr" defTabSz="685800" rtl="0" eaLnBrk="1" latinLnBrk="0" hangingPunct="1"/>
-                      <a:r>
-                        <a:rPr lang="en-US" altLang="zh-CN" sz="2000" kern="1200" dirty="0" err="1" smtClean="0">
-                          <a:solidFill>
-                            <a:schemeClr val="dk1"/>
-                          </a:solidFill>
-                          <a:latin typeface="华文宋体" panose="02010600040101010101" pitchFamily="2" charset="-122"/>
-                          <a:ea typeface="华文宋体" panose="02010600040101010101" pitchFamily="2" charset="-122"/>
-                          <a:cs typeface="+mn-cs"/>
-                        </a:rPr>
-                        <a:t>lat_grid</a:t>
-                      </a:r>
-                      <a:endParaRPr lang="zh-CN" altLang="en-US" sz="2000" kern="1200" dirty="0">
+                      <a:endParaRPr lang="zh-CN" altLang="en-US" sz="1800" kern="1200" dirty="0">
                         <a:solidFill>
                           <a:schemeClr val="dk1"/>
                         </a:solidFill>
@@ -8860,7 +8926,7 @@
                     <a:p>
                       <a:pPr marL="0" algn="ctr" defTabSz="685800" rtl="0" eaLnBrk="1" latinLnBrk="0" hangingPunct="1"/>
                       <a:r>
-                        <a:rPr lang="en-US" altLang="zh-CN" sz="2000" kern="1200" dirty="0" smtClean="0">
+                        <a:rPr lang="en-US" altLang="zh-CN" sz="1800" kern="1200" dirty="0" smtClean="0">
                           <a:solidFill>
                             <a:schemeClr val="dk1"/>
                           </a:solidFill>
@@ -8868,9 +8934,56 @@
                           <a:ea typeface="华文宋体" panose="02010600040101010101" pitchFamily="2" charset="-122"/>
                           <a:cs typeface="+mn-cs"/>
                         </a:rPr>
-                        <a:t>0.0619</a:t>
+                        <a:t>0.0003</a:t>
                       </a:r>
-                      <a:endParaRPr lang="zh-CN" altLang="en-US" sz="2000" kern="1200" dirty="0">
+                      <a:endParaRPr lang="zh-CN" altLang="en-US" sz="1800" kern="1200" dirty="0">
+                        <a:solidFill>
+                          <a:schemeClr val="dk1"/>
+                        </a:solidFill>
+                        <a:latin typeface="华文宋体" panose="02010600040101010101" pitchFamily="2" charset="-122"/>
+                        <a:ea typeface="华文宋体" panose="02010600040101010101" pitchFamily="2" charset="-122"/>
+                        <a:cs typeface="+mn-cs"/>
+                      </a:endParaRPr>
+                    </a:p>
+                  </a:txBody>
+                  <a:tcPr/>
+                </a:tc>
+                <a:extLst>
+                  <a:ext uri="{0D108BD9-81ED-4DB2-BD59-A6C34878D82A}">
+                    <a16:rowId xmlns:a16="http://schemas.microsoft.com/office/drawing/2014/main" val="1621210979"/>
+                  </a:ext>
+                </a:extLst>
+              </a:tr>
+              <a:tr h="378911">
+                <a:tc>
+                  <a:txBody>
+                    <a:bodyPr/>
+                    <a:lstStyle/>
+                    <a:p>
+                      <a:pPr marL="0" algn="ctr" defTabSz="685800" rtl="0" eaLnBrk="1" latinLnBrk="0" hangingPunct="1"/>
+                      <a:r>
+                        <a:rPr lang="zh-CN" altLang="en-US" sz="1800" kern="1200" dirty="0">
+                          <a:solidFill>
+                            <a:schemeClr val="dk1"/>
+                          </a:solidFill>
+                          <a:latin typeface="华文宋体" panose="02010600040101010101" pitchFamily="2" charset="-122"/>
+                          <a:ea typeface="华文宋体" panose="02010600040101010101" pitchFamily="2" charset="-122"/>
+                          <a:cs typeface="+mn-cs"/>
+                        </a:rPr>
+                        <a:t>板块</a:t>
+                      </a:r>
+                      <a:r>
+                        <a:rPr lang="en-US" altLang="zh-CN" sz="1800" kern="1200" dirty="0">
+                          <a:solidFill>
+                            <a:schemeClr val="dk1"/>
+                          </a:solidFill>
+                          <a:latin typeface="华文宋体" panose="02010600040101010101" pitchFamily="2" charset="-122"/>
+                          <a:ea typeface="华文宋体" panose="02010600040101010101" pitchFamily="2" charset="-122"/>
+                          <a:cs typeface="+mn-cs"/>
+                        </a:rPr>
+                        <a:t>_y</a:t>
+                      </a:r>
+                      <a:endParaRPr lang="zh-CN" altLang="en-US" sz="1800" kern="1200" dirty="0">
                         <a:solidFill>
                           <a:schemeClr val="dk1"/>
                         </a:solidFill>
@@ -8889,7 +9002,7 @@
                     <a:p>
                       <a:pPr marL="0" algn="ctr" defTabSz="685800" rtl="0" eaLnBrk="1" latinLnBrk="0" hangingPunct="1"/>
                       <a:r>
-                        <a:rPr lang="en-US" altLang="zh-CN" sz="2000" kern="1200" dirty="0" smtClean="0">
+                        <a:rPr lang="en-US" altLang="zh-CN" sz="1800" kern="1200" dirty="0">
                           <a:solidFill>
                             <a:schemeClr val="dk1"/>
                           </a:solidFill>
@@ -8897,9 +9010,9 @@
                           <a:ea typeface="华文宋体" panose="02010600040101010101" pitchFamily="2" charset="-122"/>
                           <a:cs typeface="+mn-cs"/>
                         </a:rPr>
-                        <a:t>0.272</a:t>
+                        <a:t>0.0094</a:t>
                       </a:r>
-                      <a:endParaRPr lang="zh-CN" altLang="en-US" sz="2000" kern="1200" dirty="0">
+                      <a:endParaRPr lang="zh-CN" altLang="en-US" sz="1800" kern="1200" dirty="0">
                         <a:solidFill>
                           <a:schemeClr val="dk1"/>
                         </a:solidFill>
@@ -8918,7 +9031,7 @@
                     <a:p>
                       <a:pPr marL="0" algn="ctr" defTabSz="685800" rtl="0" eaLnBrk="1" latinLnBrk="0" hangingPunct="1"/>
                       <a:r>
-                        <a:rPr lang="en-US" altLang="zh-CN" sz="2000" kern="1200" dirty="0" smtClean="0">
+                        <a:rPr lang="en-US" altLang="zh-CN" sz="1800" kern="1200" dirty="0">
                           <a:solidFill>
                             <a:schemeClr val="dk1"/>
                           </a:solidFill>
@@ -8926,45 +9039,9 @@
                           <a:ea typeface="华文宋体" panose="02010600040101010101" pitchFamily="2" charset="-122"/>
                           <a:cs typeface="+mn-cs"/>
                         </a:rPr>
-                        <a:t>0.0004</a:t>
+                        <a:t>0.0232</a:t>
                       </a:r>
-                      <a:endParaRPr lang="zh-CN" altLang="en-US" sz="2000" kern="1200" dirty="0">
-                        <a:solidFill>
-                          <a:schemeClr val="dk1"/>
-                        </a:solidFill>
-                        <a:latin typeface="华文宋体" panose="02010600040101010101" pitchFamily="2" charset="-122"/>
-                        <a:ea typeface="华文宋体" panose="02010600040101010101" pitchFamily="2" charset="-122"/>
-                        <a:cs typeface="+mn-cs"/>
-                      </a:endParaRPr>
-                    </a:p>
-                  </a:txBody>
-                  <a:tcPr/>
-                </a:tc>
-                <a:extLst>
-                  <a:ext uri="{0D108BD9-81ED-4DB2-BD59-A6C34878D82A}">
-                    <a16:rowId xmlns:a16="http://schemas.microsoft.com/office/drawing/2014/main" val="1280574458"/>
-                  </a:ext>
-                </a:extLst>
-              </a:tr>
-              <a:tr h="463071">
-                <a:tc>
-                  <a:txBody>
-                    <a:bodyPr/>
-                    <a:lstStyle/>
-                    <a:p>
-                      <a:pPr marL="0" algn="ctr" defTabSz="685800" rtl="0" eaLnBrk="1" latinLnBrk="0" hangingPunct="1"/>
-                      <a:r>
-                        <a:rPr lang="zh-CN" altLang="en-US" sz="2000" kern="1200" dirty="0" smtClean="0">
-                          <a:solidFill>
-                            <a:schemeClr val="dk1"/>
-                          </a:solidFill>
-                          <a:latin typeface="华文宋体" panose="02010600040101010101" pitchFamily="2" charset="-122"/>
-                          <a:ea typeface="华文宋体" panose="02010600040101010101" pitchFamily="2" charset="-122"/>
-                          <a:cs typeface="+mn-cs"/>
-                        </a:rPr>
-                        <a:t>环线数值</a:t>
-                      </a:r>
-                      <a:endParaRPr lang="zh-CN" altLang="en-US" sz="2000" kern="1200" dirty="0">
+                      <a:endParaRPr lang="zh-CN" altLang="en-US" sz="1800" kern="1200" dirty="0">
                         <a:solidFill>
                           <a:schemeClr val="dk1"/>
                         </a:solidFill>
@@ -8983,7 +9060,7 @@
                     <a:p>
                       <a:pPr marL="0" algn="ctr" defTabSz="685800" rtl="0" eaLnBrk="1" latinLnBrk="0" hangingPunct="1"/>
                       <a:r>
-                        <a:rPr lang="en-US" altLang="zh-CN" sz="2000" kern="1200" dirty="0" smtClean="0">
+                        <a:rPr lang="en-US" altLang="zh-CN" sz="1800" kern="1200" dirty="0">
                           <a:solidFill>
                             <a:schemeClr val="dk1"/>
                           </a:solidFill>
@@ -8991,9 +9068,66 @@
                           <a:ea typeface="华文宋体" panose="02010600040101010101" pitchFamily="2" charset="-122"/>
                           <a:cs typeface="+mn-cs"/>
                         </a:rPr>
-                        <a:t>0.0272</a:t>
+                        <a:t>0.0004</a:t>
                       </a:r>
-                      <a:endParaRPr lang="zh-CN" altLang="en-US" sz="2000" kern="1200" dirty="0">
+                      <a:endParaRPr lang="zh-CN" altLang="en-US" sz="1800" kern="1200" dirty="0">
+                        <a:solidFill>
+                          <a:schemeClr val="dk1"/>
+                        </a:solidFill>
+                        <a:latin typeface="华文宋体" panose="02010600040101010101" pitchFamily="2" charset="-122"/>
+                        <a:ea typeface="华文宋体" panose="02010600040101010101" pitchFamily="2" charset="-122"/>
+                        <a:cs typeface="+mn-cs"/>
+                      </a:endParaRPr>
+                    </a:p>
+                  </a:txBody>
+                  <a:tcPr/>
+                </a:tc>
+                <a:extLst>
+                  <a:ext uri="{0D108BD9-81ED-4DB2-BD59-A6C34878D82A}">
+                    <a16:rowId xmlns:a16="http://schemas.microsoft.com/office/drawing/2014/main" val="2864436910"/>
+                  </a:ext>
+                </a:extLst>
+              </a:tr>
+              <a:tr h="378911">
+                <a:tc>
+                  <a:txBody>
+                    <a:bodyPr/>
+                    <a:lstStyle/>
+                    <a:p>
+                      <a:pPr marL="0" algn="ctr" defTabSz="685800" rtl="0" eaLnBrk="1" latinLnBrk="0" hangingPunct="1"/>
+                      <a:r>
+                        <a:rPr lang="zh-CN" altLang="en-US" sz="1800" kern="1200" dirty="0">
+                          <a:solidFill>
+                            <a:schemeClr val="dk1"/>
+                          </a:solidFill>
+                          <a:latin typeface="华文宋体" panose="02010600040101010101" pitchFamily="2" charset="-122"/>
+                          <a:ea typeface="华文宋体" panose="02010600040101010101" pitchFamily="2" charset="-122"/>
+                          <a:cs typeface="+mn-cs"/>
+                        </a:rPr>
+                        <a:t>建筑结构数值</a:t>
+                      </a:r>
+                    </a:p>
+                  </a:txBody>
+                  <a:tcPr/>
+                </a:tc>
+                <a:tc>
+                  <a:txBody>
+                    <a:bodyPr/>
+                    <a:lstStyle/>
+                    <a:p>
+                      <a:pPr marL="0" algn="ctr" defTabSz="685800" rtl="0" eaLnBrk="1" latinLnBrk="0" hangingPunct="1"/>
+                      <a:r>
+                        <a:rPr lang="en-US" altLang="zh-CN" sz="1800" kern="1200" dirty="0">
+                          <a:solidFill>
+                            <a:schemeClr val="dk1"/>
+                          </a:solidFill>
+                          <a:latin typeface="华文宋体" panose="02010600040101010101" pitchFamily="2" charset="-122"/>
+                          <a:ea typeface="华文宋体" panose="02010600040101010101" pitchFamily="2" charset="-122"/>
+                          <a:cs typeface="+mn-cs"/>
+                        </a:rPr>
+                        <a:t>0.0090 </a:t>
+                      </a:r>
+                      <a:endParaRPr lang="zh-CN" altLang="en-US" sz="1800" kern="1200" dirty="0">
                         <a:solidFill>
                           <a:schemeClr val="dk1"/>
                         </a:solidFill>
@@ -9012,7 +9146,7 @@
                     <a:p>
                       <a:pPr marL="0" algn="ctr" defTabSz="685800" rtl="0" eaLnBrk="1" latinLnBrk="0" hangingPunct="1"/>
                       <a:r>
-                        <a:rPr lang="en-US" altLang="zh-CN" sz="2000" kern="1200" dirty="0" smtClean="0">
+                        <a:rPr lang="en-US" altLang="zh-CN" sz="1800" kern="1200" dirty="0">
                           <a:solidFill>
                             <a:schemeClr val="dk1"/>
                           </a:solidFill>
@@ -9020,9 +9154,9 @@
                           <a:ea typeface="华文宋体" panose="02010600040101010101" pitchFamily="2" charset="-122"/>
                           <a:cs typeface="+mn-cs"/>
                         </a:rPr>
-                        <a:t>0.0095</a:t>
+                        <a:t>0.0288</a:t>
                       </a:r>
-                      <a:endParaRPr lang="zh-CN" altLang="en-US" sz="2000" kern="1200" dirty="0">
+                      <a:endParaRPr lang="zh-CN" altLang="en-US" sz="1800" kern="1200" dirty="0">
                         <a:solidFill>
                           <a:schemeClr val="dk1"/>
                         </a:solidFill>
@@ -9041,7 +9175,7 @@
                     <a:p>
                       <a:pPr marL="0" algn="ctr" defTabSz="685800" rtl="0" eaLnBrk="1" latinLnBrk="0" hangingPunct="1"/>
                       <a:r>
-                        <a:rPr lang="en-US" altLang="zh-CN" sz="2000" kern="1200" dirty="0" smtClean="0">
+                        <a:rPr lang="en-US" altLang="zh-CN" sz="1800" kern="1200" dirty="0">
                           <a:solidFill>
                             <a:schemeClr val="dk1"/>
                           </a:solidFill>
@@ -9049,9 +9183,9 @@
                           <a:ea typeface="华文宋体" panose="02010600040101010101" pitchFamily="2" charset="-122"/>
                           <a:cs typeface="+mn-cs"/>
                         </a:rPr>
-                        <a:t>0.0002</a:t>
+                        <a:t>0.0005</a:t>
                       </a:r>
-                      <a:endParaRPr lang="zh-CN" altLang="en-US" sz="2000" kern="1200" dirty="0">
+                      <a:endParaRPr lang="zh-CN" altLang="en-US" sz="1800" kern="1200" dirty="0">
                         <a:solidFill>
                           <a:schemeClr val="dk1"/>
                         </a:solidFill>
@@ -9065,11 +9199,11 @@
                 </a:tc>
                 <a:extLst>
                   <a:ext uri="{0D108BD9-81ED-4DB2-BD59-A6C34878D82A}">
-                    <a16:rowId xmlns:a16="http://schemas.microsoft.com/office/drawing/2014/main" val="3351075562"/>
+                    <a16:rowId xmlns:a16="http://schemas.microsoft.com/office/drawing/2014/main" val="744175380"/>
                   </a:ext>
                 </a:extLst>
               </a:tr>
-              <a:tr h="463071">
+              <a:tr h="378911">
                 <a:tc>
                   <a:txBody>
                     <a:bodyPr/>
@@ -9077,7 +9211,7 @@
                     <a:p>
                       <a:pPr marL="0" algn="ctr" defTabSz="685800" rtl="0" eaLnBrk="1" latinLnBrk="0" hangingPunct="1"/>
                       <a:r>
-                        <a:rPr lang="zh-CN" altLang="en-US" sz="2000" kern="1200" dirty="0" smtClean="0">
+                        <a:rPr lang="zh-CN" altLang="en-US" sz="1800" kern="1200" dirty="0">
                           <a:solidFill>
                             <a:schemeClr val="dk1"/>
                           </a:solidFill>
@@ -9085,9 +9219,30 @@
                           <a:ea typeface="华文宋体" panose="02010600040101010101" pitchFamily="2" charset="-122"/>
                           <a:cs typeface="+mn-cs"/>
                         </a:rPr>
-                        <a:t>房屋年限数值</a:t>
+                        <a:t>停车位</a:t>
                       </a:r>
-                      <a:endParaRPr lang="zh-CN" altLang="en-US" sz="2000" kern="1200" dirty="0">
+                    </a:p>
+                  </a:txBody>
+                  <a:tcPr/>
+                </a:tc>
+                <a:tc>
+                  <a:txBody>
+                    <a:bodyPr/>
+                    <a:lstStyle/>
+                    <a:p>
+                      <a:pPr marL="0" algn="ctr" defTabSz="685800" rtl="0" eaLnBrk="1" latinLnBrk="0" hangingPunct="1"/>
+                      <a:r>
+                        <a:rPr lang="en-US" altLang="zh-CN" sz="1800" kern="1200" dirty="0">
+                          <a:solidFill>
+                            <a:schemeClr val="dk1"/>
+                          </a:solidFill>
+                          <a:latin typeface="华文宋体" panose="02010600040101010101" pitchFamily="2" charset="-122"/>
+                          <a:ea typeface="华文宋体" panose="02010600040101010101" pitchFamily="2" charset="-122"/>
+                          <a:cs typeface="+mn-cs"/>
+                        </a:rPr>
+                        <a:t>0.0074 </a:t>
+                      </a:r>
+                      <a:endParaRPr lang="zh-CN" altLang="en-US" sz="1800" kern="1200" dirty="0">
                         <a:solidFill>
                           <a:schemeClr val="dk1"/>
                         </a:solidFill>
@@ -9106,7 +9261,7 @@
                     <a:p>
                       <a:pPr marL="0" algn="ctr" defTabSz="685800" rtl="0" eaLnBrk="1" latinLnBrk="0" hangingPunct="1"/>
                       <a:r>
-                        <a:rPr lang="en-US" altLang="zh-CN" sz="2000" kern="1200" dirty="0" smtClean="0">
+                        <a:rPr lang="en-US" altLang="zh-CN" sz="1800" kern="1200" dirty="0">
                           <a:solidFill>
                             <a:schemeClr val="dk1"/>
                           </a:solidFill>
@@ -9114,9 +9269,9 @@
                           <a:ea typeface="华文宋体" panose="02010600040101010101" pitchFamily="2" charset="-122"/>
                           <a:cs typeface="+mn-cs"/>
                         </a:rPr>
-                        <a:t>0.0235</a:t>
+                        <a:t>0.0308</a:t>
                       </a:r>
-                      <a:endParaRPr lang="zh-CN" altLang="en-US" sz="2000" kern="1200" dirty="0">
+                      <a:endParaRPr lang="zh-CN" altLang="en-US" sz="1800" kern="1200" dirty="0">
                         <a:solidFill>
                           <a:schemeClr val="dk1"/>
                         </a:solidFill>
@@ -9135,7 +9290,7 @@
                     <a:p>
                       <a:pPr marL="0" algn="ctr" defTabSz="685800" rtl="0" eaLnBrk="1" latinLnBrk="0" hangingPunct="1"/>
                       <a:r>
-                        <a:rPr lang="en-US" altLang="zh-CN" sz="2000" kern="1200" dirty="0" smtClean="0">
+                        <a:rPr lang="en-US" altLang="zh-CN" sz="1800" kern="1200" dirty="0">
                           <a:solidFill>
                             <a:schemeClr val="dk1"/>
                           </a:solidFill>
@@ -9143,38 +9298,9 @@
                           <a:ea typeface="华文宋体" panose="02010600040101010101" pitchFamily="2" charset="-122"/>
                           <a:cs typeface="+mn-cs"/>
                         </a:rPr>
-                        <a:t>0.0028</a:t>
+                        <a:t>0.0005</a:t>
                       </a:r>
-                      <a:endParaRPr lang="zh-CN" altLang="en-US" sz="2000" kern="1200" dirty="0">
-                        <a:solidFill>
-                          <a:schemeClr val="dk1"/>
-                        </a:solidFill>
-                        <a:latin typeface="华文宋体" panose="02010600040101010101" pitchFamily="2" charset="-122"/>
-                        <a:ea typeface="华文宋体" panose="02010600040101010101" pitchFamily="2" charset="-122"/>
-                        <a:cs typeface="+mn-cs"/>
-                      </a:endParaRPr>
-                    </a:p>
-                  </a:txBody>
-                  <a:tcPr/>
-                </a:tc>
-                <a:tc>
-                  <a:txBody>
-                    <a:bodyPr/>
-                    <a:lstStyle/>
-                    <a:p>
-                      <a:pPr marL="0" algn="ctr" defTabSz="685800" rtl="0" eaLnBrk="1" latinLnBrk="0" hangingPunct="1"/>
-                      <a:r>
-                        <a:rPr lang="en-US" altLang="zh-CN" sz="2000" kern="1200" dirty="0" smtClean="0">
-                          <a:solidFill>
-                            <a:schemeClr val="dk1"/>
-                          </a:solidFill>
-                          <a:latin typeface="华文宋体" panose="02010600040101010101" pitchFamily="2" charset="-122"/>
-                          <a:ea typeface="华文宋体" panose="02010600040101010101" pitchFamily="2" charset="-122"/>
-                          <a:cs typeface="+mn-cs"/>
-                        </a:rPr>
-                        <a:t>0.0001</a:t>
-                      </a:r>
-                      <a:endParaRPr lang="zh-CN" altLang="en-US" sz="2000" kern="1200" dirty="0">
+                      <a:endParaRPr lang="zh-CN" altLang="en-US" sz="1800" kern="1200" dirty="0">
                         <a:solidFill>
                           <a:schemeClr val="dk1"/>
                         </a:solidFill>
@@ -9188,7 +9314,7 @@
                 </a:tc>
                 <a:extLst>
                   <a:ext uri="{0D108BD9-81ED-4DB2-BD59-A6C34878D82A}">
-                    <a16:rowId xmlns:a16="http://schemas.microsoft.com/office/drawing/2014/main" val="1621210979"/>
+                    <a16:rowId xmlns:a16="http://schemas.microsoft.com/office/drawing/2014/main" val="1574460089"/>
                   </a:ext>
                 </a:extLst>
               </a:tr>
@@ -9375,7 +9501,7 @@
               <a:buNone/>
             </a:pPr>
             <a:r>
-              <a:rPr kumimoji="0" lang="zh-CN" altLang="en-US" sz="1800" b="1" i="0" u="none" strike="noStrike" kern="1200" cap="none" spc="0" normalizeH="0" baseline="0" noProof="0" dirty="0" smtClean="0">
+              <a:rPr kumimoji="0" lang="zh-CN" altLang="en-US" sz="1800" b="1" i="0" u="none" strike="noStrike" kern="1200" cap="none" spc="0" normalizeH="0" baseline="0" noProof="0" dirty="0">
                 <a:ln>
                   <a:noFill/>
                 </a:ln>
@@ -9528,7 +9654,7 @@
           <a:lstStyle/>
           <a:p>
             <a:r>
-              <a:rPr lang="en-US" altLang="zh-CN" b="1" dirty="0" smtClean="0">
+              <a:rPr lang="en-US" altLang="zh-CN" b="1" dirty="0">
                 <a:solidFill>
                   <a:srgbClr val="404040"/>
                 </a:solidFill>
@@ -9538,7 +9664,7 @@
               <a:t>1.   </a:t>
             </a:r>
             <a:r>
-              <a:rPr lang="zh-CN" altLang="en-US" b="1" dirty="0" smtClean="0">
+              <a:rPr lang="zh-CN" altLang="en-US" b="1" dirty="0">
                 <a:solidFill>
                   <a:srgbClr val="404040"/>
                 </a:solidFill>
@@ -9547,7 +9673,7 @@
               </a:rPr>
               <a:t>建模框架</a:t>
             </a:r>
-            <a:endParaRPr lang="en-US" altLang="zh-CN" b="1" dirty="0" smtClean="0">
+            <a:endParaRPr lang="en-US" altLang="zh-CN" b="1" dirty="0">
               <a:solidFill>
                 <a:srgbClr val="404040"/>
               </a:solidFill>
@@ -9561,7 +9687,7 @@
               <a:buChar char="•"/>
             </a:pPr>
             <a:r>
-              <a:rPr lang="zh-CN" altLang="en-US" dirty="0" smtClean="0">
+              <a:rPr lang="zh-CN" altLang="en-US" dirty="0">
                 <a:solidFill>
                   <a:srgbClr val="404040"/>
                 </a:solidFill>
@@ -9571,7 +9697,7 @@
               <a:t>目标变量：对数变换后的单价（</a:t>
             </a:r>
             <a:r>
-              <a:rPr lang="en-US" altLang="zh-CN" dirty="0" smtClean="0">
+              <a:rPr lang="en-US" altLang="zh-CN" dirty="0">
                 <a:solidFill>
                   <a:srgbClr val="404040"/>
                 </a:solidFill>
@@ -9581,7 +9707,7 @@
               <a:t>log(</a:t>
             </a:r>
             <a:r>
-              <a:rPr lang="zh-CN" altLang="en-US" dirty="0" smtClean="0">
+              <a:rPr lang="zh-CN" altLang="en-US" dirty="0">
                 <a:solidFill>
                   <a:srgbClr val="404040"/>
                 </a:solidFill>
@@ -9591,7 +9717,7 @@
               <a:t>总价</a:t>
             </a:r>
             <a:r>
-              <a:rPr lang="en-US" altLang="zh-CN" dirty="0" smtClean="0">
+              <a:rPr lang="en-US" altLang="zh-CN" dirty="0">
                 <a:solidFill>
                   <a:srgbClr val="404040"/>
                 </a:solidFill>
@@ -9601,7 +9727,7 @@
               <a:t>/</a:t>
             </a:r>
             <a:r>
-              <a:rPr lang="zh-CN" altLang="en-US" dirty="0" smtClean="0">
+              <a:rPr lang="zh-CN" altLang="en-US" dirty="0">
                 <a:solidFill>
                   <a:srgbClr val="404040"/>
                 </a:solidFill>
@@ -9611,7 +9737,7 @@
               <a:t>建筑面积</a:t>
             </a:r>
             <a:r>
-              <a:rPr lang="en-US" altLang="zh-CN" dirty="0" smtClean="0">
+              <a:rPr lang="en-US" altLang="zh-CN" dirty="0">
                 <a:solidFill>
                   <a:srgbClr val="404040"/>
                 </a:solidFill>
@@ -9621,7 +9747,7 @@
               <a:t>)</a:t>
             </a:r>
             <a:r>
-              <a:rPr lang="zh-CN" altLang="en-US" dirty="0" smtClean="0">
+              <a:rPr lang="zh-CN" altLang="en-US" dirty="0">
                 <a:solidFill>
                   <a:srgbClr val="404040"/>
                 </a:solidFill>
@@ -9631,13 +9757,13 @@
               <a:t>），</a:t>
             </a:r>
             <a:r>
-              <a:rPr lang="zh-CN" altLang="en-US" dirty="0" smtClean="0">
+              <a:rPr lang="zh-CN" altLang="en-US" dirty="0">
                 <a:latin typeface="华文宋体" panose="02010600040101010101" pitchFamily="2" charset="-122"/>
                 <a:ea typeface="华文宋体" panose="02010600040101010101" pitchFamily="2" charset="-122"/>
               </a:rPr>
               <a:t>减少面积这一变量对预测结果的扰动</a:t>
             </a:r>
-            <a:endParaRPr lang="zh-CN" altLang="en-US" dirty="0" smtClean="0">
+            <a:endParaRPr lang="zh-CN" altLang="en-US" dirty="0">
               <a:solidFill>
                 <a:srgbClr val="404040"/>
               </a:solidFill>
@@ -9651,7 +9777,7 @@
               <a:buChar char="•"/>
             </a:pPr>
             <a:r>
-              <a:rPr lang="zh-CN" altLang="en-US" dirty="0" smtClean="0">
+              <a:rPr lang="zh-CN" altLang="en-US" dirty="0">
                 <a:solidFill>
                   <a:srgbClr val="404040"/>
                 </a:solidFill>
@@ -9661,7 +9787,7 @@
               <a:t>模型选择：</a:t>
             </a:r>
             <a:r>
-              <a:rPr lang="en-US" altLang="zh-CN" dirty="0" smtClean="0">
+              <a:rPr lang="en-US" altLang="zh-CN" dirty="0">
                 <a:solidFill>
                   <a:srgbClr val="404040"/>
                 </a:solidFill>
@@ -9671,7 +9797,7 @@
               <a:t>Random Forest </a:t>
             </a:r>
             <a:r>
-              <a:rPr lang="en-US" altLang="zh-CN" dirty="0" err="1" smtClean="0">
+              <a:rPr lang="en-US" altLang="zh-CN" dirty="0" err="1">
                 <a:solidFill>
                   <a:srgbClr val="404040"/>
                 </a:solidFill>
@@ -9681,7 +9807,7 @@
               <a:t>Regressor</a:t>
             </a:r>
             <a:r>
-              <a:rPr lang="zh-CN" altLang="en-US" dirty="0" smtClean="0">
+              <a:rPr lang="zh-CN" altLang="en-US" dirty="0">
                 <a:solidFill>
                   <a:srgbClr val="404040"/>
                 </a:solidFill>
@@ -9691,7 +9817,7 @@
               <a:t>（高鲁棒性</a:t>
             </a:r>
             <a:r>
-              <a:rPr lang="en-US" altLang="zh-CN" dirty="0" smtClean="0">
+              <a:rPr lang="en-US" altLang="zh-CN" dirty="0">
                 <a:solidFill>
                   <a:srgbClr val="404040"/>
                 </a:solidFill>
@@ -9701,7 +9827,7 @@
               <a:t>/</a:t>
             </a:r>
             <a:r>
-              <a:rPr lang="zh-CN" altLang="en-US" dirty="0" smtClean="0">
+              <a:rPr lang="zh-CN" altLang="en-US" dirty="0">
                 <a:solidFill>
                   <a:srgbClr val="404040"/>
                 </a:solidFill>
@@ -9717,7 +9843,7 @@
               <a:buChar char="•"/>
             </a:pPr>
             <a:r>
-              <a:rPr lang="zh-CN" altLang="en-US" dirty="0" smtClean="0">
+              <a:rPr lang="zh-CN" altLang="en-US" dirty="0">
                 <a:solidFill>
                   <a:srgbClr val="404040"/>
                 </a:solidFill>
@@ -9727,7 +9853,7 @@
               <a:t>验证策略：</a:t>
             </a:r>
             <a:r>
-              <a:rPr lang="en-US" altLang="zh-CN" dirty="0" smtClean="0">
+              <a:rPr lang="en-US" altLang="zh-CN" dirty="0">
                 <a:solidFill>
                   <a:srgbClr val="404040"/>
                 </a:solidFill>
@@ -9737,7 +9863,7 @@
               <a:t>6</a:t>
             </a:r>
             <a:r>
-              <a:rPr lang="zh-CN" altLang="en-US" dirty="0" smtClean="0">
+              <a:rPr lang="zh-CN" altLang="en-US" dirty="0">
                 <a:solidFill>
                   <a:srgbClr val="404040"/>
                 </a:solidFill>
@@ -9746,7 +9872,7 @@
               </a:rPr>
               <a:t>折交叉验证（确保泛化能力）</a:t>
             </a:r>
-            <a:endParaRPr lang="en-US" altLang="zh-CN" b="1" dirty="0" smtClean="0">
+            <a:endParaRPr lang="en-US" altLang="zh-CN" b="1" dirty="0">
               <a:solidFill>
                 <a:srgbClr val="404040"/>
               </a:solidFill>
@@ -9759,7 +9885,7 @@
               <a:buAutoNum type="arabicPeriod" startAt="2"/>
             </a:pPr>
             <a:r>
-              <a:rPr lang="zh-CN" altLang="en-US" b="1" dirty="0" smtClean="0">
+              <a:rPr lang="zh-CN" altLang="en-US" b="1" dirty="0">
                 <a:solidFill>
                   <a:srgbClr val="404040"/>
                 </a:solidFill>
@@ -9768,7 +9894,7 @@
               </a:rPr>
               <a:t>超参数优化</a:t>
             </a:r>
-            <a:endParaRPr lang="en-US" altLang="zh-CN" b="1" dirty="0" smtClean="0">
+            <a:endParaRPr lang="en-US" altLang="zh-CN" b="1" dirty="0">
               <a:solidFill>
                 <a:srgbClr val="404040"/>
               </a:solidFill>
@@ -9778,44 +9904,14 @@
           </a:p>
           <a:p>
             <a:r>
-              <a:rPr lang="zh-CN" altLang="en-US" dirty="0" smtClean="0">
+              <a:rPr lang="zh-CN" altLang="en-US" dirty="0">
                 <a:solidFill>
                   <a:srgbClr val="404040"/>
                 </a:solidFill>
                 <a:latin typeface="华文宋体" panose="02010600040101010101" pitchFamily="2" charset="-122"/>
                 <a:ea typeface="华文宋体" panose="02010600040101010101" pitchFamily="2" charset="-122"/>
               </a:rPr>
-              <a:t>在</a:t>
-            </a:r>
-            <a:r>
-              <a:rPr lang="zh-CN" altLang="en-US" dirty="0">
-                <a:solidFill>
-                  <a:srgbClr val="404040"/>
-                </a:solidFill>
-                <a:latin typeface="华文宋体" panose="02010600040101010101" pitchFamily="2" charset="-122"/>
-                <a:ea typeface="华文宋体" panose="02010600040101010101" pitchFamily="2" charset="-122"/>
-              </a:rPr>
-              <a:t>训练集上评估每个超参数</a:t>
-            </a:r>
-            <a:r>
-              <a:rPr lang="zh-CN" altLang="en-US" dirty="0" smtClean="0">
-                <a:solidFill>
-                  <a:srgbClr val="404040"/>
-                </a:solidFill>
-                <a:latin typeface="华文宋体" panose="02010600040101010101" pitchFamily="2" charset="-122"/>
-                <a:ea typeface="华文宋体" panose="02010600040101010101" pitchFamily="2" charset="-122"/>
-              </a:rPr>
-              <a:t>组合，用</a:t>
-            </a:r>
-            <a:r>
-              <a:rPr lang="zh-CN" altLang="en-US" dirty="0">
-                <a:solidFill>
-                  <a:srgbClr val="404040"/>
-                </a:solidFill>
-                <a:latin typeface="华文宋体" panose="02010600040101010101" pitchFamily="2" charset="-122"/>
-                <a:ea typeface="华文宋体" panose="02010600040101010101" pitchFamily="2" charset="-122"/>
-              </a:rPr>
-              <a:t>全体训练数据 </a:t>
+              <a:t>在训练集上评估每个超参数组合，用全体训练数据 </a:t>
             </a:r>
             <a:r>
               <a:rPr lang="en-US" altLang="zh-CN" dirty="0" err="1">
@@ -9874,7 +9970,7 @@
               <a:buChar char="•"/>
             </a:pPr>
             <a:r>
-              <a:rPr lang="zh-CN" altLang="en-US" dirty="0" smtClean="0">
+              <a:rPr lang="zh-CN" altLang="en-US" dirty="0">
                 <a:latin typeface="华文宋体" panose="02010600040101010101" pitchFamily="2" charset="-122"/>
                 <a:ea typeface="华文宋体" panose="02010600040101010101" pitchFamily="2" charset="-122"/>
               </a:rPr>
@@ -9892,24 +9988,17 @@
                 <a:latin typeface="华文宋体" panose="02010600040101010101" pitchFamily="2" charset="-122"/>
                 <a:ea typeface="华文宋体" panose="02010600040101010101" pitchFamily="2" charset="-122"/>
               </a:rPr>
-              <a:t>得到的超</a:t>
-            </a:r>
-            <a:r>
-              <a:rPr lang="zh-CN" altLang="en-US" dirty="0" smtClean="0">
-                <a:latin typeface="华文宋体" panose="02010600040101010101" pitchFamily="2" charset="-122"/>
-                <a:ea typeface="华文宋体" panose="02010600040101010101" pitchFamily="2" charset="-122"/>
-              </a:rPr>
-              <a:t>参数</a:t>
-            </a:r>
-            <a:r>
-              <a:rPr lang="en-US" altLang="zh-CN" dirty="0" smtClean="0">
+              <a:t>得到的超参数</a:t>
+            </a:r>
+            <a:r>
+              <a:rPr lang="en-US" altLang="zh-CN" dirty="0">
                 <a:latin typeface="华文宋体" panose="02010600040101010101" pitchFamily="2" charset="-122"/>
                 <a:ea typeface="华文宋体" panose="02010600040101010101" pitchFamily="2" charset="-122"/>
               </a:rPr>
               <a:t> </a:t>
             </a:r>
             <a:r>
-              <a:rPr lang="zh-CN" altLang="en-US" dirty="0" smtClean="0">
+              <a:rPr lang="zh-CN" altLang="en-US" dirty="0">
                 <a:latin typeface="华文宋体" panose="02010600040101010101" pitchFamily="2" charset="-122"/>
                 <a:ea typeface="华文宋体" panose="02010600040101010101" pitchFamily="2" charset="-122"/>
               </a:rPr>
@@ -10034,14 +10123,7 @@
                 <a:latin typeface="华文宋体" panose="02010600040101010101" pitchFamily="2" charset="-122"/>
                 <a:ea typeface="华文宋体" panose="02010600040101010101" pitchFamily="2" charset="-122"/>
               </a:rPr>
-              <a:t>': None</a:t>
-            </a:r>
-            <a:r>
-              <a:rPr lang="en-US" altLang="zh-CN" dirty="0" smtClean="0">
-                <a:latin typeface="华文宋体" panose="02010600040101010101" pitchFamily="2" charset="-122"/>
-                <a:ea typeface="华文宋体" panose="02010600040101010101" pitchFamily="2" charset="-122"/>
-              </a:rPr>
-              <a:t>}</a:t>
+              <a:t>': None}</a:t>
             </a:r>
           </a:p>
           <a:p>
@@ -10132,7 +10214,7 @@
               <a:buAutoNum type="arabicPeriod" startAt="3"/>
             </a:pPr>
             <a:r>
-              <a:rPr lang="zh-CN" altLang="en-US" b="1" dirty="0" smtClean="0">
+              <a:rPr lang="zh-CN" altLang="en-US" b="1" dirty="0">
                 <a:solidFill>
                   <a:srgbClr val="404040"/>
                 </a:solidFill>
@@ -10141,7 +10223,7 @@
               </a:rPr>
               <a:t>预测后处理</a:t>
             </a:r>
-            <a:endParaRPr lang="en-US" altLang="zh-CN" b="1" dirty="0" smtClean="0">
+            <a:endParaRPr lang="en-US" altLang="zh-CN" b="1" dirty="0">
               <a:solidFill>
                 <a:srgbClr val="404040"/>
               </a:solidFill>
@@ -10277,14 +10359,24 @@
               <a:buChar char="•"/>
             </a:pPr>
             <a:r>
-              <a:rPr lang="zh-CN" altLang="en-US" dirty="0" smtClean="0">
+              <a:rPr lang="zh-CN" altLang="en-US" dirty="0">
                 <a:solidFill>
                   <a:srgbClr val="404040"/>
                 </a:solidFill>
                 <a:latin typeface="华文宋体" panose="02010600040101010101" pitchFamily="2" charset="-122"/>
                 <a:ea typeface="华文宋体" panose="02010600040101010101" pitchFamily="2" charset="-122"/>
               </a:rPr>
-              <a:t>总价</a:t>
+              <a:t>总价计算：单价 </a:t>
+            </a:r>
+            <a:r>
+              <a:rPr lang="en-US" altLang="zh-CN" dirty="0">
+                <a:solidFill>
+                  <a:srgbClr val="404040"/>
+                </a:solidFill>
+                <a:latin typeface="华文宋体" panose="02010600040101010101" pitchFamily="2" charset="-122"/>
+                <a:ea typeface="华文宋体" panose="02010600040101010101" pitchFamily="2" charset="-122"/>
+              </a:rPr>
+              <a:t>× </a:t>
             </a:r>
             <a:r>
               <a:rPr lang="zh-CN" altLang="en-US" dirty="0">
@@ -10294,31 +10386,11 @@
                 <a:latin typeface="华文宋体" panose="02010600040101010101" pitchFamily="2" charset="-122"/>
                 <a:ea typeface="华文宋体" panose="02010600040101010101" pitchFamily="2" charset="-122"/>
               </a:rPr>
-              <a:t>计算：单价 </a:t>
-            </a:r>
-            <a:r>
-              <a:rPr lang="en-US" altLang="zh-CN" dirty="0">
-                <a:solidFill>
-                  <a:srgbClr val="404040"/>
-                </a:solidFill>
-                <a:latin typeface="华文宋体" panose="02010600040101010101" pitchFamily="2" charset="-122"/>
-                <a:ea typeface="华文宋体" panose="02010600040101010101" pitchFamily="2" charset="-122"/>
-              </a:rPr>
-              <a:t>× </a:t>
-            </a:r>
-            <a:r>
-              <a:rPr lang="zh-CN" altLang="en-US" dirty="0">
-                <a:solidFill>
-                  <a:srgbClr val="404040"/>
-                </a:solidFill>
-                <a:latin typeface="华文宋体" panose="02010600040101010101" pitchFamily="2" charset="-122"/>
-                <a:ea typeface="华文宋体" panose="02010600040101010101" pitchFamily="2" charset="-122"/>
-              </a:rPr>
               <a:t>建筑面积</a:t>
             </a:r>
           </a:p>
           <a:p>
-            <a:endParaRPr lang="en-US" altLang="zh-CN" dirty="0" smtClean="0">
+            <a:endParaRPr lang="en-US" altLang="zh-CN" dirty="0">
               <a:latin typeface="华文宋体" panose="02010600040101010101" pitchFamily="2" charset="-122"/>
               <a:ea typeface="华文宋体" panose="02010600040101010101" pitchFamily="2" charset="-122"/>
             </a:endParaRPr>
@@ -10557,7 +10629,7 @@
               <a:buNone/>
             </a:pPr>
             <a:r>
-              <a:rPr lang="zh-CN" altLang="en-US" b="1" dirty="0" smtClean="0">
+              <a:rPr lang="zh-CN" altLang="en-US" b="1" dirty="0">
                 <a:solidFill>
                   <a:prstClr val="white"/>
                 </a:solidFill>
@@ -10719,7 +10791,7 @@
               <a:buChar char="p"/>
             </a:pPr>
             <a:r>
-              <a:rPr kumimoji="0" lang="zh-CN" altLang="en-US" b="1" i="0" u="none" strike="noStrike" kern="1200" cap="none" spc="0" normalizeH="0" baseline="0" noProof="0" dirty="0" smtClean="0">
+              <a:rPr kumimoji="0" lang="zh-CN" altLang="en-US" b="1" i="0" u="none" strike="noStrike" kern="1200" cap="none" spc="0" normalizeH="0" baseline="0" noProof="0" dirty="0">
                 <a:ln>
                   <a:noFill/>
                 </a:ln>
@@ -10756,7 +10828,7 @@
           <a:graphicData uri="http://schemas.openxmlformats.org/presentationml/2006/ole">
             <mc:AlternateContent xmlns:mc="http://schemas.openxmlformats.org/markup-compatibility/2006">
               <mc:Choice xmlns:v="urn:schemas-microsoft-com:vml" Requires="v">
-                <p:oleObj spid="_x0000_s1214" r:id="rId3" imgW="914400" imgH="215900" progId="Equation.KSEE3">
+                <p:oleObj spid="_x0000_s1026" r:id="rId3" imgW="914400" imgH="215900" progId="Equation.KSEE3">
                   <p:embed/>
                 </p:oleObj>
               </mc:Choice>
@@ -10813,7 +10885,7 @@
           <a:graphicData uri="http://schemas.openxmlformats.org/presentationml/2006/ole">
             <mc:AlternateContent xmlns:mc="http://schemas.openxmlformats.org/markup-compatibility/2006">
               <mc:Choice xmlns:v="urn:schemas-microsoft-com:vml" Requires="v">
-                <p:oleObj spid="_x0000_s1215" r:id="rId5" imgW="914400" imgH="215900" progId="Equation.KSEE3">
+                <p:oleObj spid="_x0000_s1027" r:id="rId5" imgW="914400" imgH="215900" progId="Equation.KSEE3">
                   <p:embed/>
                 </p:oleObj>
               </mc:Choice>
@@ -10912,7 +10984,7 @@
                 <a:latin typeface="Times New Roman" panose="02020603050405020304" pitchFamily="18" charset="0"/>
                 <a:cs typeface="Times New Roman" panose="02020603050405020304" pitchFamily="18" charset="0"/>
               </a:rPr>
-              <a:t>期中展示</a:t>
+              <a:t>期末展示</a:t>
             </a:r>
           </a:p>
         </p:txBody>
@@ -10926,7 +10998,7 @@
           <p:nvPr>
             <p:extLst>
               <p:ext uri="{D42A27DB-BD31-4B8C-83A1-F6EECF244321}">
-                <p14:modId xmlns:p14="http://schemas.microsoft.com/office/powerpoint/2010/main" val="2387242788"/>
+                <p14:modId xmlns:p14="http://schemas.microsoft.com/office/powerpoint/2010/main" val="120072480"/>
               </p:ext>
             </p:extLst>
           </p:nvPr>
@@ -10986,7 +11058,7 @@
                     <a:p>
                       <a:pPr algn="l"/>
                       <a:r>
-                        <a:rPr lang="en-US" altLang="zh-CN" sz="1800" dirty="0" smtClean="0">
+                        <a:rPr lang="en-US" altLang="zh-CN" sz="1800" dirty="0">
                           <a:latin typeface="仿宋" panose="02010609060101010101" pitchFamily="49" charset="-122"/>
                           <a:ea typeface="仿宋" panose="02010609060101010101" pitchFamily="49" charset="-122"/>
                         </a:rPr>
@@ -11007,7 +11079,7 @@
                     <a:p>
                       <a:pPr algn="l"/>
                       <a:r>
-                        <a:rPr lang="en-US" altLang="zh-CN" sz="1800" dirty="0" smtClean="0">
+                        <a:rPr lang="en-US" altLang="zh-CN" sz="1800" dirty="0">
                           <a:latin typeface="仿宋" panose="02010609060101010101" pitchFamily="49" charset="-122"/>
                           <a:ea typeface="仿宋" panose="02010609060101010101" pitchFamily="49" charset="-122"/>
                         </a:rPr>
@@ -11028,7 +11100,7 @@
                     <a:p>
                       <a:pPr algn="l"/>
                       <a:r>
-                        <a:rPr lang="en-US" altLang="zh-CN" sz="1800" dirty="0" smtClean="0">
+                        <a:rPr lang="en-US" altLang="zh-CN" sz="1800" dirty="0">
                           <a:latin typeface="仿宋" panose="02010609060101010101" pitchFamily="49" charset="-122"/>
                           <a:ea typeface="仿宋" panose="02010609060101010101" pitchFamily="49" charset="-122"/>
                         </a:rPr>
@@ -11049,7 +11121,7 @@
                     <a:p>
                       <a:pPr algn="l"/>
                       <a:r>
-                        <a:rPr lang="en-US" altLang="zh-CN" sz="1800" dirty="0" smtClean="0">
+                        <a:rPr lang="en-US" altLang="zh-CN" sz="1800" dirty="0">
                           <a:latin typeface="仿宋" panose="02010609060101010101" pitchFamily="49" charset="-122"/>
                           <a:ea typeface="仿宋" panose="02010609060101010101" pitchFamily="49" charset="-122"/>
                         </a:rPr>
@@ -11070,14 +11142,14 @@
                     <a:p>
                       <a:pPr algn="l"/>
                       <a:r>
-                        <a:rPr lang="en-US" altLang="zh-CN" sz="1800" dirty="0" err="1" smtClean="0">
+                        <a:rPr lang="en-US" altLang="zh-CN" sz="1800" dirty="0" err="1">
                           <a:latin typeface="仿宋" panose="02010609060101010101" pitchFamily="49" charset="-122"/>
                           <a:ea typeface="仿宋" panose="02010609060101010101" pitchFamily="49" charset="-122"/>
                         </a:rPr>
                         <a:t>Datahub</a:t>
                       </a:r>
                       <a:r>
-                        <a:rPr lang="en-US" altLang="zh-CN" sz="1800" dirty="0" smtClean="0">
+                        <a:rPr lang="en-US" altLang="zh-CN" sz="1800" dirty="0">
                           <a:latin typeface="仿宋" panose="02010609060101010101" pitchFamily="49" charset="-122"/>
                           <a:ea typeface="仿宋" panose="02010609060101010101" pitchFamily="49" charset="-122"/>
                         </a:rPr>
@@ -11105,7 +11177,7 @@
                     <a:p>
                       <a:pPr algn="l"/>
                       <a:r>
-                        <a:rPr lang="en-US" altLang="zh-CN" sz="1800" dirty="0" smtClean="0">
+                        <a:rPr lang="en-US" altLang="zh-CN" sz="1800" dirty="0">
                           <a:latin typeface="仿宋" panose="02010609060101010101" pitchFamily="49" charset="-122"/>
                           <a:ea typeface="仿宋" panose="02010609060101010101" pitchFamily="49" charset="-122"/>
                         </a:rPr>
@@ -11126,7 +11198,7 @@
                     <a:p>
                       <a:pPr algn="l"/>
                       <a:r>
-                        <a:rPr lang="en-US" altLang="zh-CN" sz="1800" dirty="0" smtClean="0">
+                        <a:rPr lang="en-US" altLang="zh-CN" sz="1800" dirty="0">
                           <a:latin typeface="仿宋" panose="02010609060101010101" pitchFamily="49" charset="-122"/>
                           <a:ea typeface="仿宋" panose="02010609060101010101" pitchFamily="49" charset="-122"/>
                         </a:rPr>
@@ -11147,7 +11219,7 @@
                     <a:p>
                       <a:pPr algn="l"/>
                       <a:r>
-                        <a:rPr lang="en-US" altLang="zh-CN" sz="1800" dirty="0" smtClean="0">
+                        <a:rPr lang="en-US" altLang="zh-CN" sz="1800" dirty="0">
                           <a:latin typeface="仿宋" panose="02010609060101010101" pitchFamily="49" charset="-122"/>
                           <a:ea typeface="仿宋" panose="02010609060101010101" pitchFamily="49" charset="-122"/>
                         </a:rPr>
@@ -11168,7 +11240,7 @@
                     <a:p>
                       <a:pPr algn="l"/>
                       <a:r>
-                        <a:rPr lang="en-US" altLang="zh-CN" sz="1800" dirty="0" smtClean="0">
+                        <a:rPr lang="en-US" altLang="zh-CN" sz="1800" dirty="0">
                           <a:latin typeface="仿宋" panose="02010609060101010101" pitchFamily="49" charset="-122"/>
                           <a:ea typeface="仿宋" panose="02010609060101010101" pitchFamily="49" charset="-122"/>
                         </a:rPr>
@@ -11189,7 +11261,7 @@
                     <a:p>
                       <a:pPr algn="l"/>
                       <a:r>
-                        <a:rPr lang="en-US" altLang="zh-CN" sz="1800" dirty="0" smtClean="0">
+                        <a:rPr lang="en-US" altLang="zh-CN" sz="1800" dirty="0">
                           <a:latin typeface="仿宋" panose="02010609060101010101" pitchFamily="49" charset="-122"/>
                           <a:ea typeface="仿宋" panose="02010609060101010101" pitchFamily="49" charset="-122"/>
                         </a:rPr>
@@ -11217,7 +11289,7 @@
                     <a:p>
                       <a:pPr algn="l"/>
                       <a:r>
-                        <a:rPr lang="en-US" altLang="zh-CN" sz="1800" dirty="0" smtClean="0">
+                        <a:rPr lang="en-US" altLang="zh-CN" sz="1800" dirty="0">
                           <a:latin typeface="仿宋" panose="02010609060101010101" pitchFamily="49" charset="-122"/>
                           <a:ea typeface="仿宋" panose="02010609060101010101" pitchFamily="49" charset="-122"/>
                         </a:rPr>
@@ -11238,7 +11310,7 @@
                     <a:p>
                       <a:pPr algn="l"/>
                       <a:r>
-                        <a:rPr lang="en-US" altLang="zh-CN" sz="1800" dirty="0" smtClean="0">
+                        <a:rPr lang="en-US" altLang="zh-CN" sz="1800" dirty="0">
                           <a:latin typeface="仿宋" panose="02010609060101010101" pitchFamily="49" charset="-122"/>
                           <a:ea typeface="仿宋" panose="02010609060101010101" pitchFamily="49" charset="-122"/>
                         </a:rPr>
@@ -11259,7 +11331,7 @@
                     <a:p>
                       <a:pPr algn="l"/>
                       <a:r>
-                        <a:rPr lang="en-US" altLang="zh-CN" sz="1800" dirty="0" smtClean="0">
+                        <a:rPr lang="en-US" altLang="zh-CN" sz="1800" dirty="0">
                           <a:latin typeface="仿宋" panose="02010609060101010101" pitchFamily="49" charset="-122"/>
                           <a:ea typeface="仿宋" panose="02010609060101010101" pitchFamily="49" charset="-122"/>
                         </a:rPr>
@@ -11280,7 +11352,7 @@
                     <a:p>
                       <a:pPr algn="l"/>
                       <a:r>
-                        <a:rPr lang="en-US" altLang="zh-CN" sz="1800" dirty="0" smtClean="0">
+                        <a:rPr lang="en-US" altLang="zh-CN" sz="1800" dirty="0">
                           <a:latin typeface="仿宋" panose="02010609060101010101" pitchFamily="49" charset="-122"/>
                           <a:ea typeface="仿宋" panose="02010609060101010101" pitchFamily="49" charset="-122"/>
                         </a:rPr>
@@ -11301,7 +11373,7 @@
                     <a:p>
                       <a:pPr algn="l"/>
                       <a:r>
-                        <a:rPr lang="en-US" altLang="zh-CN" sz="1800" dirty="0" smtClean="0">
+                        <a:rPr lang="en-US" altLang="zh-CN" sz="1800" dirty="0">
                           <a:latin typeface="仿宋" panose="02010609060101010101" pitchFamily="49" charset="-122"/>
                           <a:ea typeface="仿宋" panose="02010609060101010101" pitchFamily="49" charset="-122"/>
                         </a:rPr>
@@ -11329,7 +11401,7 @@
                     <a:p>
                       <a:pPr algn="l"/>
                       <a:r>
-                        <a:rPr lang="en-US" altLang="zh-CN" sz="1800" dirty="0" smtClean="0">
+                        <a:rPr lang="en-US" altLang="zh-CN" sz="1800" dirty="0">
                           <a:latin typeface="仿宋" panose="02010609060101010101" pitchFamily="49" charset="-122"/>
                           <a:ea typeface="仿宋" panose="02010609060101010101" pitchFamily="49" charset="-122"/>
                         </a:rPr>
@@ -11339,7 +11411,7 @@
                     <a:p>
                       <a:pPr algn="l"/>
                       <a:r>
-                        <a:rPr lang="en-US" altLang="zh-CN" sz="1800" dirty="0" smtClean="0">
+                        <a:rPr lang="en-US" altLang="zh-CN" sz="1800" dirty="0">
                           <a:latin typeface="仿宋" panose="02010609060101010101" pitchFamily="49" charset="-122"/>
                           <a:ea typeface="仿宋" panose="02010609060101010101" pitchFamily="49" charset="-122"/>
                         </a:rPr>
@@ -11360,7 +11432,7 @@
                     <a:p>
                       <a:pPr algn="l"/>
                       <a:r>
-                        <a:rPr lang="en-US" altLang="zh-CN" sz="1800" dirty="0" smtClean="0">
+                        <a:rPr lang="en-US" altLang="zh-CN" sz="1800" dirty="0">
                           <a:latin typeface="仿宋" panose="02010609060101010101" pitchFamily="49" charset="-122"/>
                           <a:ea typeface="仿宋" panose="02010609060101010101" pitchFamily="49" charset="-122"/>
                         </a:rPr>
@@ -11381,7 +11453,7 @@
                     <a:p>
                       <a:pPr algn="l"/>
                       <a:r>
-                        <a:rPr lang="en-US" altLang="zh-CN" sz="1800" dirty="0" smtClean="0">
+                        <a:rPr lang="en-US" altLang="zh-CN" sz="1800" dirty="0">
                           <a:latin typeface="仿宋" panose="02010609060101010101" pitchFamily="49" charset="-122"/>
                           <a:ea typeface="仿宋" panose="02010609060101010101" pitchFamily="49" charset="-122"/>
                         </a:rPr>
@@ -11402,7 +11474,7 @@
                     <a:p>
                       <a:pPr algn="l"/>
                       <a:r>
-                        <a:rPr lang="en-US" altLang="zh-CN" sz="1800" dirty="0" smtClean="0">
+                        <a:rPr lang="en-US" altLang="zh-CN" sz="1800" dirty="0">
                           <a:latin typeface="仿宋" panose="02010609060101010101" pitchFamily="49" charset="-122"/>
                           <a:ea typeface="仿宋" panose="02010609060101010101" pitchFamily="49" charset="-122"/>
                         </a:rPr>
@@ -11423,7 +11495,7 @@
                     <a:p>
                       <a:pPr algn="l"/>
                       <a:r>
-                        <a:rPr lang="en-US" altLang="zh-CN" sz="1800" dirty="0" smtClean="0">
+                        <a:rPr lang="en-US" altLang="zh-CN" sz="1800" dirty="0">
                           <a:latin typeface="仿宋" panose="02010609060101010101" pitchFamily="49" charset="-122"/>
                           <a:ea typeface="仿宋" panose="02010609060101010101" pitchFamily="49" charset="-122"/>
                         </a:rPr>
@@ -11451,7 +11523,7 @@
                     <a:p>
                       <a:pPr algn="l"/>
                       <a:r>
-                        <a:rPr lang="en-US" altLang="zh-CN" sz="1800" dirty="0" smtClean="0">
+                        <a:rPr lang="en-US" altLang="zh-CN" sz="1800" dirty="0">
                           <a:latin typeface="仿宋" panose="02010609060101010101" pitchFamily="49" charset="-122"/>
                           <a:ea typeface="仿宋" panose="02010609060101010101" pitchFamily="49" charset="-122"/>
                         </a:rPr>
@@ -11472,7 +11544,7 @@
                     <a:p>
                       <a:pPr algn="l"/>
                       <a:r>
-                        <a:rPr lang="en-US" altLang="zh-CN" sz="1800" dirty="0" smtClean="0">
+                        <a:rPr lang="en-US" altLang="zh-CN" sz="1800" dirty="0">
                           <a:latin typeface="仿宋" panose="02010609060101010101" pitchFamily="49" charset="-122"/>
                           <a:ea typeface="仿宋" panose="02010609060101010101" pitchFamily="49" charset="-122"/>
                         </a:rPr>
@@ -11493,7 +11565,7 @@
                     <a:p>
                       <a:pPr algn="l"/>
                       <a:r>
-                        <a:rPr lang="en-US" altLang="zh-CN" sz="1800" dirty="0" smtClean="0">
+                        <a:rPr lang="en-US" altLang="zh-CN" sz="1800" dirty="0">
                           <a:latin typeface="仿宋" panose="02010609060101010101" pitchFamily="49" charset="-122"/>
                           <a:ea typeface="仿宋" panose="02010609060101010101" pitchFamily="49" charset="-122"/>
                         </a:rPr>
@@ -11514,7 +11586,7 @@
                     <a:p>
                       <a:pPr algn="l"/>
                       <a:r>
-                        <a:rPr lang="en-US" altLang="zh-CN" sz="1800" dirty="0" smtClean="0">
+                        <a:rPr lang="en-US" altLang="zh-CN" sz="1800" dirty="0">
                           <a:latin typeface="仿宋" panose="02010609060101010101" pitchFamily="49" charset="-122"/>
                           <a:ea typeface="仿宋" panose="02010609060101010101" pitchFamily="49" charset="-122"/>
                         </a:rPr>
@@ -11551,13 +11623,13 @@
                         <a:defRPr/>
                       </a:pPr>
                       <a:r>
-                        <a:rPr lang="en-US" altLang="zh-CN" sz="1800" dirty="0" smtClean="0">
+                        <a:rPr lang="en-US" altLang="zh-CN" sz="1800" dirty="0">
                           <a:latin typeface="仿宋" panose="02010609060101010101" pitchFamily="49" charset="-122"/>
                           <a:ea typeface="仿宋" panose="02010609060101010101" pitchFamily="49" charset="-122"/>
                         </a:rPr>
                         <a:t>60.4590</a:t>
                       </a:r>
-                      <a:endParaRPr lang="zh-CN" altLang="en-US" sz="1800" dirty="0" smtClean="0">
+                      <a:endParaRPr lang="zh-CN" altLang="en-US" sz="1800" dirty="0">
                         <a:latin typeface="仿宋" panose="02010609060101010101" pitchFamily="49" charset="-122"/>
                         <a:ea typeface="仿宋" panose="02010609060101010101" pitchFamily="49" charset="-122"/>
                       </a:endParaRPr>
@@ -11586,7 +11658,7 @@
                     <a:p>
                       <a:pPr algn="l"/>
                       <a:r>
-                        <a:rPr lang="en-US" altLang="zh-CN" sz="1800" dirty="0" smtClean="0">
+                        <a:rPr lang="en-US" altLang="zh-CN" sz="1800" dirty="0">
                           <a:latin typeface="仿宋" panose="02010609060101010101" pitchFamily="49" charset="-122"/>
                           <a:ea typeface="仿宋" panose="02010609060101010101" pitchFamily="49" charset="-122"/>
                         </a:rPr>
@@ -11607,7 +11679,7 @@
                     <a:p>
                       <a:pPr algn="l"/>
                       <a:r>
-                        <a:rPr lang="en-US" altLang="zh-CN" sz="1800" dirty="0" smtClean="0">
+                        <a:rPr lang="en-US" altLang="zh-CN" sz="1800" dirty="0">
                           <a:latin typeface="仿宋" panose="02010609060101010101" pitchFamily="49" charset="-122"/>
                           <a:ea typeface="仿宋" panose="02010609060101010101" pitchFamily="49" charset="-122"/>
                         </a:rPr>
@@ -11628,7 +11700,7 @@
                     <a:p>
                       <a:pPr algn="l"/>
                       <a:r>
-                        <a:rPr lang="en-US" altLang="zh-CN" sz="1800" dirty="0" smtClean="0">
+                        <a:rPr lang="en-US" altLang="zh-CN" sz="1800" dirty="0">
                           <a:latin typeface="仿宋" panose="02010609060101010101" pitchFamily="49" charset="-122"/>
                           <a:ea typeface="仿宋" panose="02010609060101010101" pitchFamily="49" charset="-122"/>
                         </a:rPr>
@@ -11649,7 +11721,7 @@
                     <a:p>
                       <a:pPr algn="l"/>
                       <a:r>
-                        <a:rPr lang="en-US" altLang="zh-CN" sz="1800" smtClean="0">
+                        <a:rPr lang="en-US" altLang="zh-CN" sz="1800">
                           <a:latin typeface="仿宋" panose="02010609060101010101" pitchFamily="49" charset="-122"/>
                           <a:ea typeface="仿宋" panose="02010609060101010101" pitchFamily="49" charset="-122"/>
                         </a:rPr>
@@ -11670,11 +11742,11 @@
                     <a:p>
                       <a:pPr algn="l"/>
                       <a:r>
-                        <a:rPr lang="en-US" altLang="zh-CN" sz="1800" dirty="0" smtClean="0">
+                        <a:rPr lang="en-US" altLang="zh-CN" sz="1800" dirty="0">
                           <a:latin typeface="仿宋" panose="02010609060101010101" pitchFamily="49" charset="-122"/>
                           <a:ea typeface="仿宋" panose="02010609060101010101" pitchFamily="49" charset="-122"/>
                         </a:rPr>
-                        <a:t>78.4620</a:t>
+                        <a:t>75.0700</a:t>
                       </a:r>
                       <a:endParaRPr lang="zh-CN" altLang="en-US" sz="1800" dirty="0">
                         <a:latin typeface="仿宋" panose="02010609060101010101" pitchFamily="49" charset="-122"/>
@@ -11714,13 +11786,13 @@
                         <a:defRPr/>
                       </a:pPr>
                       <a:r>
-                        <a:rPr lang="en-US" altLang="zh-CN" sz="1800" dirty="0" smtClean="0">
+                        <a:rPr lang="en-US" altLang="zh-CN" sz="1800" dirty="0">
                           <a:latin typeface="仿宋" panose="02010609060101010101" pitchFamily="49" charset="-122"/>
                           <a:ea typeface="仿宋" panose="02010609060101010101" pitchFamily="49" charset="-122"/>
                         </a:rPr>
                         <a:t>Random Forest</a:t>
                       </a:r>
-                      <a:endParaRPr lang="zh-CN" altLang="en-US" sz="1800" dirty="0" smtClean="0">
+                      <a:endParaRPr lang="zh-CN" altLang="en-US" sz="1800" dirty="0">
                         <a:latin typeface="仿宋" panose="02010609060101010101" pitchFamily="49" charset="-122"/>
                         <a:ea typeface="仿宋" panose="02010609060101010101" pitchFamily="49" charset="-122"/>
                       </a:endParaRPr>
@@ -11728,35 +11800,35 @@
                     <a:p>
                       <a:pPr algn="l"/>
                       <a:r>
-                        <a:rPr lang="zh-CN" altLang="en-US" sz="1800" dirty="0" smtClean="0">
+                        <a:rPr lang="zh-CN" altLang="en-US" sz="1800" dirty="0">
                           <a:latin typeface="仿宋" panose="02010609060101010101" pitchFamily="49" charset="-122"/>
                           <a:ea typeface="仿宋" panose="02010609060101010101" pitchFamily="49" charset="-122"/>
                         </a:rPr>
                         <a:t>（</a:t>
                       </a:r>
                       <a:r>
-                        <a:rPr lang="en-US" altLang="zh-CN" sz="1800" dirty="0" smtClean="0">
+                        <a:rPr lang="en-US" altLang="zh-CN" sz="1800" dirty="0">
                           <a:latin typeface="仿宋" panose="02010609060101010101" pitchFamily="49" charset="-122"/>
                           <a:ea typeface="仿宋" panose="02010609060101010101" pitchFamily="49" charset="-122"/>
                         </a:rPr>
                         <a:t>with </a:t>
                       </a:r>
                       <a:r>
-                        <a:rPr lang="en-US" altLang="zh-CN" sz="1800" dirty="0" err="1" smtClean="0">
+                        <a:rPr lang="en-US" altLang="zh-CN" sz="1800" dirty="0" err="1">
                           <a:latin typeface="仿宋" panose="02010609060101010101" pitchFamily="49" charset="-122"/>
                           <a:ea typeface="仿宋" panose="02010609060101010101" pitchFamily="49" charset="-122"/>
                         </a:rPr>
                         <a:t>Optuna</a:t>
                       </a:r>
                       <a:r>
-                        <a:rPr lang="zh-CN" altLang="en-US" sz="1800" dirty="0" smtClean="0">
+                        <a:rPr lang="zh-CN" altLang="en-US" sz="1800" dirty="0">
                           <a:latin typeface="仿宋" panose="02010609060101010101" pitchFamily="49" charset="-122"/>
                           <a:ea typeface="仿宋" panose="02010609060101010101" pitchFamily="49" charset="-122"/>
                         </a:rPr>
                         <a:t>）</a:t>
                       </a:r>
                       <a:r>
-                        <a:rPr lang="en-US" altLang="zh-CN" sz="1800" dirty="0" smtClean="0">
+                        <a:rPr lang="en-US" altLang="zh-CN" sz="1800" dirty="0">
                           <a:latin typeface="仿宋" panose="02010609060101010101" pitchFamily="49" charset="-122"/>
                           <a:ea typeface="仿宋" panose="02010609060101010101" pitchFamily="49" charset="-122"/>
                         </a:rPr>
@@ -11777,11 +11849,11 @@
                     <a:p>
                       <a:pPr algn="l"/>
                       <a:r>
-                        <a:rPr lang="en-US" altLang="zh-CN" sz="1800" dirty="0" smtClean="0">
+                        <a:rPr lang="en-US" altLang="zh-CN" sz="1800" dirty="0">
                           <a:latin typeface="仿宋" panose="02010609060101010101" pitchFamily="49" charset="-122"/>
                           <a:ea typeface="仿宋" panose="02010609060101010101" pitchFamily="49" charset="-122"/>
                         </a:rPr>
-                        <a:t>0.0874</a:t>
+                        <a:t>0.1135</a:t>
                       </a:r>
                       <a:endParaRPr lang="zh-CN" altLang="en-US" sz="1800" dirty="0">
                         <a:latin typeface="仿宋" panose="02010609060101010101" pitchFamily="49" charset="-122"/>
@@ -11798,11 +11870,11 @@
                     <a:p>
                       <a:pPr algn="l"/>
                       <a:r>
-                        <a:rPr lang="en-US" altLang="zh-CN" sz="1800" dirty="0" smtClean="0">
+                        <a:rPr lang="en-US" altLang="zh-CN" sz="1800" dirty="0">
                           <a:latin typeface="仿宋" panose="02010609060101010101" pitchFamily="49" charset="-122"/>
                           <a:ea typeface="仿宋" panose="02010609060101010101" pitchFamily="49" charset="-122"/>
                         </a:rPr>
-                        <a:t>0.1073</a:t>
+                        <a:t>0.1115</a:t>
                       </a:r>
                       <a:endParaRPr lang="zh-CN" altLang="en-US" sz="1800" dirty="0">
                         <a:latin typeface="仿宋" panose="02010609060101010101" pitchFamily="49" charset="-122"/>
@@ -11819,11 +11891,11 @@
                     <a:p>
                       <a:pPr algn="l"/>
                       <a:r>
-                        <a:rPr lang="en-US" altLang="zh-CN" sz="1800" dirty="0" smtClean="0">
+                        <a:rPr lang="en-US" altLang="zh-CN" sz="1800" dirty="0">
                           <a:latin typeface="仿宋" panose="02010609060101010101" pitchFamily="49" charset="-122"/>
                           <a:ea typeface="仿宋" panose="02010609060101010101" pitchFamily="49" charset="-122"/>
                         </a:rPr>
-                        <a:t>0.0946</a:t>
+                        <a:t>0.1328 (±0.0023)</a:t>
                       </a:r>
                       <a:endParaRPr lang="zh-CN" altLang="en-US" sz="1800" dirty="0">
                         <a:latin typeface="仿宋" panose="02010609060101010101" pitchFamily="49" charset="-122"/>
@@ -11840,7 +11912,7 @@
                     <a:p>
                       <a:pPr algn="l"/>
                       <a:r>
-                        <a:rPr lang="en-US" altLang="zh-CN" sz="1800" dirty="0" smtClean="0">
+                        <a:rPr lang="en-US" altLang="zh-CN" sz="1800" dirty="0">
                           <a:latin typeface="仿宋" panose="02010609060101010101" pitchFamily="49" charset="-122"/>
                           <a:ea typeface="仿宋" panose="02010609060101010101" pitchFamily="49" charset="-122"/>
                         </a:rPr>
@@ -11983,7 +12055,7 @@
               <a:t>Python</a:t>
             </a:r>
             <a:r>
-              <a:rPr lang="zh-CN" altLang="en-US" sz="2300" dirty="0" smtClean="0">
+              <a:rPr lang="zh-CN" altLang="en-US" sz="2300" dirty="0">
                 <a:solidFill>
                   <a:srgbClr val="A22628"/>
                 </a:solidFill>
@@ -11992,13 +12064,6 @@
               </a:rPr>
               <a:t>期末展示</a:t>
             </a:r>
-            <a:endParaRPr lang="zh-CN" altLang="en-US" sz="2300" dirty="0">
-              <a:solidFill>
-                <a:srgbClr val="A22628"/>
-              </a:solidFill>
-              <a:latin typeface="Times New Roman" panose="02020603050405020304" pitchFamily="18" charset="0"/>
-              <a:cs typeface="Times New Roman" panose="02020603050405020304" pitchFamily="18" charset="0"/>
-            </a:endParaRPr>
           </a:p>
         </p:txBody>
       </p:sp>
@@ -12195,16 +12260,12 @@
           <a:lstStyle/>
           <a:p>
             <a:r>
-              <a:rPr lang="zh-CN" altLang="en-US" sz="2000" dirty="0" smtClean="0">
+              <a:rPr lang="zh-CN" altLang="en-US" sz="2000" dirty="0">
                 <a:latin typeface="Arial" panose="020B0604020202020204" pitchFamily="34" charset="0"/>
                 <a:ea typeface="楷体" panose="02010609060101010101" pitchFamily="49" charset="-122"/>
               </a:rPr>
               <a:t>模型创新点</a:t>
             </a:r>
-            <a:endParaRPr lang="zh-CN" altLang="en-US" sz="2000" dirty="0">
-              <a:latin typeface="Arial" panose="020B0604020202020204" pitchFamily="34" charset="0"/>
-              <a:ea typeface="楷体" panose="02010609060101010101" pitchFamily="49" charset="-122"/>
-            </a:endParaRPr>
           </a:p>
           <a:p>
             <a:endParaRPr lang="zh-CN" altLang="en-US" sz="2000" dirty="0">
@@ -12275,18 +12336,6 @@
             <a:p>
               <a:pPr lvl="0" algn="just" fontAlgn="auto"/>
               <a:r>
-                <a:rPr lang="zh-CN" altLang="en-US" dirty="0" smtClean="0">
-                  <a:solidFill>
-                    <a:schemeClr val="tx1"/>
-                  </a:solidFill>
-                  <a:latin typeface="Times New Roman" panose="02020603050405020304" pitchFamily="18" charset="0"/>
-                  <a:ea typeface="楷体" panose="02010609060101010101" pitchFamily="49" charset="-122"/>
-                  <a:cs typeface="Times New Roman" panose="02020603050405020304" pitchFamily="18" charset="0"/>
-                  <a:sym typeface="+mn-ea"/>
-                </a:rPr>
-                <a:t>面积</a:t>
-              </a:r>
-              <a:r>
                 <a:rPr lang="zh-CN" altLang="en-US" dirty="0">
                   <a:solidFill>
                     <a:schemeClr val="tx1"/>
@@ -12296,31 +12345,7 @@
                   <a:cs typeface="Times New Roman" panose="02020603050405020304" pitchFamily="18" charset="0"/>
                   <a:sym typeface="+mn-ea"/>
                 </a:rPr>
-                <a:t>、年代、费用类字段的单位</a:t>
-              </a:r>
-              <a:r>
-                <a:rPr lang="zh-CN" altLang="en-US" dirty="0" smtClean="0">
-                  <a:solidFill>
-                    <a:schemeClr val="tx1"/>
-                  </a:solidFill>
-                  <a:latin typeface="Times New Roman" panose="02020603050405020304" pitchFamily="18" charset="0"/>
-                  <a:ea typeface="楷体" panose="02010609060101010101" pitchFamily="49" charset="-122"/>
-                  <a:cs typeface="Times New Roman" panose="02020603050405020304" pitchFamily="18" charset="0"/>
-                  <a:sym typeface="+mn-ea"/>
-                </a:rPr>
-                <a:t>清洗支持</a:t>
-              </a:r>
-              <a:r>
-                <a:rPr lang="zh-CN" altLang="en-US" dirty="0">
-                  <a:solidFill>
-                    <a:schemeClr val="tx1"/>
-                  </a:solidFill>
-                  <a:latin typeface="Times New Roman" panose="02020603050405020304" pitchFamily="18" charset="0"/>
-                  <a:ea typeface="楷体" panose="02010609060101010101" pitchFamily="49" charset="-122"/>
-                  <a:cs typeface="Times New Roman" panose="02020603050405020304" pitchFamily="18" charset="0"/>
-                  <a:sym typeface="+mn-ea"/>
-                </a:rPr>
-                <a:t>多种中文单位（㎡、元</a:t>
+                <a:t>面积、年代、费用类字段的单位清洗支持多种中文单位（㎡、元</a:t>
               </a:r>
               <a:r>
                 <a:rPr lang="en-US" altLang="zh-CN" dirty="0">
@@ -12392,31 +12417,7 @@
                   <a:cs typeface="Times New Roman" panose="02020603050405020304" pitchFamily="18" charset="0"/>
                   <a:sym typeface="+mn-ea"/>
                 </a:rPr>
-                <a:t>等），并统一转为数值型</a:t>
-              </a:r>
-              <a:r>
-                <a:rPr lang="zh-CN" altLang="en-US" dirty="0" smtClean="0">
-                  <a:solidFill>
-                    <a:schemeClr val="tx1"/>
-                  </a:solidFill>
-                  <a:latin typeface="Times New Roman" panose="02020603050405020304" pitchFamily="18" charset="0"/>
-                  <a:ea typeface="楷体" panose="02010609060101010101" pitchFamily="49" charset="-122"/>
-                  <a:cs typeface="Times New Roman" panose="02020603050405020304" pitchFamily="18" charset="0"/>
-                  <a:sym typeface="+mn-ea"/>
-                </a:rPr>
-                <a:t>。对 </a:t>
-              </a:r>
-              <a:r>
-                <a:rPr lang="zh-CN" altLang="en-US" dirty="0">
-                  <a:solidFill>
-                    <a:schemeClr val="tx1"/>
-                  </a:solidFill>
-                  <a:latin typeface="Times New Roman" panose="02020603050405020304" pitchFamily="18" charset="0"/>
-                  <a:ea typeface="楷体" panose="02010609060101010101" pitchFamily="49" charset="-122"/>
-                  <a:cs typeface="Times New Roman" panose="02020603050405020304" pitchFamily="18" charset="0"/>
-                  <a:sym typeface="+mn-ea"/>
-                </a:rPr>
-                <a:t>“绿 化 率”、“容 积 率”、“物 业 费” 等列名中带有全角空格的列进行了清洗与重命名，保证数据一致性。对于“建筑年代”字段，转换为“房屋年龄”，并 进行异常值裁剪（</a:t>
+                <a:t>等），并统一转为数值型。对 “绿 化 率”、“容 积 率”、“物 业 费” 等列名中带有全角空格的列进行了清洗与重命名，保证数据一致性。对于“建筑年代”字段，转换为“房屋年龄”，并 进行异常值裁剪（</a:t>
               </a:r>
               <a:r>
                 <a:rPr lang="en-US" altLang="zh-CN" dirty="0">
@@ -12644,7 +12645,7 @@
             <a:p>
               <a:pPr algn="ctr"/>
               <a:r>
-                <a:rPr lang="zh-CN" altLang="en-US" sz="1600" b="1" dirty="0" smtClean="0">
+                <a:rPr lang="zh-CN" altLang="en-US" sz="1600" b="1" dirty="0">
                   <a:solidFill>
                     <a:schemeClr val="bg1"/>
                   </a:solidFill>
@@ -12655,15 +12656,6 @@
                 </a:rPr>
                 <a:t>数据处理</a:t>
               </a:r>
-              <a:endParaRPr lang="zh-CN" altLang="en-US" sz="1600" b="1" dirty="0">
-                <a:solidFill>
-                  <a:schemeClr val="bg1"/>
-                </a:solidFill>
-                <a:latin typeface="Times New Roman" panose="02020603050405020304" pitchFamily="18" charset="0"/>
-                <a:ea typeface="楷体" panose="02010609060101010101" pitchFamily="49" charset="-122"/>
-                <a:cs typeface="Times New Roman" panose="02020603050405020304" pitchFamily="18" charset="0"/>
-                <a:sym typeface="+mn-ea"/>
-              </a:endParaRPr>
             </a:p>
           </p:txBody>
         </p:sp>
@@ -12753,7 +12745,7 @@
                 <a:t>details</a:t>
               </a:r>
               <a:r>
-                <a:rPr lang="zh-CN" altLang="en-US" dirty="0" smtClean="0">
+                <a:rPr lang="zh-CN" altLang="en-US" dirty="0">
                   <a:solidFill>
                     <a:schemeClr val="tx1"/>
                   </a:solidFill>
@@ -12764,7 +12756,7 @@
                 </a:rPr>
                 <a:t>）</a:t>
               </a:r>
-              <a:endParaRPr lang="en-US" altLang="zh-CN" dirty="0" smtClean="0">
+              <a:endParaRPr lang="en-US" altLang="zh-CN" dirty="0">
                 <a:solidFill>
                   <a:schemeClr val="tx1"/>
                 </a:solidFill>
@@ -12776,18 +12768,6 @@
             </a:p>
             <a:p>
               <a:pPr lvl="0" algn="just" fontAlgn="auto"/>
-              <a:r>
-                <a:rPr lang="zh-CN" altLang="en-US" dirty="0" smtClean="0">
-                  <a:solidFill>
-                    <a:schemeClr val="tx1"/>
-                  </a:solidFill>
-                  <a:latin typeface="Times New Roman" panose="02020603050405020304" pitchFamily="18" charset="0"/>
-                  <a:ea typeface="楷体" panose="02010609060101010101" pitchFamily="49" charset="-122"/>
-                  <a:cs typeface="Times New Roman" panose="02020603050405020304" pitchFamily="18" charset="0"/>
-                  <a:sym typeface="+mn-ea"/>
-                </a:rPr>
-                <a:t>用</a:t>
-              </a:r>
               <a:r>
                 <a:rPr lang="zh-CN" altLang="en-US" dirty="0">
                   <a:solidFill>
@@ -12798,45 +12778,9 @@
                   <a:cs typeface="Times New Roman" panose="02020603050405020304" pitchFamily="18" charset="0"/>
                   <a:sym typeface="+mn-ea"/>
                 </a:rPr>
-                <a:t>“小区名称”对齐合并，避免冗余列（开发商、物业电话等</a:t>
+                <a:t>用“小区名称”对齐合并，避免冗余列（开发商、物业电话等），并提取有用信息如：户栋比、楼栋数、物业类别、停车费、建筑结构、物业费等。</a:t>
               </a:r>
-              <a:r>
-                <a:rPr lang="zh-CN" altLang="en-US" dirty="0" smtClean="0">
-                  <a:solidFill>
-                    <a:schemeClr val="tx1"/>
-                  </a:solidFill>
-                  <a:latin typeface="Times New Roman" panose="02020603050405020304" pitchFamily="18" charset="0"/>
-                  <a:ea typeface="楷体" panose="02010609060101010101" pitchFamily="49" charset="-122"/>
-                  <a:cs typeface="Times New Roman" panose="02020603050405020304" pitchFamily="18" charset="0"/>
-                  <a:sym typeface="+mn-ea"/>
-                </a:rPr>
-                <a:t>），并提取</a:t>
-              </a:r>
-              <a:r>
-                <a:rPr lang="zh-CN" altLang="en-US" dirty="0">
-                  <a:solidFill>
-                    <a:schemeClr val="tx1"/>
-                  </a:solidFill>
-                  <a:latin typeface="Times New Roman" panose="02020603050405020304" pitchFamily="18" charset="0"/>
-                  <a:ea typeface="楷体" panose="02010609060101010101" pitchFamily="49" charset="-122"/>
-                  <a:cs typeface="Times New Roman" panose="02020603050405020304" pitchFamily="18" charset="0"/>
-                  <a:sym typeface="+mn-ea"/>
-                </a:rPr>
-                <a:t>有用信息如：户栋比、楼栋数、物业类别、停车费、建筑结构、物业费</a:t>
-              </a:r>
-              <a:r>
-                <a:rPr lang="zh-CN" altLang="en-US" dirty="0" smtClean="0">
-                  <a:solidFill>
-                    <a:schemeClr val="tx1"/>
-                  </a:solidFill>
-                  <a:latin typeface="Times New Roman" panose="02020603050405020304" pitchFamily="18" charset="0"/>
-                  <a:ea typeface="楷体" panose="02010609060101010101" pitchFamily="49" charset="-122"/>
-                  <a:cs typeface="Times New Roman" panose="02020603050405020304" pitchFamily="18" charset="0"/>
-                  <a:sym typeface="+mn-ea"/>
-                </a:rPr>
-                <a:t>等。</a:t>
-              </a:r>
-              <a:endParaRPr lang="en-US" altLang="zh-CN" dirty="0" smtClean="0">
+              <a:endParaRPr lang="en-US" altLang="zh-CN" dirty="0">
                 <a:solidFill>
                   <a:schemeClr val="tx1"/>
                 </a:solidFill>
@@ -12882,21 +12826,9 @@
                   <a:cs typeface="Times New Roman" panose="02020603050405020304" pitchFamily="18" charset="0"/>
                   <a:sym typeface="+mn-ea"/>
                 </a:rPr>
-                <a:t>个租金统计量：均值、标准差、极值、样本数等</a:t>
+                <a:t>个租金统计量：均值、标准差、极值、样本数等。</a:t>
               </a:r>
-              <a:r>
-                <a:rPr lang="zh-CN" altLang="en-US" dirty="0" smtClean="0">
-                  <a:solidFill>
-                    <a:schemeClr val="tx1"/>
-                  </a:solidFill>
-                  <a:latin typeface="Times New Roman" panose="02020603050405020304" pitchFamily="18" charset="0"/>
-                  <a:ea typeface="楷体" panose="02010609060101010101" pitchFamily="49" charset="-122"/>
-                  <a:cs typeface="Times New Roman" panose="02020603050405020304" pitchFamily="18" charset="0"/>
-                  <a:sym typeface="+mn-ea"/>
-                </a:rPr>
-                <a:t>。</a:t>
-              </a:r>
-              <a:endParaRPr lang="en-US" altLang="zh-CN" dirty="0" smtClean="0">
+              <a:endParaRPr lang="en-US" altLang="zh-CN" dirty="0">
                 <a:solidFill>
                   <a:schemeClr val="tx1"/>
                 </a:solidFill>
@@ -12908,18 +12840,6 @@
             </a:p>
             <a:p>
               <a:pPr lvl="0" algn="just" fontAlgn="auto"/>
-              <a:r>
-                <a:rPr lang="zh-CN" altLang="en-US" dirty="0" smtClean="0">
-                  <a:solidFill>
-                    <a:schemeClr val="tx1"/>
-                  </a:solidFill>
-                  <a:latin typeface="Times New Roman" panose="02020603050405020304" pitchFamily="18" charset="0"/>
-                  <a:ea typeface="楷体" panose="02010609060101010101" pitchFamily="49" charset="-122"/>
-                  <a:cs typeface="Times New Roman" panose="02020603050405020304" pitchFamily="18" charset="0"/>
-                  <a:sym typeface="+mn-ea"/>
-                </a:rPr>
-                <a:t>构造</a:t>
-              </a:r>
               <a:r>
                 <a:rPr lang="zh-CN" altLang="en-US" dirty="0">
                   <a:solidFill>
@@ -12930,7 +12850,7 @@
                   <a:cs typeface="Times New Roman" panose="02020603050405020304" pitchFamily="18" charset="0"/>
                   <a:sym typeface="+mn-ea"/>
                 </a:rPr>
-                <a:t>租售比：年租金 </a:t>
+                <a:t>构造租售比：年租金 </a:t>
               </a:r>
               <a:r>
                 <a:rPr lang="en-US" altLang="zh-CN" dirty="0">
@@ -12954,29 +12874,8 @@
                   <a:cs typeface="Times New Roman" panose="02020603050405020304" pitchFamily="18" charset="0"/>
                   <a:sym typeface="+mn-ea"/>
                 </a:rPr>
-                <a:t>房价，作为衡量房价合理性的重要</a:t>
+                <a:t>房价，作为衡量房价合理性的重要指标。</a:t>
               </a:r>
-              <a:r>
-                <a:rPr lang="zh-CN" altLang="en-US" dirty="0" smtClean="0">
-                  <a:solidFill>
-                    <a:schemeClr val="tx1"/>
-                  </a:solidFill>
-                  <a:latin typeface="Times New Roman" panose="02020603050405020304" pitchFamily="18" charset="0"/>
-                  <a:ea typeface="楷体" panose="02010609060101010101" pitchFamily="49" charset="-122"/>
-                  <a:cs typeface="Times New Roman" panose="02020603050405020304" pitchFamily="18" charset="0"/>
-                  <a:sym typeface="+mn-ea"/>
-                </a:rPr>
-                <a:t>指标。</a:t>
-              </a:r>
-              <a:endParaRPr lang="zh-CN" altLang="en-US" dirty="0">
-                <a:solidFill>
-                  <a:schemeClr val="tx1"/>
-                </a:solidFill>
-                <a:latin typeface="Times New Roman" panose="02020603050405020304" pitchFamily="18" charset="0"/>
-                <a:ea typeface="楷体" panose="02010609060101010101" pitchFamily="49" charset="-122"/>
-                <a:cs typeface="Times New Roman" panose="02020603050405020304" pitchFamily="18" charset="0"/>
-                <a:sym typeface="+mn-ea"/>
-              </a:endParaRPr>
             </a:p>
           </p:txBody>
         </p:sp>
@@ -13023,7 +12922,7 @@
             <a:p>
               <a:pPr algn="ctr"/>
               <a:r>
-                <a:rPr lang="zh-CN" altLang="en-US" sz="1600" b="1" dirty="0" smtClean="0">
+                <a:rPr lang="zh-CN" altLang="en-US" sz="1600" b="1" dirty="0">
                   <a:solidFill>
                     <a:schemeClr val="bg1"/>
                   </a:solidFill>
@@ -13034,15 +12933,6 @@
                 </a:rPr>
                 <a:t>数据融合</a:t>
               </a:r>
-              <a:endParaRPr lang="zh-CN" altLang="en-US" sz="1600" b="1" dirty="0">
-                <a:solidFill>
-                  <a:schemeClr val="bg1"/>
-                </a:solidFill>
-                <a:latin typeface="Times New Roman" panose="02020603050405020304" pitchFamily="18" charset="0"/>
-                <a:ea typeface="楷体" panose="02010609060101010101" pitchFamily="49" charset="-122"/>
-                <a:cs typeface="Times New Roman" panose="02020603050405020304" pitchFamily="18" charset="0"/>
-                <a:sym typeface="+mn-ea"/>
-              </a:endParaRPr>
             </a:p>
           </p:txBody>
         </p:sp>
@@ -13165,21 +13055,9 @@
                   <a:cs typeface="Times New Roman" panose="02020603050405020304" pitchFamily="18" charset="0"/>
                   <a:sym typeface="+mn-ea"/>
                 </a:rPr>
-                <a:t>作为目标变量，解决房价右偏严重问题</a:t>
+                <a:t>作为目标变量，解决房价右偏严重问题。</a:t>
               </a:r>
-              <a:r>
-                <a:rPr lang="zh-CN" altLang="en-US" dirty="0" smtClean="0">
-                  <a:solidFill>
-                    <a:schemeClr val="tx1"/>
-                  </a:solidFill>
-                  <a:latin typeface="Times New Roman" panose="02020603050405020304" pitchFamily="18" charset="0"/>
-                  <a:ea typeface="楷体" panose="02010609060101010101" pitchFamily="49" charset="-122"/>
-                  <a:cs typeface="Times New Roman" panose="02020603050405020304" pitchFamily="18" charset="0"/>
-                  <a:sym typeface="+mn-ea"/>
-                </a:rPr>
-                <a:t>。</a:t>
-              </a:r>
-              <a:endParaRPr lang="en-US" altLang="zh-CN" dirty="0" smtClean="0">
+              <a:endParaRPr lang="en-US" altLang="zh-CN" dirty="0">
                 <a:solidFill>
                   <a:schemeClr val="tx1"/>
                 </a:solidFill>
@@ -13191,18 +13069,6 @@
             </a:p>
             <a:p>
               <a:pPr lvl="0" algn="just" fontAlgn="auto"/>
-              <a:r>
-                <a:rPr lang="zh-CN" altLang="en-US" dirty="0" smtClean="0">
-                  <a:solidFill>
-                    <a:schemeClr val="tx1"/>
-                  </a:solidFill>
-                  <a:latin typeface="Times New Roman" panose="02020603050405020304" pitchFamily="18" charset="0"/>
-                  <a:ea typeface="楷体" panose="02010609060101010101" pitchFamily="49" charset="-122"/>
-                  <a:cs typeface="Times New Roman" panose="02020603050405020304" pitchFamily="18" charset="0"/>
-                  <a:sym typeface="+mn-ea"/>
-                </a:rPr>
-                <a:t>并且，所有</a:t>
-              </a:r>
               <a:r>
                 <a:rPr lang="zh-CN" altLang="en-US" dirty="0">
                   <a:solidFill>
@@ -13213,7 +13079,7 @@
                   <a:cs typeface="Times New Roman" panose="02020603050405020304" pitchFamily="18" charset="0"/>
                   <a:sym typeface="+mn-ea"/>
                 </a:rPr>
-                <a:t>预测先出单价，再乘以建筑面积，恢复为总价；逻辑清晰并提升可解释性</a:t>
+                <a:t>并且，所有预测先出单价，再乘以建筑面积，恢复为总价；逻辑清晰并提升可解释性</a:t>
               </a:r>
             </a:p>
           </p:txBody>
@@ -13261,7 +13127,7 @@
             <a:p>
               <a:pPr algn="ctr"/>
               <a:r>
-                <a:rPr lang="zh-CN" altLang="en-US" sz="1600" b="1" dirty="0" smtClean="0">
+                <a:rPr lang="zh-CN" altLang="en-US" sz="1600" b="1" dirty="0">
                   <a:solidFill>
                     <a:schemeClr val="bg1"/>
                   </a:solidFill>
@@ -13272,15 +13138,6 @@
                 </a:rPr>
                 <a:t>建模策略</a:t>
               </a:r>
-              <a:endParaRPr lang="zh-CN" altLang="en-US" sz="1600" b="1" dirty="0">
-                <a:solidFill>
-                  <a:schemeClr val="bg1"/>
-                </a:solidFill>
-                <a:latin typeface="Times New Roman" panose="02020603050405020304" pitchFamily="18" charset="0"/>
-                <a:ea typeface="楷体" panose="02010609060101010101" pitchFamily="49" charset="-122"/>
-                <a:cs typeface="Times New Roman" panose="02020603050405020304" pitchFamily="18" charset="0"/>
-                <a:sym typeface="+mn-ea"/>
-              </a:endParaRPr>
             </a:p>
           </p:txBody>
         </p:sp>
@@ -13404,7 +13261,7 @@
               <a:t>Python</a:t>
             </a:r>
             <a:r>
-              <a:rPr lang="zh-CN" altLang="en-US" sz="2300" dirty="0" smtClean="0">
+              <a:rPr lang="zh-CN" altLang="en-US" sz="2300" dirty="0">
                 <a:solidFill>
                   <a:srgbClr val="A22628"/>
                 </a:solidFill>
@@ -13413,13 +13270,6 @@
               </a:rPr>
               <a:t>期末展示</a:t>
             </a:r>
-            <a:endParaRPr lang="zh-CN" altLang="en-US" sz="2300" dirty="0">
-              <a:solidFill>
-                <a:srgbClr val="A22628"/>
-              </a:solidFill>
-              <a:latin typeface="Times New Roman" panose="02020603050405020304" pitchFamily="18" charset="0"/>
-              <a:cs typeface="Times New Roman" panose="02020603050405020304" pitchFamily="18" charset="0"/>
-            </a:endParaRPr>
           </a:p>
         </p:txBody>
       </p:sp>
@@ -13616,16 +13466,12 @@
           <a:lstStyle/>
           <a:p>
             <a:r>
-              <a:rPr lang="zh-CN" altLang="en-US" sz="2000" dirty="0" smtClean="0">
+              <a:rPr lang="zh-CN" altLang="en-US" sz="2000" dirty="0">
                 <a:latin typeface="Arial" panose="020B0604020202020204" pitchFamily="34" charset="0"/>
                 <a:ea typeface="楷体" panose="02010609060101010101" pitchFamily="49" charset="-122"/>
               </a:rPr>
               <a:t>模型创新点</a:t>
             </a:r>
-            <a:endParaRPr lang="zh-CN" altLang="en-US" sz="2000" dirty="0">
-              <a:latin typeface="Arial" panose="020B0604020202020204" pitchFamily="34" charset="0"/>
-              <a:ea typeface="楷体" panose="02010609060101010101" pitchFamily="49" charset="-122"/>
-            </a:endParaRPr>
           </a:p>
           <a:p>
             <a:endParaRPr lang="zh-CN" altLang="en-US" sz="2000" dirty="0">
@@ -13705,21 +13551,9 @@
                   <a:cs typeface="Times New Roman" panose="02020603050405020304" pitchFamily="18" charset="0"/>
                   <a:sym typeface="+mn-ea"/>
                 </a:rPr>
-                <a:t>随机森林的超参数复杂而相互依赖</a:t>
+                <a:t>随机森林的超参数复杂而相互依赖：</a:t>
               </a:r>
-              <a:r>
-                <a:rPr lang="zh-CN" altLang="en-US" dirty="0" smtClean="0">
-                  <a:solidFill>
-                    <a:schemeClr val="tx1"/>
-                  </a:solidFill>
-                  <a:latin typeface="Times New Roman" panose="02020603050405020304" pitchFamily="18" charset="0"/>
-                  <a:ea typeface="楷体" panose="02010609060101010101" pitchFamily="49" charset="-122"/>
-                  <a:cs typeface="Times New Roman" panose="02020603050405020304" pitchFamily="18" charset="0"/>
-                  <a:sym typeface="+mn-ea"/>
-                </a:rPr>
-                <a:t>：</a:t>
-              </a:r>
-              <a:endParaRPr lang="en-US" altLang="zh-CN" dirty="0" smtClean="0">
+              <a:endParaRPr lang="en-US" altLang="zh-CN" dirty="0">
                 <a:solidFill>
                   <a:schemeClr val="tx1"/>
                 </a:solidFill>
@@ -13732,7 +13566,7 @@
             <a:p>
               <a:pPr lvl="0" algn="just" fontAlgn="auto"/>
               <a:r>
-                <a:rPr lang="zh-CN" altLang="en-US" dirty="0" smtClean="0">
+                <a:rPr lang="zh-CN" altLang="en-US" dirty="0">
                   <a:solidFill>
                     <a:schemeClr val="tx1"/>
                   </a:solidFill>
@@ -13741,7 +13575,31 @@
                   <a:cs typeface="Times New Roman" panose="02020603050405020304" pitchFamily="18" charset="0"/>
                   <a:sym typeface="+mn-ea"/>
                 </a:rPr>
-                <a:t>常见</a:t>
+                <a:t>常见超参数如：</a:t>
+              </a:r>
+              <a:endParaRPr lang="en-US" altLang="zh-CN" dirty="0">
+                <a:solidFill>
+                  <a:schemeClr val="tx1"/>
+                </a:solidFill>
+                <a:latin typeface="Times New Roman" panose="02020603050405020304" pitchFamily="18" charset="0"/>
+                <a:ea typeface="楷体" panose="02010609060101010101" pitchFamily="49" charset="-122"/>
+                <a:cs typeface="Times New Roman" panose="02020603050405020304" pitchFamily="18" charset="0"/>
+                <a:sym typeface="+mn-ea"/>
+              </a:endParaRPr>
+            </a:p>
+            <a:p>
+              <a:pPr lvl="0" algn="just" fontAlgn="auto"/>
+              <a:r>
+                <a:rPr lang="en-US" altLang="zh-CN" dirty="0" err="1">
+                  <a:solidFill>
+                    <a:schemeClr val="tx1"/>
+                  </a:solidFill>
+                  <a:latin typeface="Times New Roman" panose="02020603050405020304" pitchFamily="18" charset="0"/>
+                  <a:ea typeface="楷体" panose="02010609060101010101" pitchFamily="49" charset="-122"/>
+                  <a:cs typeface="Times New Roman" panose="02020603050405020304" pitchFamily="18" charset="0"/>
+                  <a:sym typeface="+mn-ea"/>
+                </a:rPr>
+                <a:t>n_estimators</a:t>
               </a:r>
               <a:r>
                 <a:rPr lang="zh-CN" altLang="en-US" dirty="0">
@@ -13753,58 +13611,10 @@
                   <a:cs typeface="Times New Roman" panose="02020603050405020304" pitchFamily="18" charset="0"/>
                   <a:sym typeface="+mn-ea"/>
                 </a:rPr>
-                <a:t>超参数如</a:t>
-              </a:r>
-              <a:r>
-                <a:rPr lang="zh-CN" altLang="en-US" dirty="0" smtClean="0">
-                  <a:solidFill>
-                    <a:schemeClr val="tx1"/>
-                  </a:solidFill>
-                  <a:latin typeface="Times New Roman" panose="02020603050405020304" pitchFamily="18" charset="0"/>
-                  <a:ea typeface="楷体" panose="02010609060101010101" pitchFamily="49" charset="-122"/>
-                  <a:cs typeface="Times New Roman" panose="02020603050405020304" pitchFamily="18" charset="0"/>
-                  <a:sym typeface="+mn-ea"/>
-                </a:rPr>
-                <a:t>：</a:t>
-              </a:r>
-              <a:endParaRPr lang="en-US" altLang="zh-CN" dirty="0" smtClean="0">
-                <a:solidFill>
-                  <a:schemeClr val="tx1"/>
-                </a:solidFill>
-                <a:latin typeface="Times New Roman" panose="02020603050405020304" pitchFamily="18" charset="0"/>
-                <a:ea typeface="楷体" panose="02010609060101010101" pitchFamily="49" charset="-122"/>
-                <a:cs typeface="Times New Roman" panose="02020603050405020304" pitchFamily="18" charset="0"/>
-                <a:sym typeface="+mn-ea"/>
-              </a:endParaRPr>
-            </a:p>
-            <a:p>
-              <a:pPr lvl="0" algn="just" fontAlgn="auto"/>
-              <a:r>
-                <a:rPr lang="en-US" altLang="zh-CN" dirty="0" err="1" smtClean="0">
-                  <a:solidFill>
-                    <a:schemeClr val="tx1"/>
-                  </a:solidFill>
-                  <a:latin typeface="Times New Roman" panose="02020603050405020304" pitchFamily="18" charset="0"/>
-                  <a:ea typeface="楷体" panose="02010609060101010101" pitchFamily="49" charset="-122"/>
-                  <a:cs typeface="Times New Roman" panose="02020603050405020304" pitchFamily="18" charset="0"/>
-                  <a:sym typeface="+mn-ea"/>
-                </a:rPr>
-                <a:t>n_estimators</a:t>
-              </a:r>
-              <a:r>
-                <a:rPr lang="zh-CN" altLang="en-US" dirty="0" smtClean="0">
-                  <a:solidFill>
-                    <a:schemeClr val="tx1"/>
-                  </a:solidFill>
-                  <a:latin typeface="Times New Roman" panose="02020603050405020304" pitchFamily="18" charset="0"/>
-                  <a:ea typeface="楷体" panose="02010609060101010101" pitchFamily="49" charset="-122"/>
-                  <a:cs typeface="Times New Roman" panose="02020603050405020304" pitchFamily="18" charset="0"/>
-                  <a:sym typeface="+mn-ea"/>
-                </a:rPr>
                 <a:t>：决策树个数；</a:t>
               </a:r>
               <a:r>
-                <a:rPr lang="en-US" altLang="zh-CN" dirty="0" err="1" smtClean="0">
+                <a:rPr lang="en-US" altLang="zh-CN" dirty="0" err="1">
                   <a:solidFill>
                     <a:schemeClr val="tx1"/>
                   </a:solidFill>
@@ -13816,7 +13626,7 @@
                 <a:t>max_depth</a:t>
               </a:r>
               <a:r>
-                <a:rPr lang="zh-CN" altLang="en-US" dirty="0" smtClean="0">
+                <a:rPr lang="zh-CN" altLang="en-US" dirty="0">
                   <a:solidFill>
                     <a:schemeClr val="tx1"/>
                   </a:solidFill>
@@ -13827,7 +13637,7 @@
                 </a:rPr>
                 <a:t>：树最大深度；</a:t>
               </a:r>
-              <a:endParaRPr lang="en-US" altLang="zh-CN" dirty="0" smtClean="0">
+              <a:endParaRPr lang="en-US" altLang="zh-CN" dirty="0">
                 <a:solidFill>
                   <a:schemeClr val="tx1"/>
                 </a:solidFill>
@@ -13840,7 +13650,7 @@
             <a:p>
               <a:pPr lvl="0" algn="just" fontAlgn="auto"/>
               <a:r>
-                <a:rPr lang="en-US" altLang="zh-CN" dirty="0" err="1" smtClean="0">
+                <a:rPr lang="en-US" altLang="zh-CN" dirty="0" err="1">
                   <a:solidFill>
                     <a:schemeClr val="tx1"/>
                   </a:solidFill>
@@ -13852,7 +13662,7 @@
                 <a:t>min_samples_split</a:t>
               </a:r>
               <a:r>
-                <a:rPr lang="zh-CN" altLang="en-US" dirty="0" smtClean="0">
+                <a:rPr lang="zh-CN" altLang="en-US" dirty="0">
                   <a:solidFill>
                     <a:schemeClr val="tx1"/>
                   </a:solidFill>
@@ -13863,7 +13673,7 @@
                 </a:rPr>
                 <a:t>：内部节点最小划分样本数；</a:t>
               </a:r>
-              <a:endParaRPr lang="en-US" altLang="zh-CN" dirty="0" smtClean="0">
+              <a:endParaRPr lang="en-US" altLang="zh-CN" dirty="0">
                 <a:solidFill>
                   <a:schemeClr val="tx1"/>
                 </a:solidFill>
@@ -13876,7 +13686,7 @@
             <a:p>
               <a:pPr lvl="0" algn="just" fontAlgn="auto"/>
               <a:r>
-                <a:rPr lang="en-US" altLang="zh-CN" dirty="0" err="1" smtClean="0">
+                <a:rPr lang="en-US" altLang="zh-CN" dirty="0" err="1">
                   <a:solidFill>
                     <a:schemeClr val="tx1"/>
                   </a:solidFill>
@@ -13888,7 +13698,7 @@
                 <a:t>min_samples_leaf</a:t>
               </a:r>
               <a:r>
-                <a:rPr lang="zh-CN" altLang="en-US" dirty="0" smtClean="0">
+                <a:rPr lang="zh-CN" altLang="en-US" dirty="0">
                   <a:solidFill>
                     <a:schemeClr val="tx1"/>
                   </a:solidFill>
@@ -13900,7 +13710,7 @@
                 <a:t>：叶子节点最小样本数；</a:t>
               </a:r>
               <a:r>
-                <a:rPr lang="en-US" altLang="zh-CN" dirty="0" err="1" smtClean="0">
+                <a:rPr lang="en-US" altLang="zh-CN" dirty="0" err="1">
                   <a:solidFill>
                     <a:schemeClr val="tx1"/>
                   </a:solidFill>
@@ -13912,7 +13722,7 @@
                 <a:t>max_features</a:t>
               </a:r>
               <a:r>
-                <a:rPr lang="zh-CN" altLang="en-US" dirty="0" smtClean="0">
+                <a:rPr lang="zh-CN" altLang="en-US" dirty="0">
                   <a:solidFill>
                     <a:schemeClr val="tx1"/>
                   </a:solidFill>
@@ -13923,7 +13733,7 @@
                 </a:rPr>
                 <a:t>：每次分裂考虑的特征比例</a:t>
               </a:r>
-              <a:endParaRPr lang="en-US" altLang="zh-CN" dirty="0" smtClean="0">
+              <a:endParaRPr lang="en-US" altLang="zh-CN" dirty="0">
                 <a:solidFill>
                   <a:schemeClr val="tx1"/>
                 </a:solidFill>
@@ -13936,7 +13746,7 @@
             <a:p>
               <a:pPr lvl="0" algn="just" fontAlgn="auto"/>
               <a:r>
-                <a:rPr lang="zh-CN" altLang="en-US" dirty="0" smtClean="0">
+                <a:rPr lang="zh-CN" altLang="en-US" dirty="0">
                   <a:solidFill>
                     <a:schemeClr val="tx1"/>
                   </a:solidFill>
@@ -13947,7 +13757,7 @@
                 </a:rPr>
                 <a:t>这些参数之间存在非线性、复杂的相互作用，靠人工调参难以找到最优解。</a:t>
               </a:r>
-              <a:endParaRPr lang="en-US" altLang="zh-CN" dirty="0" smtClean="0">
+              <a:endParaRPr lang="en-US" altLang="zh-CN" dirty="0">
                 <a:solidFill>
                   <a:schemeClr val="tx1"/>
                 </a:solidFill>
@@ -13960,7 +13770,7 @@
             <a:p>
               <a:pPr lvl="0" algn="just" fontAlgn="auto"/>
               <a:r>
-                <a:rPr lang="en-US" altLang="zh-CN" dirty="0" err="1" smtClean="0">
+                <a:rPr lang="en-US" altLang="zh-CN" dirty="0" err="1">
                   <a:solidFill>
                     <a:schemeClr val="tx1"/>
                   </a:solidFill>
@@ -13972,7 +13782,7 @@
                 <a:t>Optuna</a:t>
               </a:r>
               <a:r>
-                <a:rPr lang="en-US" altLang="zh-CN" dirty="0" smtClean="0">
+                <a:rPr lang="en-US" altLang="zh-CN" dirty="0">
                   <a:solidFill>
                     <a:schemeClr val="tx1"/>
                   </a:solidFill>
@@ -13984,7 +13794,7 @@
                 <a:t> </a:t>
               </a:r>
               <a:r>
-                <a:rPr lang="zh-CN" altLang="en-US" dirty="0" smtClean="0">
+                <a:rPr lang="zh-CN" altLang="en-US" dirty="0">
                   <a:solidFill>
                     <a:schemeClr val="tx1"/>
                   </a:solidFill>
@@ -13995,7 +13805,7 @@
                 </a:rPr>
                 <a:t>提供自动化探索机制，极大节省人力与时间成本。</a:t>
               </a:r>
-              <a:endParaRPr lang="en-US" altLang="zh-CN" dirty="0" smtClean="0">
+              <a:endParaRPr lang="en-US" altLang="zh-CN" dirty="0">
                 <a:solidFill>
                   <a:schemeClr val="tx1"/>
                 </a:solidFill>
@@ -14008,7 +13818,7 @@
             <a:p>
               <a:pPr lvl="0" algn="just" fontAlgn="auto"/>
               <a:r>
-                <a:rPr lang="zh-CN" altLang="en-US" dirty="0" smtClean="0">
+                <a:rPr lang="zh-CN" altLang="en-US" dirty="0">
                   <a:solidFill>
                     <a:schemeClr val="tx1"/>
                   </a:solidFill>
@@ -14020,7 +13830,7 @@
                 <a:t>并且以</a:t>
               </a:r>
               <a:r>
-                <a:rPr lang="en-US" altLang="zh-CN" dirty="0" smtClean="0">
+                <a:rPr lang="en-US" altLang="zh-CN" dirty="0">
                   <a:solidFill>
                     <a:schemeClr val="tx1"/>
                   </a:solidFill>
@@ -14032,7 +13842,7 @@
                 <a:t>MAE</a:t>
               </a:r>
               <a:r>
-                <a:rPr lang="zh-CN" altLang="en-US" dirty="0" smtClean="0">
+                <a:rPr lang="zh-CN" altLang="en-US" dirty="0">
                   <a:solidFill>
                     <a:schemeClr val="tx1"/>
                   </a:solidFill>
@@ -14043,15 +13853,6 @@
                 </a:rPr>
                 <a:t>作为优化指标，对极端值更稳健</a:t>
               </a:r>
-              <a:endParaRPr lang="zh-CN" altLang="en-US" dirty="0">
-                <a:solidFill>
-                  <a:schemeClr val="tx1"/>
-                </a:solidFill>
-                <a:latin typeface="Times New Roman" panose="02020603050405020304" pitchFamily="18" charset="0"/>
-                <a:ea typeface="楷体" panose="02010609060101010101" pitchFamily="49" charset="-122"/>
-                <a:cs typeface="Times New Roman" panose="02020603050405020304" pitchFamily="18" charset="0"/>
-                <a:sym typeface="+mn-ea"/>
-              </a:endParaRPr>
             </a:p>
           </p:txBody>
         </p:sp>
@@ -14102,7 +13903,7 @@
             <a:p>
               <a:pPr algn="ctr"/>
               <a:r>
-                <a:rPr lang="en-US" altLang="zh-CN" sz="1600" b="1" dirty="0" err="1" smtClean="0">
+                <a:rPr lang="en-US" altLang="zh-CN" sz="1600" b="1" dirty="0" err="1">
                   <a:solidFill>
                     <a:schemeClr val="bg1"/>
                   </a:solidFill>
@@ -14114,7 +13915,7 @@
                 <a:t>Optuna</a:t>
               </a:r>
               <a:r>
-                <a:rPr lang="zh-CN" altLang="en-US" sz="1600" b="1" dirty="0" smtClean="0">
+                <a:rPr lang="zh-CN" altLang="en-US" sz="1600" b="1" dirty="0">
                   <a:solidFill>
                     <a:schemeClr val="bg1"/>
                   </a:solidFill>
@@ -14125,15 +13926,6 @@
                 </a:rPr>
                 <a:t>调参</a:t>
               </a:r>
-              <a:endParaRPr lang="zh-CN" altLang="en-US" sz="1600" b="1" dirty="0">
-                <a:solidFill>
-                  <a:schemeClr val="bg1"/>
-                </a:solidFill>
-                <a:latin typeface="Times New Roman" panose="02020603050405020304" pitchFamily="18" charset="0"/>
-                <a:ea typeface="楷体" panose="02010609060101010101" pitchFamily="49" charset="-122"/>
-                <a:cs typeface="Times New Roman" panose="02020603050405020304" pitchFamily="18" charset="0"/>
-                <a:sym typeface="+mn-ea"/>
-              </a:endParaRPr>
             </a:p>
           </p:txBody>
         </p:sp>
@@ -14208,31 +14000,7 @@
                   <a:cs typeface="Times New Roman" panose="02020603050405020304" pitchFamily="18" charset="0"/>
                   <a:sym typeface="+mn-ea"/>
                 </a:rPr>
-                <a:t>在预测结果生成阶段</a:t>
-              </a:r>
-              <a:r>
-                <a:rPr lang="zh-CN" altLang="en-US" dirty="0" smtClean="0">
-                  <a:solidFill>
-                    <a:schemeClr val="tx1"/>
-                  </a:solidFill>
-                  <a:latin typeface="Times New Roman" panose="02020603050405020304" pitchFamily="18" charset="0"/>
-                  <a:ea typeface="楷体" panose="02010609060101010101" pitchFamily="49" charset="-122"/>
-                  <a:cs typeface="Times New Roman" panose="02020603050405020304" pitchFamily="18" charset="0"/>
-                  <a:sym typeface="+mn-ea"/>
-                </a:rPr>
-                <a:t>，采用</a:t>
-              </a:r>
-              <a:r>
-                <a:rPr lang="zh-CN" altLang="en-US" dirty="0">
-                  <a:solidFill>
-                    <a:schemeClr val="tx1"/>
-                  </a:solidFill>
-                  <a:latin typeface="Times New Roman" panose="02020603050405020304" pitchFamily="18" charset="0"/>
-                  <a:ea typeface="楷体" panose="02010609060101010101" pitchFamily="49" charset="-122"/>
-                  <a:cs typeface="Times New Roman" panose="02020603050405020304" pitchFamily="18" charset="0"/>
-                  <a:sym typeface="+mn-ea"/>
-                </a:rPr>
-                <a:t>了 </a:t>
+                <a:t>在预测结果生成阶段，采用了 </a:t>
               </a:r>
               <a:r>
                 <a:rPr lang="en-US" altLang="zh-CN" dirty="0">
@@ -14424,21 +14192,9 @@
                   <a:cs typeface="Times New Roman" panose="02020603050405020304" pitchFamily="18" charset="0"/>
                   <a:sym typeface="+mn-ea"/>
                 </a:rPr>
-                <a:t>的值，并将这些异常预测替换为非异常值的中位数，从而避免极端值对整体预测结果造成影响</a:t>
+                <a:t>的值，并将这些异常预测替换为非异常值的中位数，从而避免极端值对整体预测结果造成影响。</a:t>
               </a:r>
-              <a:r>
-                <a:rPr lang="zh-CN" altLang="en-US" dirty="0" smtClean="0">
-                  <a:solidFill>
-                    <a:schemeClr val="tx1"/>
-                  </a:solidFill>
-                  <a:latin typeface="Times New Roman" panose="02020603050405020304" pitchFamily="18" charset="0"/>
-                  <a:ea typeface="楷体" panose="02010609060101010101" pitchFamily="49" charset="-122"/>
-                  <a:cs typeface="Times New Roman" panose="02020603050405020304" pitchFamily="18" charset="0"/>
-                  <a:sym typeface="+mn-ea"/>
-                </a:rPr>
-                <a:t>。</a:t>
-              </a:r>
-              <a:endParaRPr lang="en-US" altLang="zh-CN" dirty="0" smtClean="0">
+              <a:endParaRPr lang="en-US" altLang="zh-CN" dirty="0">
                 <a:solidFill>
                   <a:schemeClr val="tx1"/>
                 </a:solidFill>
@@ -14450,18 +14206,6 @@
             </a:p>
             <a:p>
               <a:pPr lvl="0" algn="just" fontAlgn="auto"/>
-              <a:r>
-                <a:rPr lang="zh-CN" altLang="en-US" dirty="0" smtClean="0">
-                  <a:solidFill>
-                    <a:schemeClr val="tx1"/>
-                  </a:solidFill>
-                  <a:latin typeface="Times New Roman" panose="02020603050405020304" pitchFamily="18" charset="0"/>
-                  <a:ea typeface="楷体" panose="02010609060101010101" pitchFamily="49" charset="-122"/>
-                  <a:cs typeface="Times New Roman" panose="02020603050405020304" pitchFamily="18" charset="0"/>
-                  <a:sym typeface="+mn-ea"/>
-                </a:rPr>
-                <a:t>此外</a:t>
-              </a:r>
               <a:r>
                 <a:rPr lang="zh-CN" altLang="en-US" dirty="0">
                   <a:solidFill>
@@ -14472,7 +14216,7 @@
                   <a:cs typeface="Times New Roman" panose="02020603050405020304" pitchFamily="18" charset="0"/>
                   <a:sym typeface="+mn-ea"/>
                 </a:rPr>
-                <a:t>，为保证房价预测的合理性，模型还对所有预测结果做了非负约束处理，即将小于</a:t>
+                <a:t>此外，为保证房价预测的合理性，模型还对所有预测结果做了非负约束处理，即将小于</a:t>
               </a:r>
               <a:r>
                 <a:rPr lang="en-US" altLang="zh-CN" dirty="0">
@@ -14568,7 +14312,7 @@
             <a:p>
               <a:pPr algn="ctr"/>
               <a:r>
-                <a:rPr lang="zh-CN" altLang="en-US" sz="1600" b="1" dirty="0" smtClean="0">
+                <a:rPr lang="zh-CN" altLang="en-US" sz="1600" b="1" dirty="0">
                   <a:solidFill>
                     <a:schemeClr val="bg1"/>
                   </a:solidFill>
@@ -14579,7 +14323,7 @@
                 </a:rPr>
                 <a:t>异常值</a:t>
               </a:r>
-              <a:endParaRPr lang="en-US" altLang="zh-CN" sz="1600" b="1" dirty="0" smtClean="0">
+              <a:endParaRPr lang="en-US" altLang="zh-CN" sz="1600" b="1" dirty="0">
                 <a:solidFill>
                   <a:schemeClr val="bg1"/>
                 </a:solidFill>
@@ -14592,7 +14336,7 @@
             <a:p>
               <a:pPr algn="ctr"/>
               <a:r>
-                <a:rPr lang="zh-CN" altLang="en-US" sz="1600" b="1" dirty="0" smtClean="0">
+                <a:rPr lang="zh-CN" altLang="en-US" sz="1600" b="1" dirty="0">
                   <a:solidFill>
                     <a:schemeClr val="bg1"/>
                   </a:solidFill>
@@ -14603,15 +14347,6 @@
                 </a:rPr>
                 <a:t>处理</a:t>
               </a:r>
-              <a:endParaRPr lang="zh-CN" altLang="en-US" sz="1600" b="1" dirty="0">
-                <a:solidFill>
-                  <a:schemeClr val="bg1"/>
-                </a:solidFill>
-                <a:latin typeface="Times New Roman" panose="02020603050405020304" pitchFamily="18" charset="0"/>
-                <a:ea typeface="楷体" panose="02010609060101010101" pitchFamily="49" charset="-122"/>
-                <a:cs typeface="Times New Roman" panose="02020603050405020304" pitchFamily="18" charset="0"/>
-                <a:sym typeface="+mn-ea"/>
-              </a:endParaRPr>
             </a:p>
           </p:txBody>
         </p:sp>
@@ -14821,23 +14556,19 @@
           <a:p>
             <a:pPr algn="ctr"/>
             <a:r>
-              <a:rPr lang="en-US" altLang="zh-CN" sz="1600" b="1" dirty="0" smtClean="0">
+              <a:rPr lang="en-US" altLang="zh-CN" sz="1600" b="1" dirty="0">
                 <a:latin typeface="楷体" panose="02010609060101010101" pitchFamily="49" charset="-122"/>
                 <a:ea typeface="楷体" panose="02010609060101010101" pitchFamily="49" charset="-122"/>
               </a:rPr>
               <a:t>2022202654 </a:t>
             </a:r>
             <a:r>
-              <a:rPr lang="zh-CN" altLang="en-US" sz="1600" b="1" dirty="0" smtClean="0">
+              <a:rPr lang="zh-CN" altLang="en-US" sz="1600" b="1" dirty="0">
                 <a:latin typeface="楷体" panose="02010609060101010101" pitchFamily="49" charset="-122"/>
                 <a:ea typeface="楷体" panose="02010609060101010101" pitchFamily="49" charset="-122"/>
               </a:rPr>
               <a:t>江孟书</a:t>
             </a:r>
-            <a:endParaRPr lang="zh-CN" altLang="en-US" sz="1600" b="1" dirty="0">
-              <a:latin typeface="楷体" panose="02010609060101010101" pitchFamily="49" charset="-122"/>
-              <a:ea typeface="楷体" panose="02010609060101010101" pitchFamily="49" charset="-122"/>
-            </a:endParaRPr>
           </a:p>
         </p:txBody>
       </p:sp>
